--- a/PPT/Angular14-RXJS.pptx
+++ b/PPT/Angular14-RXJS.pptx
@@ -3714,11 +3714,7 @@
             <a:pPr eaLnBrk="1" hangingPunct="1"/>
             <a:r>
               <a:rPr lang="fr-FR" altLang="fr-FR" smtClean="0"/>
-              <a:t>Chapitre </a:t>
-            </a:r>
-            <a:r>
-              <a:rPr lang="fr-FR" altLang="fr-FR" smtClean="0"/>
-              <a:t>14</a:t>
+              <a:t>Chapitre 14</a:t>
             </a:r>
             <a:endParaRPr lang="fr-FR" altLang="fr-FR" dirty="0" smtClean="0"/>
           </a:p>
@@ -7649,7 +7645,7 @@
             </a:r>
             <a:r>
               <a:rPr lang="fr-FR" dirty="0" err="1" smtClean="0"/>
-              <a:t>susbscribes</a:t>
+              <a:t>subscribes</a:t>
             </a:r>
             <a:endParaRPr lang="fr-FR" dirty="0"/>
           </a:p>

--- a/PPT/Angular14-RXJS.pptx
+++ b/PPT/Angular14-RXJS.pptx
@@ -6789,7 +6789,15 @@
             </a:r>
             <a:r>
               <a:rPr lang="fr-FR" dirty="0" smtClean="0"/>
-              <a:t> 6 et </a:t>
+              <a:t> </a:t>
+            </a:r>
+            <a:r>
+              <a:rPr lang="fr-FR" dirty="0" smtClean="0"/>
+              <a:t>8 </a:t>
+            </a:r>
+            <a:r>
+              <a:rPr lang="fr-FR" dirty="0" smtClean="0"/>
+              <a:t>et </a:t>
             </a:r>
             <a:r>
               <a:rPr lang="fr-FR" dirty="0" err="1" smtClean="0"/>
@@ -6824,7 +6832,15 @@
             </a:r>
             <a:r>
               <a:rPr lang="fr-FR" dirty="0" smtClean="0"/>
-              <a:t> 6 utilise </a:t>
+              <a:t> </a:t>
+            </a:r>
+            <a:r>
+              <a:rPr lang="fr-FR" dirty="0" smtClean="0"/>
+              <a:t>8 </a:t>
+            </a:r>
+            <a:r>
+              <a:rPr lang="fr-FR" dirty="0" smtClean="0"/>
+              <a:t>utilise </a:t>
             </a:r>
             <a:r>
               <a:rPr lang="fr-FR" dirty="0" err="1" smtClean="0"/>
@@ -6841,83 +6857,6 @@
               <a:rPr lang="fr-FR" dirty="0" smtClean="0"/>
               <a:t>Très différent des version précédentes</a:t>
             </a:r>
-          </a:p>
-          <a:p>
-            <a:r>
-              <a:rPr lang="fr-FR" dirty="0" smtClean="0"/>
-              <a:t>Installation de </a:t>
-            </a:r>
-            <a:r>
-              <a:rPr lang="fr-FR" dirty="0" err="1" smtClean="0"/>
-              <a:t>RxJS</a:t>
-            </a:r>
-            <a:r>
-              <a:rPr lang="fr-FR" dirty="0" smtClean="0"/>
-              <a:t> 6</a:t>
-            </a:r>
-          </a:p>
-          <a:p>
-            <a:pPr lvl="1"/>
-            <a:r>
-              <a:rPr lang="fr-FR" dirty="0" smtClean="0"/>
-              <a:t>Inutile avec </a:t>
-            </a:r>
-            <a:r>
-              <a:rPr lang="fr-FR" dirty="0" err="1" smtClean="0"/>
-              <a:t>Angular</a:t>
-            </a:r>
-            <a:r>
-              <a:rPr lang="fr-FR" dirty="0" smtClean="0"/>
-              <a:t> 6</a:t>
-            </a:r>
-          </a:p>
-          <a:p>
-            <a:pPr lvl="1"/>
-            <a:r>
-              <a:rPr lang="fr-FR" dirty="0" err="1" smtClean="0"/>
-              <a:t>npm</a:t>
-            </a:r>
-            <a:r>
-              <a:rPr lang="fr-FR" dirty="0" smtClean="0"/>
-              <a:t> </a:t>
-            </a:r>
-            <a:r>
-              <a:rPr lang="fr-FR" dirty="0" err="1" smtClean="0"/>
-              <a:t>install</a:t>
-            </a:r>
-            <a:r>
-              <a:rPr lang="fr-FR" dirty="0" smtClean="0"/>
-              <a:t> </a:t>
-            </a:r>
-            <a:r>
-              <a:rPr lang="fr-FR" dirty="0" err="1" smtClean="0"/>
-              <a:t>rxjs</a:t>
-            </a:r>
-            <a:endParaRPr lang="fr-FR" dirty="0" smtClean="0"/>
-          </a:p>
-          <a:p>
-            <a:pPr lvl="1"/>
-            <a:r>
-              <a:rPr lang="fr-FR" dirty="0" err="1" smtClean="0"/>
-              <a:t>npm</a:t>
-            </a:r>
-            <a:r>
-              <a:rPr lang="fr-FR" dirty="0" smtClean="0"/>
-              <a:t> </a:t>
-            </a:r>
-            <a:r>
-              <a:rPr lang="fr-FR" dirty="0" err="1" smtClean="0"/>
-              <a:t>install</a:t>
-            </a:r>
-            <a:r>
-              <a:rPr lang="fr-FR" dirty="0" smtClean="0"/>
-              <a:t> </a:t>
-            </a:r>
-            <a:r>
-              <a:rPr lang="fr-FR" dirty="0" err="1" smtClean="0"/>
-              <a:t>rxjs-compat</a:t>
-            </a:r>
-            <a:endParaRPr lang="fr-FR" dirty="0" smtClean="0"/>
           </a:p>
           <a:p>
             <a:pPr lvl="1"/>

--- a/PPT/Angular14-RXJS.pptx
+++ b/PPT/Angular14-RXJS.pptx
@@ -5,10 +5,10 @@
     <p:sldMasterId id="2147483653" r:id="rId1"/>
   </p:sldMasterIdLst>
   <p:notesMasterIdLst>
-    <p:notesMasterId r:id="rId28"/>
+    <p:notesMasterId r:id="rId30"/>
   </p:notesMasterIdLst>
   <p:handoutMasterIdLst>
-    <p:handoutMasterId r:id="rId29"/>
+    <p:handoutMasterId r:id="rId31"/>
   </p:handoutMasterIdLst>
   <p:sldIdLst>
     <p:sldId id="264" r:id="rId2"/>
@@ -28,15 +28,17 @@
     <p:sldId id="280" r:id="rId16"/>
     <p:sldId id="273" r:id="rId17"/>
     <p:sldId id="281" r:id="rId18"/>
-    <p:sldId id="282" r:id="rId19"/>
-    <p:sldId id="283" r:id="rId20"/>
-    <p:sldId id="284" r:id="rId21"/>
-    <p:sldId id="285" r:id="rId22"/>
-    <p:sldId id="286" r:id="rId23"/>
-    <p:sldId id="287" r:id="rId24"/>
-    <p:sldId id="288" r:id="rId25"/>
-    <p:sldId id="289" r:id="rId26"/>
-    <p:sldId id="290" r:id="rId27"/>
+    <p:sldId id="291" r:id="rId19"/>
+    <p:sldId id="292" r:id="rId20"/>
+    <p:sldId id="282" r:id="rId21"/>
+    <p:sldId id="283" r:id="rId22"/>
+    <p:sldId id="284" r:id="rId23"/>
+    <p:sldId id="285" r:id="rId24"/>
+    <p:sldId id="286" r:id="rId25"/>
+    <p:sldId id="287" r:id="rId26"/>
+    <p:sldId id="288" r:id="rId27"/>
+    <p:sldId id="289" r:id="rId28"/>
+    <p:sldId id="290" r:id="rId29"/>
   </p:sldIdLst>
   <p:sldSz cx="9144000" cy="6858000" type="screen4x3"/>
   <p:notesSz cx="6648450" cy="9782175"/>
@@ -4083,8 +4085,13 @@
             </a:r>
             <a:r>
               <a:rPr lang="fr-FR" dirty="0"/>
-              <a:t>) =&gt; value++),</a:t>
-            </a:r>
+              <a:t>) =&gt; </a:t>
+            </a:r>
+            <a:r>
+              <a:rPr lang="fr-FR" dirty="0" smtClean="0"/>
+              <a:t>value + 1),</a:t>
+            </a:r>
+            <a:endParaRPr lang="fr-FR" dirty="0"/>
           </a:p>
           <a:p>
             <a:pPr marL="457200" lvl="1" indent="0">
@@ -4238,49 +4245,6 @@
               <a:rPr lang="en-US" dirty="0" smtClean="0"/>
               <a:t>';</a:t>
             </a:r>
-          </a:p>
-          <a:p>
-            <a:pPr lvl="1"/>
-            <a:r>
-              <a:rPr lang="en-US" dirty="0" err="1" smtClean="0"/>
-              <a:t>ou</a:t>
-            </a:r>
-            <a:r>
-              <a:rPr lang="en-US" dirty="0" smtClean="0"/>
-              <a:t> </a:t>
-            </a:r>
-          </a:p>
-          <a:p>
-            <a:pPr lvl="1"/>
-            <a:r>
-              <a:rPr lang="fr-FR" dirty="0"/>
-              <a:t>var op = </a:t>
-            </a:r>
-            <a:r>
-              <a:rPr lang="fr-FR" dirty="0" err="1"/>
-              <a:t>require</a:t>
-            </a:r>
-            <a:r>
-              <a:rPr lang="fr-FR" dirty="0"/>
-              <a:t>('</a:t>
-            </a:r>
-            <a:r>
-              <a:rPr lang="fr-FR" dirty="0" err="1"/>
-              <a:t>rxjs</a:t>
-            </a:r>
-            <a:r>
-              <a:rPr lang="fr-FR" dirty="0"/>
-              <a:t>/</a:t>
-            </a:r>
-            <a:r>
-              <a:rPr lang="fr-FR" dirty="0" err="1"/>
-              <a:t>operators</a:t>
-            </a:r>
-            <a:r>
-              <a:rPr lang="fr-FR" dirty="0"/>
-              <a:t>')</a:t>
-            </a:r>
-            <a:endParaRPr lang="fr-FR" dirty="0" smtClean="0"/>
           </a:p>
           <a:p>
             <a:endParaRPr lang="fr-FR" dirty="0"/>
@@ -4436,8 +4400,21 @@
             <a:pPr lvl="1"/>
             <a:r>
               <a:rPr lang="fr-FR" dirty="0" smtClean="0"/>
-              <a:t>Inventé par LISP</a:t>
-            </a:r>
+              <a:t>C'est la base de l'algorithme </a:t>
+            </a:r>
+            <a:r>
+              <a:rPr lang="fr-FR" dirty="0" err="1" smtClean="0"/>
+              <a:t>Map</a:t>
+            </a:r>
+            <a:r>
+              <a:rPr lang="fr-FR" dirty="0" err="1"/>
+              <a:t>-</a:t>
+            </a:r>
+            <a:r>
+              <a:rPr lang="fr-FR" dirty="0" err="1" smtClean="0"/>
+              <a:t>Reduce</a:t>
+            </a:r>
+            <a:endParaRPr lang="fr-FR" dirty="0" smtClean="0"/>
           </a:p>
           <a:p>
             <a:pPr lvl="1"/>
@@ -5230,8 +5207,8 @@
           <a:lstStyle/>
           <a:p>
             <a:r>
-              <a:rPr lang="fr-FR" dirty="0" smtClean="0"/>
-              <a:t>Les services réactifs</a:t>
+              <a:rPr lang="fr-FR" dirty="0" err="1" smtClean="0"/>
+              <a:t>Reduce</a:t>
             </a:r>
             <a:endParaRPr lang="fr-FR" dirty="0"/>
           </a:p>
@@ -5253,115 +5230,137 @@
           <a:lstStyle/>
           <a:p>
             <a:r>
-              <a:rPr lang="fr-FR" dirty="0" smtClean="0"/>
-              <a:t>Les services sont souvent un peu lent</a:t>
+              <a:rPr lang="fr-FR" dirty="0" err="1" smtClean="0"/>
+              <a:t>Reduce</a:t>
+            </a:r>
+            <a:r>
+              <a:rPr lang="fr-FR" dirty="0" smtClean="0"/>
+              <a:t> permet de réduire le nombre de dimension</a:t>
             </a:r>
           </a:p>
           <a:p>
             <a:pPr lvl="1"/>
             <a:r>
               <a:rPr lang="fr-FR" dirty="0" smtClean="0"/>
-              <a:t>Appel de service REST</a:t>
+              <a:t>Passe d'une liste à un scalaire</a:t>
             </a:r>
           </a:p>
           <a:p>
             <a:pPr lvl="1"/>
             <a:r>
               <a:rPr lang="fr-FR" dirty="0" smtClean="0"/>
-              <a:t>Asynchrones</a:t>
-            </a:r>
-          </a:p>
-          <a:p>
-            <a:r>
-              <a:rPr lang="fr-FR" dirty="0" smtClean="0"/>
-              <a:t>Les services manipulent des données</a:t>
+              <a:t>Suite numérique avec accumulateur</a:t>
             </a:r>
           </a:p>
           <a:p>
             <a:pPr lvl="1"/>
-            <a:r>
-              <a:rPr lang="fr-FR" dirty="0" smtClean="0"/>
-              <a:t>Programmation fonctionnel</a:t>
-            </a:r>
-          </a:p>
-          <a:p>
-            <a:r>
-              <a:rPr lang="fr-FR" dirty="0" smtClean="0"/>
-              <a:t>Pour toutes ces raisons les services </a:t>
-            </a:r>
+            <a:endParaRPr lang="fr-FR" dirty="0"/>
+          </a:p>
+          <a:p>
+            <a:pPr lvl="1"/>
+            <a:endParaRPr lang="fr-FR" dirty="0" smtClean="0"/>
+          </a:p>
+          <a:p>
+            <a:pPr lvl="1"/>
+            <a:endParaRPr lang="fr-FR" dirty="0"/>
+          </a:p>
+          <a:p>
+            <a:pPr lvl="1"/>
+            <a:endParaRPr lang="fr-FR" dirty="0" smtClean="0"/>
+          </a:p>
+          <a:p>
+            <a:pPr lvl="1"/>
+            <a:endParaRPr lang="fr-FR" dirty="0"/>
+          </a:p>
+          <a:p>
             <a:r>
               <a:rPr lang="fr-FR" dirty="0" err="1" smtClean="0"/>
-              <a:t>Angular</a:t>
-            </a:r>
-            <a:r>
-              <a:rPr lang="fr-FR" dirty="0" smtClean="0"/>
-              <a:t> doivent être réactifs</a:t>
+              <a:t>const</a:t>
+            </a:r>
+            <a:r>
+              <a:rPr lang="fr-FR" dirty="0" smtClean="0"/>
+              <a:t> tab1 = [1, 2, 3, 4];</a:t>
+            </a:r>
+          </a:p>
+          <a:p>
+            <a:r>
+              <a:rPr lang="fr-FR" dirty="0" err="1" smtClean="0"/>
+              <a:t>op.reduce</a:t>
+            </a:r>
+            <a:r>
+              <a:rPr lang="fr-FR" dirty="0"/>
+              <a:t>((x: </a:t>
+            </a:r>
+            <a:r>
+              <a:rPr lang="fr-FR" dirty="0" err="1"/>
+              <a:t>number</a:t>
+            </a:r>
+            <a:r>
+              <a:rPr lang="fr-FR" dirty="0"/>
+              <a:t>, y) =&gt; x + y)</a:t>
             </a:r>
           </a:p>
           <a:p>
             <a:pPr lvl="1"/>
-            <a:r>
-              <a:rPr lang="fr-FR" dirty="0" smtClean="0"/>
-              <a:t>Implémenté nativement dans </a:t>
-            </a:r>
-            <a:r>
-              <a:rPr lang="fr-FR" dirty="0" err="1" smtClean="0"/>
-              <a:t>Angular</a:t>
-            </a:r>
-            <a:r>
-              <a:rPr lang="fr-FR" dirty="0" smtClean="0"/>
-              <a:t> 6</a:t>
-            </a:r>
-          </a:p>
-          <a:p>
-            <a:r>
-              <a:rPr lang="fr-FR" dirty="0" smtClean="0"/>
-              <a:t>Import de </a:t>
-            </a:r>
-            <a:r>
-              <a:rPr lang="fr-FR" dirty="0" err="1" smtClean="0"/>
-              <a:t>RxJS</a:t>
-            </a:r>
-            <a:r>
-              <a:rPr lang="fr-FR" dirty="0" smtClean="0"/>
-              <a:t> dans le service</a:t>
-            </a:r>
+            <a:endParaRPr lang="fr-FR" dirty="0" smtClean="0"/>
           </a:p>
           <a:p>
             <a:pPr lvl="1"/>
-            <a:r>
-              <a:rPr lang="en-US" dirty="0"/>
-              <a:t>import { Observable, of } from '</a:t>
-            </a:r>
-            <a:r>
-              <a:rPr lang="en-US" dirty="0" err="1"/>
-              <a:t>rxjs</a:t>
-            </a:r>
-            <a:r>
-              <a:rPr lang="en-US" dirty="0"/>
-              <a:t>';</a:t>
-            </a:r>
             <a:endParaRPr lang="fr-FR" dirty="0"/>
           </a:p>
         </p:txBody>
       </p:sp>
+      <p:pic>
+        <p:nvPicPr>
+          <p:cNvPr id="1026" name="Picture 2" descr="reduce marble diagram"/>
+          <p:cNvPicPr>
+            <a:picLocks noChangeAspect="1" noChangeArrowheads="1"/>
+          </p:cNvPicPr>
+          <p:nvPr/>
+        </p:nvPicPr>
+        <p:blipFill>
+          <a:blip r:embed="rId2" cstate="print">
+            <a:extLst>
+              <a:ext uri="{28A0092B-C50C-407E-A947-70E740481C1C}">
+                <a14:useLocalDpi xmlns:a14="http://schemas.microsoft.com/office/drawing/2010/main" val="0"/>
+              </a:ext>
+            </a:extLst>
+          </a:blip>
+          <a:srcRect/>
+          <a:stretch>
+            <a:fillRect/>
+          </a:stretch>
+        </p:blipFill>
+        <p:spPr bwMode="auto">
+          <a:xfrm>
+            <a:off x="1925257" y="2996953"/>
+            <a:ext cx="4662967" cy="1967190"/>
+          </a:xfrm>
+          <a:prstGeom prst="rect">
+            <a:avLst/>
+          </a:prstGeom>
+          <a:noFill/>
+          <a:extLst>
+            <a:ext uri="{909E8E84-426E-40DD-AFC4-6F175D3DCCD1}">
+              <a14:hiddenFill xmlns:a14="http://schemas.microsoft.com/office/drawing/2010/main">
+                <a:solidFill>
+                  <a:srgbClr val="FFFFFF"/>
+                </a:solidFill>
+              </a14:hiddenFill>
+            </a:ext>
+          </a:extLst>
+        </p:spPr>
+      </p:pic>
     </p:spTree>
     <p:extLst>
       <p:ext uri="{BB962C8B-B14F-4D97-AF65-F5344CB8AC3E}">
-        <p14:creationId xmlns:p14="http://schemas.microsoft.com/office/powerpoint/2010/main" val="166525233"/>
+        <p14:creationId xmlns:p14="http://schemas.microsoft.com/office/powerpoint/2010/main" val="720448879"/>
       </p:ext>
     </p:extLst>
   </p:cSld>
   <p:clrMapOvr>
     <a:masterClrMapping/>
   </p:clrMapOvr>
-  <p:timing>
-    <p:tnLst>
-      <p:par>
-        <p:cTn id="1" dur="indefinite" restart="never" nodeType="tmRoot"/>
-      </p:par>
-    </p:tnLst>
-  </p:timing>
 </p:sld>
 </file>
 
@@ -5399,7 +5398,7 @@
           <a:p>
             <a:r>
               <a:rPr lang="fr-FR" dirty="0" smtClean="0"/>
-              <a:t>Service observable</a:t>
+              <a:t>Zip</a:t>
             </a:r>
             <a:endParaRPr lang="fr-FR" dirty="0"/>
           </a:p>
@@ -5422,7 +5421,7 @@
           <a:p>
             <a:r>
               <a:rPr lang="fr-FR" dirty="0" smtClean="0"/>
-              <a:t>Les méthodes des services devraient être observables</a:t>
+              <a:t>Zip permet d'appairer n listes en fonction de leur index</a:t>
             </a:r>
           </a:p>
           <a:p>
@@ -5430,20 +5429,24 @@
               <a:buNone/>
             </a:pPr>
             <a:r>
-              <a:rPr lang="fr-FR" dirty="0" err="1"/>
-              <a:t>getHeroes</a:t>
-            </a:r>
-            <a:r>
-              <a:rPr lang="fr-FR" dirty="0"/>
-              <a:t>(): Observable&lt;</a:t>
-            </a:r>
-            <a:r>
-              <a:rPr lang="fr-FR" dirty="0" err="1"/>
-              <a:t>Hero</a:t>
-            </a:r>
-            <a:r>
-              <a:rPr lang="fr-FR" dirty="0"/>
-              <a:t>[]&gt; {</a:t>
+              <a:rPr lang="fr-FR" sz="2000" dirty="0"/>
+              <a:t>let </a:t>
+            </a:r>
+            <a:r>
+              <a:rPr lang="fr-FR" sz="2000" dirty="0" err="1"/>
+              <a:t>age</a:t>
+            </a:r>
+            <a:r>
+              <a:rPr lang="fr-FR" sz="2000" dirty="0"/>
+              <a:t>$ = of&lt;</a:t>
+            </a:r>
+            <a:r>
+              <a:rPr lang="fr-FR" sz="2000" dirty="0" err="1"/>
+              <a:t>number</a:t>
+            </a:r>
+            <a:r>
+              <a:rPr lang="fr-FR" sz="2000" dirty="0"/>
+              <a:t>&gt;(27, 25, 29);</a:t>
             </a:r>
           </a:p>
           <a:p>
@@ -5451,8 +5454,32 @@
               <a:buNone/>
             </a:pPr>
             <a:r>
-              <a:rPr lang="fr-FR" dirty="0"/>
-              <a:t>  return of(HEROES);</a:t>
+              <a:rPr lang="fr-FR" sz="2000" dirty="0"/>
+              <a:t>let </a:t>
+            </a:r>
+            <a:r>
+              <a:rPr lang="fr-FR" sz="2000" dirty="0" err="1"/>
+              <a:t>name</a:t>
+            </a:r>
+            <a:r>
+              <a:rPr lang="fr-FR" sz="2000" dirty="0"/>
+              <a:t>$ = of&lt;string&gt;('</a:t>
+            </a:r>
+            <a:r>
+              <a:rPr lang="fr-FR" sz="2000" dirty="0" err="1"/>
+              <a:t>Foo</a:t>
+            </a:r>
+            <a:r>
+              <a:rPr lang="fr-FR" sz="2000" dirty="0"/>
+              <a:t>', 'Bar', '</a:t>
+            </a:r>
+            <a:r>
+              <a:rPr lang="fr-FR" sz="2000" dirty="0" err="1"/>
+              <a:t>Beer</a:t>
+            </a:r>
+            <a:r>
+              <a:rPr lang="fr-FR" sz="2000" dirty="0"/>
+              <a:t>');</a:t>
             </a:r>
           </a:p>
           <a:p>
@@ -5460,75 +5487,328 @@
               <a:buNone/>
             </a:pPr>
             <a:r>
-              <a:rPr lang="fr-FR" dirty="0" smtClean="0"/>
-              <a:t>}</a:t>
-            </a:r>
-          </a:p>
-          <a:p>
-            <a:r>
-              <a:rPr lang="fr-FR" dirty="0" smtClean="0"/>
-              <a:t>Les services Web seront également observables</a:t>
-            </a:r>
-          </a:p>
-          <a:p>
-            <a:pPr lvl="1"/>
-            <a:r>
-              <a:rPr lang="fr-FR" dirty="0" err="1"/>
-              <a:t>HttpClient.get</a:t>
-            </a:r>
-            <a:r>
-              <a:rPr lang="fr-FR" dirty="0"/>
-              <a:t>&lt;</a:t>
-            </a:r>
-            <a:r>
-              <a:rPr lang="fr-FR" dirty="0" err="1"/>
-              <a:t>Hero</a:t>
-            </a:r>
-            <a:r>
-              <a:rPr lang="fr-FR" dirty="0"/>
-              <a:t>[]&gt;()</a:t>
-            </a:r>
-            <a:endParaRPr lang="fr-FR" dirty="0" smtClean="0"/>
+              <a:rPr lang="fr-FR" sz="2000" dirty="0"/>
+              <a:t>let </a:t>
+            </a:r>
+            <a:r>
+              <a:rPr lang="fr-FR" sz="2000" dirty="0" err="1"/>
+              <a:t>isDev</a:t>
+            </a:r>
+            <a:r>
+              <a:rPr lang="fr-FR" sz="2000" dirty="0"/>
+              <a:t>$ = of&lt;</a:t>
+            </a:r>
+            <a:r>
+              <a:rPr lang="fr-FR" sz="2000" dirty="0" err="1"/>
+              <a:t>boolean</a:t>
+            </a:r>
+            <a:r>
+              <a:rPr lang="fr-FR" sz="2000" dirty="0"/>
+              <a:t>&gt;(</a:t>
+            </a:r>
+            <a:r>
+              <a:rPr lang="fr-FR" sz="2000" dirty="0" err="1"/>
+              <a:t>true</a:t>
+            </a:r>
+            <a:r>
+              <a:rPr lang="fr-FR" sz="2000" dirty="0"/>
+              <a:t>, </a:t>
+            </a:r>
+            <a:r>
+              <a:rPr lang="fr-FR" sz="2000" dirty="0" err="1"/>
+              <a:t>true</a:t>
+            </a:r>
+            <a:r>
+              <a:rPr lang="fr-FR" sz="2000" dirty="0"/>
+              <a:t>, false</a:t>
+            </a:r>
+            <a:r>
+              <a:rPr lang="fr-FR" sz="2000" dirty="0" smtClean="0"/>
+              <a:t>);</a:t>
+            </a:r>
+            <a:endParaRPr lang="fr-FR" sz="2000" dirty="0"/>
           </a:p>
           <a:p>
             <a:pPr marL="457200" lvl="1" indent="0">
               <a:buNone/>
             </a:pPr>
-            <a:endParaRPr lang="fr-FR" dirty="0" smtClean="0"/>
+            <a:r>
+              <a:rPr lang="fr-FR" sz="2000" dirty="0"/>
+              <a:t>zip(</a:t>
+            </a:r>
+            <a:r>
+              <a:rPr lang="fr-FR" sz="2000" dirty="0" err="1"/>
+              <a:t>age</a:t>
+            </a:r>
+            <a:r>
+              <a:rPr lang="fr-FR" sz="2000" dirty="0"/>
+              <a:t>$, </a:t>
+            </a:r>
+            <a:r>
+              <a:rPr lang="fr-FR" sz="2000" dirty="0" err="1"/>
+              <a:t>name</a:t>
+            </a:r>
+            <a:r>
+              <a:rPr lang="fr-FR" sz="2000" dirty="0"/>
+              <a:t>$, </a:t>
+            </a:r>
+            <a:r>
+              <a:rPr lang="fr-FR" sz="2000" dirty="0" err="1"/>
+              <a:t>isDev</a:t>
+            </a:r>
+            <a:r>
+              <a:rPr lang="fr-FR" sz="2000" dirty="0"/>
+              <a:t>$).pipe(</a:t>
+            </a:r>
           </a:p>
           <a:p>
             <a:pPr marL="457200" lvl="1" indent="0">
               <a:buNone/>
             </a:pPr>
             <a:r>
-              <a:rPr lang="fr-FR" dirty="0"/>
-              <a:t>	</a:t>
-            </a:r>
-            <a:r>
-              <a:rPr lang="fr-FR" dirty="0" smtClean="0"/>
-              <a:t>				</a:t>
-            </a:r>
-            <a:endParaRPr lang="fr-FR" dirty="0"/>
+              <a:rPr lang="fr-FR" sz="2000" dirty="0"/>
+              <a:t>  </a:t>
+            </a:r>
+            <a:r>
+              <a:rPr lang="fr-FR" sz="2000" dirty="0" err="1"/>
+              <a:t>map</a:t>
+            </a:r>
+            <a:r>
+              <a:rPr lang="fr-FR" sz="2000" dirty="0"/>
+              <a:t>(([</a:t>
+            </a:r>
+            <a:r>
+              <a:rPr lang="fr-FR" sz="2000" dirty="0" err="1"/>
+              <a:t>age</a:t>
+            </a:r>
+            <a:r>
+              <a:rPr lang="fr-FR" sz="2000" dirty="0"/>
+              <a:t>, </a:t>
+            </a:r>
+            <a:r>
+              <a:rPr lang="fr-FR" sz="2000" dirty="0" err="1"/>
+              <a:t>name</a:t>
+            </a:r>
+            <a:r>
+              <a:rPr lang="fr-FR" sz="2000" dirty="0"/>
+              <a:t>, </a:t>
+            </a:r>
+            <a:r>
+              <a:rPr lang="fr-FR" sz="2000" dirty="0" err="1"/>
+              <a:t>isDev</a:t>
+            </a:r>
+            <a:r>
+              <a:rPr lang="fr-FR" sz="2000" dirty="0"/>
+              <a:t>]) =&gt; ({ </a:t>
+            </a:r>
+            <a:r>
+              <a:rPr lang="fr-FR" sz="2000" dirty="0" err="1"/>
+              <a:t>age</a:t>
+            </a:r>
+            <a:r>
+              <a:rPr lang="fr-FR" sz="2000" dirty="0"/>
+              <a:t>, </a:t>
+            </a:r>
+            <a:r>
+              <a:rPr lang="fr-FR" sz="2000" dirty="0" err="1"/>
+              <a:t>name</a:t>
+            </a:r>
+            <a:r>
+              <a:rPr lang="fr-FR" sz="2000" dirty="0"/>
+              <a:t>, </a:t>
+            </a:r>
+            <a:r>
+              <a:rPr lang="fr-FR" sz="2000" dirty="0" err="1"/>
+              <a:t>isDev</a:t>
+            </a:r>
+            <a:r>
+              <a:rPr lang="fr-FR" sz="2000" dirty="0"/>
+              <a:t> })),</a:t>
+            </a:r>
+          </a:p>
+          <a:p>
+            <a:pPr marL="457200" lvl="1" indent="0">
+              <a:buNone/>
+            </a:pPr>
+            <a:r>
+              <a:rPr lang="fr-FR" sz="2000" dirty="0"/>
+              <a:t>)</a:t>
+            </a:r>
+          </a:p>
+          <a:p>
+            <a:pPr marL="457200" lvl="1" indent="0">
+              <a:buNone/>
+            </a:pPr>
+            <a:r>
+              <a:rPr lang="fr-FR" sz="2000" dirty="0"/>
+              <a:t>.</a:t>
+            </a:r>
+            <a:r>
+              <a:rPr lang="fr-FR" sz="2000" dirty="0" err="1"/>
+              <a:t>subscribe</a:t>
+            </a:r>
+            <a:r>
+              <a:rPr lang="fr-FR" sz="2000" dirty="0"/>
+              <a:t>(x =&gt; console.log(x</a:t>
+            </a:r>
+            <a:r>
+              <a:rPr lang="fr-FR" sz="2000" dirty="0" smtClean="0"/>
+              <a:t>));</a:t>
+            </a:r>
+            <a:endParaRPr lang="fr-FR" sz="2000" dirty="0"/>
+          </a:p>
+          <a:p>
+            <a:pPr marL="457200" lvl="1" indent="0">
+              <a:buNone/>
+            </a:pPr>
+            <a:r>
+              <a:rPr lang="fr-FR" sz="2000" dirty="0"/>
+              <a:t>// outputs</a:t>
+            </a:r>
+          </a:p>
+          <a:p>
+            <a:pPr marL="457200" lvl="1" indent="0">
+              <a:buNone/>
+            </a:pPr>
+            <a:r>
+              <a:rPr lang="fr-FR" sz="2000" dirty="0"/>
+              <a:t>// { </a:t>
+            </a:r>
+            <a:r>
+              <a:rPr lang="fr-FR" sz="2000" dirty="0" err="1"/>
+              <a:t>age</a:t>
+            </a:r>
+            <a:r>
+              <a:rPr lang="fr-FR" sz="2000" dirty="0"/>
+              <a:t>: 27, </a:t>
+            </a:r>
+            <a:r>
+              <a:rPr lang="fr-FR" sz="2000" dirty="0" err="1"/>
+              <a:t>name</a:t>
+            </a:r>
+            <a:r>
+              <a:rPr lang="fr-FR" sz="2000" dirty="0"/>
+              <a:t>: '</a:t>
+            </a:r>
+            <a:r>
+              <a:rPr lang="fr-FR" sz="2000" dirty="0" err="1"/>
+              <a:t>Foo</a:t>
+            </a:r>
+            <a:r>
+              <a:rPr lang="fr-FR" sz="2000" dirty="0"/>
+              <a:t>', </a:t>
+            </a:r>
+            <a:r>
+              <a:rPr lang="fr-FR" sz="2000" dirty="0" err="1"/>
+              <a:t>isDev</a:t>
+            </a:r>
+            <a:r>
+              <a:rPr lang="fr-FR" sz="2000" dirty="0"/>
+              <a:t>: </a:t>
+            </a:r>
+            <a:r>
+              <a:rPr lang="fr-FR" sz="2000" dirty="0" err="1"/>
+              <a:t>true</a:t>
+            </a:r>
+            <a:r>
+              <a:rPr lang="fr-FR" sz="2000" dirty="0"/>
+              <a:t> }</a:t>
+            </a:r>
+          </a:p>
+          <a:p>
+            <a:pPr marL="457200" lvl="1" indent="0">
+              <a:buNone/>
+            </a:pPr>
+            <a:r>
+              <a:rPr lang="fr-FR" sz="2000" dirty="0"/>
+              <a:t>// { </a:t>
+            </a:r>
+            <a:r>
+              <a:rPr lang="fr-FR" sz="2000" dirty="0" err="1"/>
+              <a:t>age</a:t>
+            </a:r>
+            <a:r>
+              <a:rPr lang="fr-FR" sz="2000" dirty="0"/>
+              <a:t>: 25, </a:t>
+            </a:r>
+            <a:r>
+              <a:rPr lang="fr-FR" sz="2000" dirty="0" err="1"/>
+              <a:t>name</a:t>
+            </a:r>
+            <a:r>
+              <a:rPr lang="fr-FR" sz="2000" dirty="0"/>
+              <a:t>: 'Bar', </a:t>
+            </a:r>
+            <a:r>
+              <a:rPr lang="fr-FR" sz="2000" dirty="0" err="1"/>
+              <a:t>isDev</a:t>
+            </a:r>
+            <a:r>
+              <a:rPr lang="fr-FR" sz="2000" dirty="0"/>
+              <a:t>: </a:t>
+            </a:r>
+            <a:r>
+              <a:rPr lang="fr-FR" sz="2000" dirty="0" err="1"/>
+              <a:t>true</a:t>
+            </a:r>
+            <a:r>
+              <a:rPr lang="fr-FR" sz="2000" dirty="0"/>
+              <a:t> }</a:t>
+            </a:r>
+          </a:p>
+          <a:p>
+            <a:pPr marL="400050" lvl="1" indent="0">
+              <a:buNone/>
+            </a:pPr>
+            <a:r>
+              <a:rPr lang="fr-FR" sz="2000" dirty="0"/>
+              <a:t>// { </a:t>
+            </a:r>
+            <a:r>
+              <a:rPr lang="fr-FR" sz="2000" dirty="0" err="1"/>
+              <a:t>age</a:t>
+            </a:r>
+            <a:r>
+              <a:rPr lang="fr-FR" sz="2000" dirty="0"/>
+              <a:t>: 29, </a:t>
+            </a:r>
+            <a:r>
+              <a:rPr lang="fr-FR" sz="2000" dirty="0" err="1"/>
+              <a:t>name</a:t>
+            </a:r>
+            <a:r>
+              <a:rPr lang="fr-FR" sz="2000" dirty="0"/>
+              <a:t>: '</a:t>
+            </a:r>
+            <a:r>
+              <a:rPr lang="fr-FR" sz="2000" dirty="0" err="1"/>
+              <a:t>Beer</a:t>
+            </a:r>
+            <a:r>
+              <a:rPr lang="fr-FR" sz="2000" dirty="0"/>
+              <a:t>', </a:t>
+            </a:r>
+            <a:r>
+              <a:rPr lang="fr-FR" sz="2000" dirty="0" err="1"/>
+              <a:t>isDev</a:t>
+            </a:r>
+            <a:r>
+              <a:rPr lang="fr-FR" sz="2000" dirty="0"/>
+              <a:t>: false }</a:t>
+            </a:r>
           </a:p>
         </p:txBody>
       </p:sp>
     </p:spTree>
     <p:extLst>
       <p:ext uri="{BB962C8B-B14F-4D97-AF65-F5344CB8AC3E}">
-        <p14:creationId xmlns:p14="http://schemas.microsoft.com/office/powerpoint/2010/main" val="1642268352"/>
+        <p14:creationId xmlns:p14="http://schemas.microsoft.com/office/powerpoint/2010/main" val="3669409893"/>
       </p:ext>
     </p:extLst>
   </p:cSld>
   <p:clrMapOvr>
     <a:masterClrMapping/>
   </p:clrMapOvr>
-  <p:timing>
-    <p:tnLst>
-      <p:par>
-        <p:cTn id="1" dur="indefinite" restart="never" nodeType="tmRoot"/>
-      </p:par>
-    </p:tnLst>
-  </p:timing>
 </p:sld>
 </file>
 
@@ -5604,8 +5884,8 @@
               <a:t> 6 qui permet d’avoir une programmation </a:t>
             </a:r>
             <a:r>
-              <a:rPr lang="fr-FR" dirty="0" err="1" smtClean="0"/>
-              <a:t>reactive</a:t>
+              <a:rPr lang="fr-FR" dirty="0" smtClean="0"/>
+              <a:t>réactive</a:t>
             </a:r>
             <a:endParaRPr lang="fr-FR" dirty="0" smtClean="0"/>
           </a:p>
@@ -5661,12 +5941,7 @@
               <a:rPr lang="fr-FR" dirty="0" smtClean="0"/>
               <a:t>Observable</a:t>
             </a:r>
-          </a:p>
-          <a:p>
-            <a:r>
-              <a:rPr lang="fr-FR" dirty="0" smtClean="0"/>
-              <a:t>Massivement utilisée</a:t>
-            </a:r>
+            <a:endParaRPr lang="fr-FR" dirty="0" smtClean="0"/>
           </a:p>
         </p:txBody>
       </p:sp>
@@ -5765,7 +6040,7 @@
           <a:p>
             <a:r>
               <a:rPr lang="fr-FR" dirty="0" smtClean="0"/>
-              <a:t>Souscription dans le composant</a:t>
+              <a:t>Les services réactifs</a:t>
             </a:r>
             <a:endParaRPr lang="fr-FR" dirty="0"/>
           </a:p>
@@ -5788,130 +6063,92 @@
           <a:p>
             <a:r>
               <a:rPr lang="fr-FR" dirty="0" smtClean="0"/>
-              <a:t>La signature du service ayant changée il faut adapter le composant</a:t>
-            </a:r>
-          </a:p>
-          <a:p>
-            <a:r>
-              <a:rPr lang="fr-FR" dirty="0" smtClean="0"/>
-              <a:t>Le composant doit souscrire le service</a:t>
-            </a:r>
-          </a:p>
-          <a:p>
-            <a:pPr marL="400050" lvl="1" indent="0">
-              <a:buNone/>
-            </a:pPr>
-            <a:r>
-              <a:rPr lang="fr-FR" dirty="0" err="1"/>
-              <a:t>getHeroes</a:t>
-            </a:r>
-            <a:r>
-              <a:rPr lang="fr-FR" dirty="0"/>
-              <a:t>(): </a:t>
-            </a:r>
-            <a:r>
-              <a:rPr lang="fr-FR" dirty="0" err="1"/>
-              <a:t>void</a:t>
-            </a:r>
-            <a:r>
-              <a:rPr lang="fr-FR" dirty="0"/>
-              <a:t> {</a:t>
-            </a:r>
-          </a:p>
-          <a:p>
-            <a:pPr marL="400050" lvl="1" indent="0">
-              <a:buNone/>
-            </a:pPr>
-            <a:r>
-              <a:rPr lang="fr-FR" dirty="0"/>
-              <a:t>  </a:t>
-            </a:r>
-            <a:r>
-              <a:rPr lang="fr-FR" dirty="0" err="1"/>
-              <a:t>this.heroService.getHeroes</a:t>
-            </a:r>
-            <a:r>
-              <a:rPr lang="fr-FR" dirty="0"/>
-              <a:t>()</a:t>
-            </a:r>
-          </a:p>
-          <a:p>
-            <a:pPr marL="400050" lvl="1" indent="0">
-              <a:buNone/>
-            </a:pPr>
-            <a:r>
-              <a:rPr lang="fr-FR" dirty="0"/>
-              <a:t>      .</a:t>
-            </a:r>
-            <a:r>
-              <a:rPr lang="fr-FR" dirty="0" err="1"/>
-              <a:t>subscribe</a:t>
-            </a:r>
-            <a:r>
-              <a:rPr lang="fr-FR" dirty="0"/>
-              <a:t>(</a:t>
-            </a:r>
-            <a:r>
-              <a:rPr lang="fr-FR" dirty="0" err="1"/>
-              <a:t>heroes</a:t>
-            </a:r>
-            <a:r>
-              <a:rPr lang="fr-FR" dirty="0"/>
-              <a:t> =&gt; </a:t>
-            </a:r>
-            <a:r>
-              <a:rPr lang="fr-FR" dirty="0" err="1"/>
-              <a:t>this.heroes</a:t>
-            </a:r>
-            <a:r>
-              <a:rPr lang="fr-FR" dirty="0"/>
-              <a:t> = </a:t>
-            </a:r>
-            <a:r>
-              <a:rPr lang="fr-FR" dirty="0" err="1"/>
-              <a:t>heroes</a:t>
-            </a:r>
-            <a:r>
-              <a:rPr lang="fr-FR" dirty="0"/>
-              <a:t>);</a:t>
-            </a:r>
-          </a:p>
-          <a:p>
-            <a:pPr marL="400050" lvl="1" indent="0">
-              <a:buNone/>
-            </a:pPr>
-            <a:r>
-              <a:rPr lang="fr-FR" dirty="0" smtClean="0"/>
-              <a:t>}</a:t>
-            </a:r>
-          </a:p>
-          <a:p>
-            <a:r>
-              <a:rPr lang="fr-FR" dirty="0" smtClean="0"/>
-              <a:t>Ceci met en pace un </a:t>
+              <a:t>Les services sont souvent un peu lent</a:t>
+            </a:r>
+          </a:p>
+          <a:p>
+            <a:pPr lvl="1"/>
+            <a:r>
+              <a:rPr lang="fr-FR" dirty="0" smtClean="0"/>
+              <a:t>Appel de service REST</a:t>
+            </a:r>
+          </a:p>
+          <a:p>
+            <a:pPr lvl="1"/>
+            <a:r>
+              <a:rPr lang="fr-FR" dirty="0" smtClean="0"/>
+              <a:t>Asynchrones</a:t>
+            </a:r>
+          </a:p>
+          <a:p>
+            <a:r>
+              <a:rPr lang="fr-FR" dirty="0" smtClean="0"/>
+              <a:t>Les services manipulent des données</a:t>
+            </a:r>
+          </a:p>
+          <a:p>
+            <a:pPr lvl="1"/>
+            <a:r>
+              <a:rPr lang="fr-FR" dirty="0" smtClean="0"/>
+              <a:t>Programmation fonctionnel</a:t>
+            </a:r>
+          </a:p>
+          <a:p>
+            <a:r>
+              <a:rPr lang="fr-FR" dirty="0" smtClean="0"/>
+              <a:t>Pour toutes ces raisons les services </a:t>
             </a:r>
             <a:r>
               <a:rPr lang="fr-FR" dirty="0" err="1" smtClean="0"/>
-              <a:t>two</a:t>
-            </a:r>
-            <a:r>
-              <a:rPr lang="fr-FR" dirty="0" smtClean="0"/>
-              <a:t> </a:t>
+              <a:t>Angular</a:t>
+            </a:r>
+            <a:r>
+              <a:rPr lang="fr-FR" dirty="0" smtClean="0"/>
+              <a:t> doivent être réactifs</a:t>
+            </a:r>
+          </a:p>
+          <a:p>
+            <a:pPr lvl="1"/>
+            <a:r>
+              <a:rPr lang="fr-FR" dirty="0" smtClean="0"/>
+              <a:t>Implémenté nativement dans </a:t>
             </a:r>
             <a:r>
               <a:rPr lang="fr-FR" dirty="0" err="1" smtClean="0"/>
-              <a:t>ways</a:t>
-            </a:r>
-            <a:r>
-              <a:rPr lang="fr-FR" dirty="0" smtClean="0"/>
-              <a:t> data binding asynchrone</a:t>
+              <a:t>Angular</a:t>
+            </a:r>
+            <a:r>
+              <a:rPr lang="fr-FR" dirty="0" smtClean="0"/>
+              <a:t> 6</a:t>
+            </a:r>
+          </a:p>
+          <a:p>
+            <a:r>
+              <a:rPr lang="fr-FR" dirty="0" smtClean="0"/>
+              <a:t>Import de </a:t>
+            </a:r>
+            <a:r>
+              <a:rPr lang="fr-FR" dirty="0" err="1" smtClean="0"/>
+              <a:t>RxJS</a:t>
+            </a:r>
+            <a:r>
+              <a:rPr lang="fr-FR" dirty="0" smtClean="0"/>
+              <a:t> dans le service</a:t>
             </a:r>
           </a:p>
           <a:p>
             <a:pPr lvl="1"/>
             <a:r>
-              <a:rPr lang="fr-FR" dirty="0" smtClean="0"/>
-              <a:t>Cette version "attend" que le service réponde pour binder les données</a:t>
+              <a:rPr lang="en-US" dirty="0"/>
+              <a:t>import { Observable, of } from '</a:t>
+            </a:r>
+            <a:r>
+              <a:rPr lang="en-US" dirty="0" err="1"/>
+              <a:t>rxjs</a:t>
+            </a:r>
+            <a:r>
+              <a:rPr lang="en-US" dirty="0"/>
+              <a:t>';</a:t>
             </a:r>
             <a:endParaRPr lang="fr-FR" dirty="0"/>
           </a:p>
@@ -5920,7 +6157,7 @@
     </p:spTree>
     <p:extLst>
       <p:ext uri="{BB962C8B-B14F-4D97-AF65-F5344CB8AC3E}">
-        <p14:creationId xmlns:p14="http://schemas.microsoft.com/office/powerpoint/2010/main" val="3515010480"/>
+        <p14:creationId xmlns:p14="http://schemas.microsoft.com/office/powerpoint/2010/main" val="166525233"/>
       </p:ext>
     </p:extLst>
   </p:cSld>
@@ -5971,7 +6208,7 @@
           <a:p>
             <a:r>
               <a:rPr lang="fr-FR" dirty="0" smtClean="0"/>
-              <a:t>Gestion des messages</a:t>
+              <a:t>Service observable</a:t>
             </a:r>
             <a:endParaRPr lang="fr-FR" dirty="0"/>
           </a:p>
@@ -5994,27 +6231,91 @@
           <a:p>
             <a:r>
               <a:rPr lang="fr-FR" dirty="0" smtClean="0"/>
-              <a:t>Si jamais le service est en panne il faut attendre un timeout pour afficher un éventuel message d'erreur</a:t>
-            </a:r>
-          </a:p>
-          <a:p>
-            <a:r>
-              <a:rPr lang="fr-FR" dirty="0" smtClean="0"/>
-              <a:t>Il serait utile d'avoir un gestionnaire de message qui affiche des informations à l'écran</a:t>
+              <a:t>Les méthodes des services devraient être observables</a:t>
+            </a:r>
+          </a:p>
+          <a:p>
+            <a:pPr marL="457200" lvl="1" indent="0">
+              <a:buNone/>
+            </a:pPr>
+            <a:r>
+              <a:rPr lang="fr-FR" dirty="0" err="1"/>
+              <a:t>getHeroes</a:t>
+            </a:r>
+            <a:r>
+              <a:rPr lang="fr-FR" dirty="0"/>
+              <a:t>(): Observable&lt;</a:t>
+            </a:r>
+            <a:r>
+              <a:rPr lang="fr-FR" dirty="0" err="1"/>
+              <a:t>Hero</a:t>
+            </a:r>
+            <a:r>
+              <a:rPr lang="fr-FR" dirty="0"/>
+              <a:t>[]&gt; {</a:t>
+            </a:r>
+          </a:p>
+          <a:p>
+            <a:pPr marL="457200" lvl="1" indent="0">
+              <a:buNone/>
+            </a:pPr>
+            <a:r>
+              <a:rPr lang="fr-FR" dirty="0"/>
+              <a:t>  return of(HEROES);</a:t>
+            </a:r>
+          </a:p>
+          <a:p>
+            <a:pPr marL="457200" lvl="1" indent="0">
+              <a:buNone/>
+            </a:pPr>
+            <a:r>
+              <a:rPr lang="fr-FR" dirty="0" smtClean="0"/>
+              <a:t>}</a:t>
+            </a:r>
+          </a:p>
+          <a:p>
+            <a:r>
+              <a:rPr lang="fr-FR" dirty="0" smtClean="0"/>
+              <a:t>Les services Web seront également observables</a:t>
             </a:r>
           </a:p>
           <a:p>
             <a:pPr lvl="1"/>
             <a:r>
-              <a:rPr lang="fr-FR" dirty="0" smtClean="0"/>
-              <a:t>Dans le cas d'une page complexe le nombre de service asynchrone est très important</a:t>
-            </a:r>
-          </a:p>
-          <a:p>
-            <a:pPr lvl="1"/>
-            <a:r>
-              <a:rPr lang="fr-FR" dirty="0" smtClean="0"/>
-              <a:t>Tout se charge + ou - vite dans n'importe quel ordre</a:t>
+              <a:rPr lang="fr-FR" dirty="0" err="1"/>
+              <a:t>HttpClient.get</a:t>
+            </a:r>
+            <a:r>
+              <a:rPr lang="fr-FR" dirty="0"/>
+              <a:t>&lt;</a:t>
+            </a:r>
+            <a:r>
+              <a:rPr lang="fr-FR" dirty="0" err="1"/>
+              <a:t>Hero</a:t>
+            </a:r>
+            <a:r>
+              <a:rPr lang="fr-FR" dirty="0"/>
+              <a:t>[]&gt;()</a:t>
+            </a:r>
+            <a:endParaRPr lang="fr-FR" dirty="0" smtClean="0"/>
+          </a:p>
+          <a:p>
+            <a:pPr marL="457200" lvl="1" indent="0">
+              <a:buNone/>
+            </a:pPr>
+            <a:endParaRPr lang="fr-FR" dirty="0" smtClean="0"/>
+          </a:p>
+          <a:p>
+            <a:pPr marL="457200" lvl="1" indent="0">
+              <a:buNone/>
+            </a:pPr>
+            <a:r>
+              <a:rPr lang="fr-FR" dirty="0"/>
+              <a:t>	</a:t>
+            </a:r>
+            <a:r>
+              <a:rPr lang="fr-FR" dirty="0" smtClean="0"/>
+              <a:t>				</a:t>
             </a:r>
             <a:endParaRPr lang="fr-FR" dirty="0"/>
           </a:p>
@@ -6023,7 +6324,7 @@
     </p:spTree>
     <p:extLst>
       <p:ext uri="{BB962C8B-B14F-4D97-AF65-F5344CB8AC3E}">
-        <p14:creationId xmlns:p14="http://schemas.microsoft.com/office/powerpoint/2010/main" val="3091176005"/>
+        <p14:creationId xmlns:p14="http://schemas.microsoft.com/office/powerpoint/2010/main" val="1642268352"/>
       </p:ext>
     </p:extLst>
   </p:cSld>
@@ -6074,7 +6375,7 @@
           <a:p>
             <a:r>
               <a:rPr lang="fr-FR" dirty="0" smtClean="0"/>
-              <a:t>Création d'un service messagerie</a:t>
+              <a:t>Souscription dans le composant</a:t>
             </a:r>
             <a:endParaRPr lang="fr-FR" dirty="0"/>
           </a:p>
@@ -6097,33 +6398,131 @@
           <a:p>
             <a:r>
               <a:rPr lang="fr-FR" dirty="0" smtClean="0"/>
-              <a:t>Un service messagerie est un service observable qui avec se qui sera injecté dans les autres services et composants</a:t>
+              <a:t>La signature du service ayant changée il faut adapter le composant</a:t>
+            </a:r>
+          </a:p>
+          <a:p>
+            <a:r>
+              <a:rPr lang="fr-FR" dirty="0" smtClean="0"/>
+              <a:t>Le composant doit souscrire le service</a:t>
+            </a:r>
+          </a:p>
+          <a:p>
+            <a:pPr marL="400050" lvl="1" indent="0">
+              <a:buNone/>
+            </a:pPr>
+            <a:r>
+              <a:rPr lang="fr-FR" dirty="0" err="1"/>
+              <a:t>getHeroes</a:t>
+            </a:r>
+            <a:r>
+              <a:rPr lang="fr-FR" dirty="0"/>
+              <a:t>(): </a:t>
+            </a:r>
+            <a:r>
+              <a:rPr lang="fr-FR" dirty="0" err="1"/>
+              <a:t>void</a:t>
+            </a:r>
+            <a:r>
+              <a:rPr lang="fr-FR" dirty="0"/>
+              <a:t> {</a:t>
+            </a:r>
+          </a:p>
+          <a:p>
+            <a:pPr marL="400050" lvl="1" indent="0">
+              <a:buNone/>
+            </a:pPr>
+            <a:r>
+              <a:rPr lang="fr-FR" dirty="0"/>
+              <a:t>  </a:t>
+            </a:r>
+            <a:r>
+              <a:rPr lang="fr-FR" dirty="0" err="1"/>
+              <a:t>this.heroService.getHeroes</a:t>
+            </a:r>
+            <a:r>
+              <a:rPr lang="fr-FR" dirty="0"/>
+              <a:t>()</a:t>
+            </a:r>
+          </a:p>
+          <a:p>
+            <a:pPr marL="400050" lvl="1" indent="0">
+              <a:buNone/>
+            </a:pPr>
+            <a:r>
+              <a:rPr lang="fr-FR" dirty="0"/>
+              <a:t>      .</a:t>
+            </a:r>
+            <a:r>
+              <a:rPr lang="fr-FR" dirty="0" err="1"/>
+              <a:t>subscribe</a:t>
+            </a:r>
+            <a:r>
+              <a:rPr lang="fr-FR" dirty="0"/>
+              <a:t>(</a:t>
+            </a:r>
+            <a:r>
+              <a:rPr lang="fr-FR" dirty="0" err="1"/>
+              <a:t>heroes</a:t>
+            </a:r>
+            <a:r>
+              <a:rPr lang="fr-FR" dirty="0"/>
+              <a:t> =&gt; </a:t>
+            </a:r>
+            <a:r>
+              <a:rPr lang="fr-FR" dirty="0" err="1"/>
+              <a:t>this.heroes</a:t>
+            </a:r>
+            <a:r>
+              <a:rPr lang="fr-FR" dirty="0"/>
+              <a:t> = </a:t>
+            </a:r>
+            <a:r>
+              <a:rPr lang="fr-FR" dirty="0" err="1"/>
+              <a:t>heroes</a:t>
+            </a:r>
+            <a:r>
+              <a:rPr lang="fr-FR" dirty="0"/>
+              <a:t>);</a:t>
+            </a:r>
+          </a:p>
+          <a:p>
+            <a:pPr marL="400050" lvl="1" indent="0">
+              <a:buNone/>
+            </a:pPr>
+            <a:r>
+              <a:rPr lang="fr-FR" dirty="0" smtClean="0"/>
+              <a:t>}</a:t>
+            </a:r>
+          </a:p>
+          <a:p>
+            <a:r>
+              <a:rPr lang="fr-FR" dirty="0" smtClean="0"/>
+              <a:t>Ceci met en pace un </a:t>
+            </a:r>
+            <a:r>
+              <a:rPr lang="fr-FR" dirty="0" err="1" smtClean="0"/>
+              <a:t>two</a:t>
+            </a:r>
+            <a:r>
+              <a:rPr lang="fr-FR" dirty="0" smtClean="0"/>
+              <a:t> </a:t>
+            </a:r>
+            <a:r>
+              <a:rPr lang="fr-FR" dirty="0" err="1" smtClean="0"/>
+              <a:t>ways</a:t>
+            </a:r>
+            <a:r>
+              <a:rPr lang="fr-FR" dirty="0" smtClean="0"/>
+              <a:t> data binding asynchrone</a:t>
             </a:r>
           </a:p>
           <a:p>
             <a:pPr lvl="1"/>
             <a:r>
-              <a:rPr lang="fr-FR" dirty="0" err="1"/>
-              <a:t>ng</a:t>
-            </a:r>
-            <a:r>
-              <a:rPr lang="fr-FR" dirty="0"/>
-              <a:t> </a:t>
-            </a:r>
-            <a:r>
-              <a:rPr lang="fr-FR" dirty="0" err="1"/>
-              <a:t>generate</a:t>
-            </a:r>
-            <a:r>
-              <a:rPr lang="fr-FR" dirty="0"/>
-              <a:t> service </a:t>
-            </a:r>
-            <a:r>
-              <a:rPr lang="fr-FR" dirty="0" smtClean="0"/>
-              <a:t>message</a:t>
-            </a:r>
-          </a:p>
-          <a:p>
+              <a:rPr lang="fr-FR" dirty="0" smtClean="0"/>
+              <a:t>Cette version "attend" que le service réponde pour binder les données</a:t>
+            </a:r>
             <a:endParaRPr lang="fr-FR" dirty="0"/>
           </a:p>
         </p:txBody>
@@ -6131,7 +6530,7 @@
     </p:spTree>
     <p:extLst>
       <p:ext uri="{BB962C8B-B14F-4D97-AF65-F5344CB8AC3E}">
-        <p14:creationId xmlns:p14="http://schemas.microsoft.com/office/powerpoint/2010/main" val="648171003"/>
+        <p14:creationId xmlns:p14="http://schemas.microsoft.com/office/powerpoint/2010/main" val="3515010480"/>
       </p:ext>
     </p:extLst>
   </p:cSld>
@@ -6182,7 +6581,7 @@
           <a:p>
             <a:r>
               <a:rPr lang="fr-FR" dirty="0" smtClean="0"/>
-              <a:t>Service message</a:t>
+              <a:t>Gestion des messages</a:t>
             </a:r>
             <a:endParaRPr lang="fr-FR" dirty="0"/>
           </a:p>
@@ -6203,38 +6602,38 @@
           <a:bodyPr/>
           <a:lstStyle/>
           <a:p>
-            <a:endParaRPr lang="fr-FR"/>
+            <a:r>
+              <a:rPr lang="fr-FR" dirty="0" smtClean="0"/>
+              <a:t>Si jamais le service est en panne il faut attendre un timeout pour afficher un éventuel message d'erreur</a:t>
+            </a:r>
+          </a:p>
+          <a:p>
+            <a:r>
+              <a:rPr lang="fr-FR" dirty="0" smtClean="0"/>
+              <a:t>Il serait utile d'avoir un gestionnaire de message qui affiche des informations à l'écran</a:t>
+            </a:r>
+          </a:p>
+          <a:p>
+            <a:pPr lvl="1"/>
+            <a:r>
+              <a:rPr lang="fr-FR" dirty="0" smtClean="0"/>
+              <a:t>Dans le cas d'une page complexe le nombre de service asynchrone est très important</a:t>
+            </a:r>
+          </a:p>
+          <a:p>
+            <a:pPr lvl="1"/>
+            <a:r>
+              <a:rPr lang="fr-FR" dirty="0" smtClean="0"/>
+              <a:t>Tout se charge + ou - vite dans n'importe quel ordre</a:t>
+            </a:r>
+            <a:endParaRPr lang="fr-FR" dirty="0"/>
           </a:p>
         </p:txBody>
       </p:sp>
-      <p:pic>
-        <p:nvPicPr>
-          <p:cNvPr id="4" name="Image 3"/>
-          <p:cNvPicPr>
-            <a:picLocks noChangeAspect="1"/>
-          </p:cNvPicPr>
-          <p:nvPr/>
-        </p:nvPicPr>
-        <p:blipFill>
-          <a:blip r:embed="rId2"/>
-          <a:stretch>
-            <a:fillRect/>
-          </a:stretch>
-        </p:blipFill>
-        <p:spPr>
-          <a:xfrm>
-            <a:off x="1979712" y="1156209"/>
-            <a:ext cx="4680520" cy="4911340"/>
-          </a:xfrm>
-          <a:prstGeom prst="rect">
-            <a:avLst/>
-          </a:prstGeom>
-        </p:spPr>
-      </p:pic>
     </p:spTree>
     <p:extLst>
       <p:ext uri="{BB962C8B-B14F-4D97-AF65-F5344CB8AC3E}">
-        <p14:creationId xmlns:p14="http://schemas.microsoft.com/office/powerpoint/2010/main" val="546868959"/>
+        <p14:creationId xmlns:p14="http://schemas.microsoft.com/office/powerpoint/2010/main" val="3091176005"/>
       </p:ext>
     </p:extLst>
   </p:cSld>
@@ -6285,7 +6684,7 @@
           <a:p>
             <a:r>
               <a:rPr lang="fr-FR" dirty="0" smtClean="0"/>
-              <a:t>Injection d'un service</a:t>
+              <a:t>Création d'un service messagerie</a:t>
             </a:r>
             <a:endParaRPr lang="fr-FR" dirty="0"/>
           </a:p>
@@ -6308,93 +6707,14 @@
           <a:p>
             <a:r>
               <a:rPr lang="fr-FR" dirty="0" smtClean="0"/>
-              <a:t>Le service </a:t>
-            </a:r>
-            <a:r>
-              <a:rPr lang="fr-FR" dirty="0" err="1" smtClean="0"/>
-              <a:t>hero</a:t>
-            </a:r>
-            <a:r>
-              <a:rPr lang="fr-FR" dirty="0" smtClean="0"/>
-              <a:t> a besoin du service message pour fonctionner</a:t>
+              <a:t>Un service messagerie est un service observable qui avec se qui sera injecté dans les autres services et composants</a:t>
             </a:r>
           </a:p>
           <a:p>
             <a:pPr lvl="1"/>
             <a:r>
-              <a:rPr lang="fr-FR" dirty="0" err="1" smtClean="0"/>
-              <a:t>IoD</a:t>
-            </a:r>
-            <a:r>
-              <a:rPr lang="fr-FR" dirty="0" smtClean="0"/>
-              <a:t> - Injection</a:t>
-            </a:r>
-          </a:p>
-          <a:p>
-            <a:pPr lvl="1"/>
-            <a:r>
-              <a:rPr lang="fr-FR" dirty="0" smtClean="0"/>
-              <a:t>Pas de new !</a:t>
-            </a:r>
-          </a:p>
-          <a:p>
-            <a:r>
-              <a:rPr lang="fr-FR" dirty="0" smtClean="0"/>
-              <a:t>Dans </a:t>
-            </a:r>
-            <a:r>
-              <a:rPr lang="fr-FR" dirty="0" err="1" smtClean="0"/>
-              <a:t>hello.Service.ts</a:t>
-            </a:r>
-            <a:r>
-              <a:rPr lang="fr-FR" dirty="0" smtClean="0"/>
-              <a:t> il faut ajouter</a:t>
-            </a:r>
-          </a:p>
-          <a:p>
-            <a:pPr lvl="1"/>
-            <a:r>
-              <a:rPr lang="fr-FR" dirty="0"/>
-              <a:t>import { </a:t>
-            </a:r>
-            <a:r>
               <a:rPr lang="fr-FR" dirty="0" err="1"/>
-              <a:t>MessageService</a:t>
-            </a:r>
-            <a:r>
-              <a:rPr lang="fr-FR" dirty="0"/>
-              <a:t> } </a:t>
-            </a:r>
-            <a:r>
-              <a:rPr lang="fr-FR" dirty="0" err="1"/>
-              <a:t>from</a:t>
-            </a:r>
-            <a:r>
-              <a:rPr lang="fr-FR" dirty="0"/>
-              <a:t> './</a:t>
-            </a:r>
-            <a:r>
-              <a:rPr lang="fr-FR" dirty="0" err="1"/>
-              <a:t>message.service</a:t>
-            </a:r>
-            <a:r>
-              <a:rPr lang="fr-FR" dirty="0" smtClean="0"/>
-              <a:t>';</a:t>
-            </a:r>
-          </a:p>
-          <a:p>
-            <a:pPr lvl="1"/>
-            <a:r>
-              <a:rPr lang="fr-FR" dirty="0" err="1"/>
-              <a:t>constructor</a:t>
-            </a:r>
-            <a:r>
-              <a:rPr lang="fr-FR" dirty="0"/>
-              <a:t>(</a:t>
-            </a:r>
-            <a:r>
-              <a:rPr lang="fr-FR" dirty="0" err="1"/>
-              <a:t>private</a:t>
+              <a:t>ng</a:t>
             </a:r>
             <a:r>
               <a:rPr lang="fr-FR" dirty="0"/>
@@ -6402,30 +6722,18 @@
             </a:r>
             <a:r>
               <a:rPr lang="fr-FR" dirty="0" err="1"/>
-              <a:t>messageService</a:t>
+              <a:t>generate</a:t>
             </a:r>
             <a:r>
               <a:rPr lang="fr-FR" dirty="0"/>
-              <a:t>: </a:t>
-            </a:r>
-            <a:r>
-              <a:rPr lang="fr-FR" dirty="0" err="1"/>
-              <a:t>MessageService</a:t>
-            </a:r>
-            <a:r>
-              <a:rPr lang="fr-FR" dirty="0"/>
-              <a:t>) { </a:t>
-            </a:r>
-            <a:r>
-              <a:rPr lang="fr-FR" dirty="0" smtClean="0"/>
-              <a:t>}</a:t>
-            </a:r>
-          </a:p>
-          <a:p>
-            <a:r>
-              <a:rPr lang="fr-FR" dirty="0" smtClean="0"/>
-              <a:t>Il s'agit d'un scenario service-in-service</a:t>
-            </a:r>
+              <a:t> service </a:t>
+            </a:r>
+            <a:r>
+              <a:rPr lang="fr-FR" dirty="0" smtClean="0"/>
+              <a:t>message</a:t>
+            </a:r>
+          </a:p>
+          <a:p>
             <a:endParaRPr lang="fr-FR" dirty="0"/>
           </a:p>
         </p:txBody>
@@ -6433,7 +6741,7 @@
     </p:spTree>
     <p:extLst>
       <p:ext uri="{BB962C8B-B14F-4D97-AF65-F5344CB8AC3E}">
-        <p14:creationId xmlns:p14="http://schemas.microsoft.com/office/powerpoint/2010/main" val="1920709861"/>
+        <p14:creationId xmlns:p14="http://schemas.microsoft.com/office/powerpoint/2010/main" val="648171003"/>
       </p:ext>
     </p:extLst>
   </p:cSld>
@@ -6484,6 +6792,308 @@
           <a:p>
             <a:r>
               <a:rPr lang="fr-FR" dirty="0" smtClean="0"/>
+              <a:t>Service message</a:t>
+            </a:r>
+            <a:endParaRPr lang="fr-FR" dirty="0"/>
+          </a:p>
+        </p:txBody>
+      </p:sp>
+      <p:sp>
+        <p:nvSpPr>
+          <p:cNvPr id="3" name="Espace réservé du contenu 2"/>
+          <p:cNvSpPr>
+            <a:spLocks noGrp="1"/>
+          </p:cNvSpPr>
+          <p:nvPr>
+            <p:ph idx="1"/>
+          </p:nvPr>
+        </p:nvSpPr>
+        <p:spPr/>
+        <p:txBody>
+          <a:bodyPr/>
+          <a:lstStyle/>
+          <a:p>
+            <a:endParaRPr lang="fr-FR"/>
+          </a:p>
+        </p:txBody>
+      </p:sp>
+      <p:pic>
+        <p:nvPicPr>
+          <p:cNvPr id="4" name="Image 3"/>
+          <p:cNvPicPr>
+            <a:picLocks noChangeAspect="1"/>
+          </p:cNvPicPr>
+          <p:nvPr/>
+        </p:nvPicPr>
+        <p:blipFill>
+          <a:blip r:embed="rId2"/>
+          <a:stretch>
+            <a:fillRect/>
+          </a:stretch>
+        </p:blipFill>
+        <p:spPr>
+          <a:xfrm>
+            <a:off x="1979712" y="1156209"/>
+            <a:ext cx="4680520" cy="4911340"/>
+          </a:xfrm>
+          <a:prstGeom prst="rect">
+            <a:avLst/>
+          </a:prstGeom>
+        </p:spPr>
+      </p:pic>
+    </p:spTree>
+    <p:extLst>
+      <p:ext uri="{BB962C8B-B14F-4D97-AF65-F5344CB8AC3E}">
+        <p14:creationId xmlns:p14="http://schemas.microsoft.com/office/powerpoint/2010/main" val="546868959"/>
+      </p:ext>
+    </p:extLst>
+  </p:cSld>
+  <p:clrMapOvr>
+    <a:masterClrMapping/>
+  </p:clrMapOvr>
+  <p:timing>
+    <p:tnLst>
+      <p:par>
+        <p:cTn id="1" dur="indefinite" restart="never" nodeType="tmRoot"/>
+      </p:par>
+    </p:tnLst>
+  </p:timing>
+</p:sld>
+</file>
+
+<file path=ppt/slides/slide26.xml><?xml version="1.0" encoding="utf-8"?>
+<p:sld xmlns:a="http://schemas.openxmlformats.org/drawingml/2006/main" xmlns:r="http://schemas.openxmlformats.org/officeDocument/2006/relationships" xmlns:p="http://schemas.openxmlformats.org/presentationml/2006/main">
+  <p:cSld>
+    <p:spTree>
+      <p:nvGrpSpPr>
+        <p:cNvPr id="1" name=""/>
+        <p:cNvGrpSpPr/>
+        <p:nvPr/>
+      </p:nvGrpSpPr>
+      <p:grpSpPr>
+        <a:xfrm>
+          <a:off x="0" y="0"/>
+          <a:ext cx="0" cy="0"/>
+          <a:chOff x="0" y="0"/>
+          <a:chExt cx="0" cy="0"/>
+        </a:xfrm>
+      </p:grpSpPr>
+      <p:sp>
+        <p:nvSpPr>
+          <p:cNvPr id="2" name="Titre 1"/>
+          <p:cNvSpPr>
+            <a:spLocks noGrp="1"/>
+          </p:cNvSpPr>
+          <p:nvPr>
+            <p:ph type="title"/>
+          </p:nvPr>
+        </p:nvSpPr>
+        <p:spPr/>
+        <p:txBody>
+          <a:bodyPr/>
+          <a:lstStyle/>
+          <a:p>
+            <a:r>
+              <a:rPr lang="fr-FR" dirty="0" smtClean="0"/>
+              <a:t>Injection d'un service</a:t>
+            </a:r>
+            <a:endParaRPr lang="fr-FR" dirty="0"/>
+          </a:p>
+        </p:txBody>
+      </p:sp>
+      <p:sp>
+        <p:nvSpPr>
+          <p:cNvPr id="3" name="Espace réservé du contenu 2"/>
+          <p:cNvSpPr>
+            <a:spLocks noGrp="1"/>
+          </p:cNvSpPr>
+          <p:nvPr>
+            <p:ph idx="1"/>
+          </p:nvPr>
+        </p:nvSpPr>
+        <p:spPr/>
+        <p:txBody>
+          <a:bodyPr/>
+          <a:lstStyle/>
+          <a:p>
+            <a:r>
+              <a:rPr lang="fr-FR" dirty="0" smtClean="0"/>
+              <a:t>Le service </a:t>
+            </a:r>
+            <a:r>
+              <a:rPr lang="fr-FR" dirty="0" err="1" smtClean="0"/>
+              <a:t>hero</a:t>
+            </a:r>
+            <a:r>
+              <a:rPr lang="fr-FR" dirty="0" smtClean="0"/>
+              <a:t> a besoin du service message pour fonctionner</a:t>
+            </a:r>
+          </a:p>
+          <a:p>
+            <a:pPr lvl="1"/>
+            <a:r>
+              <a:rPr lang="fr-FR" dirty="0" err="1" smtClean="0"/>
+              <a:t>IoD</a:t>
+            </a:r>
+            <a:r>
+              <a:rPr lang="fr-FR" dirty="0" smtClean="0"/>
+              <a:t> - Injection</a:t>
+            </a:r>
+          </a:p>
+          <a:p>
+            <a:pPr lvl="1"/>
+            <a:r>
+              <a:rPr lang="fr-FR" dirty="0" smtClean="0"/>
+              <a:t>Pas de new !</a:t>
+            </a:r>
+          </a:p>
+          <a:p>
+            <a:r>
+              <a:rPr lang="fr-FR" dirty="0" smtClean="0"/>
+              <a:t>Dans </a:t>
+            </a:r>
+            <a:r>
+              <a:rPr lang="fr-FR" dirty="0" err="1" smtClean="0"/>
+              <a:t>hello.Service.ts</a:t>
+            </a:r>
+            <a:r>
+              <a:rPr lang="fr-FR" dirty="0" smtClean="0"/>
+              <a:t> il faut ajouter</a:t>
+            </a:r>
+          </a:p>
+          <a:p>
+            <a:pPr lvl="1"/>
+            <a:r>
+              <a:rPr lang="fr-FR" dirty="0"/>
+              <a:t>import { </a:t>
+            </a:r>
+            <a:r>
+              <a:rPr lang="fr-FR" dirty="0" err="1"/>
+              <a:t>MessageService</a:t>
+            </a:r>
+            <a:r>
+              <a:rPr lang="fr-FR" dirty="0"/>
+              <a:t> } </a:t>
+            </a:r>
+            <a:r>
+              <a:rPr lang="fr-FR" dirty="0" err="1"/>
+              <a:t>from</a:t>
+            </a:r>
+            <a:r>
+              <a:rPr lang="fr-FR" dirty="0"/>
+              <a:t> './</a:t>
+            </a:r>
+            <a:r>
+              <a:rPr lang="fr-FR" dirty="0" err="1"/>
+              <a:t>message.service</a:t>
+            </a:r>
+            <a:r>
+              <a:rPr lang="fr-FR" dirty="0" smtClean="0"/>
+              <a:t>';</a:t>
+            </a:r>
+          </a:p>
+          <a:p>
+            <a:pPr lvl="1"/>
+            <a:r>
+              <a:rPr lang="fr-FR" dirty="0" err="1"/>
+              <a:t>constructor</a:t>
+            </a:r>
+            <a:r>
+              <a:rPr lang="fr-FR" dirty="0"/>
+              <a:t>(</a:t>
+            </a:r>
+            <a:r>
+              <a:rPr lang="fr-FR" dirty="0" err="1"/>
+              <a:t>private</a:t>
+            </a:r>
+            <a:r>
+              <a:rPr lang="fr-FR" dirty="0"/>
+              <a:t> </a:t>
+            </a:r>
+            <a:r>
+              <a:rPr lang="fr-FR" dirty="0" err="1"/>
+              <a:t>messageService</a:t>
+            </a:r>
+            <a:r>
+              <a:rPr lang="fr-FR" dirty="0"/>
+              <a:t>: </a:t>
+            </a:r>
+            <a:r>
+              <a:rPr lang="fr-FR" dirty="0" err="1"/>
+              <a:t>MessageService</a:t>
+            </a:r>
+            <a:r>
+              <a:rPr lang="fr-FR" dirty="0"/>
+              <a:t>) { </a:t>
+            </a:r>
+            <a:r>
+              <a:rPr lang="fr-FR" dirty="0" smtClean="0"/>
+              <a:t>}</a:t>
+            </a:r>
+          </a:p>
+          <a:p>
+            <a:r>
+              <a:rPr lang="fr-FR" dirty="0" smtClean="0"/>
+              <a:t>Il s'agit d'un scenario service-in-service</a:t>
+            </a:r>
+            <a:endParaRPr lang="fr-FR" dirty="0"/>
+          </a:p>
+        </p:txBody>
+      </p:sp>
+    </p:spTree>
+    <p:extLst>
+      <p:ext uri="{BB962C8B-B14F-4D97-AF65-F5344CB8AC3E}">
+        <p14:creationId xmlns:p14="http://schemas.microsoft.com/office/powerpoint/2010/main" val="1920709861"/>
+      </p:ext>
+    </p:extLst>
+  </p:cSld>
+  <p:clrMapOvr>
+    <a:masterClrMapping/>
+  </p:clrMapOvr>
+  <p:timing>
+    <p:tnLst>
+      <p:par>
+        <p:cTn id="1" dur="indefinite" restart="never" nodeType="tmRoot"/>
+      </p:par>
+    </p:tnLst>
+  </p:timing>
+</p:sld>
+</file>
+
+<file path=ppt/slides/slide27.xml><?xml version="1.0" encoding="utf-8"?>
+<p:sld xmlns:a="http://schemas.openxmlformats.org/drawingml/2006/main" xmlns:r="http://schemas.openxmlformats.org/officeDocument/2006/relationships" xmlns:p="http://schemas.openxmlformats.org/presentationml/2006/main">
+  <p:cSld>
+    <p:spTree>
+      <p:nvGrpSpPr>
+        <p:cNvPr id="1" name=""/>
+        <p:cNvGrpSpPr/>
+        <p:nvPr/>
+      </p:nvGrpSpPr>
+      <p:grpSpPr>
+        <a:xfrm>
+          <a:off x="0" y="0"/>
+          <a:ext cx="0" cy="0"/>
+          <a:chOff x="0" y="0"/>
+          <a:chExt cx="0" cy="0"/>
+        </a:xfrm>
+      </p:grpSpPr>
+      <p:sp>
+        <p:nvSpPr>
+          <p:cNvPr id="2" name="Titre 1"/>
+          <p:cNvSpPr>
+            <a:spLocks noGrp="1"/>
+          </p:cNvSpPr>
+          <p:nvPr>
+            <p:ph type="title"/>
+          </p:nvPr>
+        </p:nvSpPr>
+        <p:spPr/>
+        <p:txBody>
+          <a:bodyPr/>
+          <a:lstStyle/>
+          <a:p>
+            <a:r>
+              <a:rPr lang="fr-FR" dirty="0" smtClean="0"/>
               <a:t>service-in-service</a:t>
             </a:r>
             <a:endParaRPr lang="fr-FR" dirty="0"/>
@@ -6556,7 +7166,7 @@
 </p:sld>
 </file>
 
-<file path=ppt/slides/slide26.xml><?xml version="1.0" encoding="utf-8"?>
+<file path=ppt/slides/slide28.xml><?xml version="1.0" encoding="utf-8"?>
 <p:sld xmlns:a="http://schemas.openxmlformats.org/drawingml/2006/main" xmlns:r="http://schemas.openxmlformats.org/officeDocument/2006/relationships" xmlns:p="http://schemas.openxmlformats.org/presentationml/2006/main">
   <p:cSld>
     <p:spTree>
@@ -6788,12 +7398,8 @@
               <a:t>Angular</a:t>
             </a:r>
             <a:r>
-              <a:rPr lang="fr-FR" dirty="0" smtClean="0"/>
+              <a:rPr lang="fr-FR" dirty="0"/>
               <a:t> </a:t>
-            </a:r>
-            <a:r>
-              <a:rPr lang="fr-FR" dirty="0" smtClean="0"/>
-              <a:t>8 </a:t>
             </a:r>
             <a:r>
               <a:rPr lang="fr-FR" dirty="0" smtClean="0"/>
@@ -6832,15 +7438,7 @@
             </a:r>
             <a:r>
               <a:rPr lang="fr-FR" dirty="0" smtClean="0"/>
-              <a:t> </a:t>
-            </a:r>
-            <a:r>
-              <a:rPr lang="fr-FR" dirty="0" smtClean="0"/>
-              <a:t>8 </a:t>
-            </a:r>
-            <a:r>
-              <a:rPr lang="fr-FR" dirty="0" smtClean="0"/>
-              <a:t>utilise </a:t>
+              <a:t> 8 utilise </a:t>
             </a:r>
             <a:r>
               <a:rPr lang="fr-FR" dirty="0" err="1" smtClean="0"/>
@@ -6855,7 +7453,11 @@
             <a:pPr lvl="1"/>
             <a:r>
               <a:rPr lang="fr-FR" dirty="0" smtClean="0"/>
-              <a:t>Très différent des version précédentes</a:t>
+              <a:t>Assez différent </a:t>
+            </a:r>
+            <a:r>
+              <a:rPr lang="fr-FR" dirty="0" smtClean="0"/>
+              <a:t>des version précédentes</a:t>
             </a:r>
           </a:p>
           <a:p>
@@ -7155,109 +7757,31 @@
           <a:p>
             <a:pPr lvl="1"/>
             <a:r>
+              <a:rPr lang="fr-FR" dirty="0" smtClean="0"/>
+              <a:t>Voir </a:t>
+            </a:r>
+            <a:r>
               <a:rPr lang="fr-FR" dirty="0" err="1" smtClean="0"/>
-              <a:t>tsc</a:t>
-            </a:r>
-            <a:r>
-              <a:rPr lang="fr-FR" dirty="0" smtClean="0"/>
-              <a:t> utilisé par </a:t>
+              <a:t>react.spec.ts</a:t>
+            </a:r>
+            <a:endParaRPr lang="fr-FR" dirty="0" smtClean="0"/>
+          </a:p>
+          <a:p>
+            <a:r>
+              <a:rPr lang="fr-FR" dirty="0" smtClean="0"/>
+              <a:t>Pattern </a:t>
             </a:r>
             <a:r>
               <a:rPr lang="fr-FR" dirty="0" err="1" smtClean="0"/>
-              <a:t>ts-node</a:t>
-            </a:r>
-            <a:r>
-              <a:rPr lang="fr-FR" dirty="0" smtClean="0"/>
-              <a:t> ne s'est pas compiler un module .</a:t>
+              <a:t>Publish</a:t>
+            </a:r>
+            <a:r>
+              <a:rPr lang="fr-FR" dirty="0" smtClean="0"/>
+              <a:t> - </a:t>
             </a:r>
             <a:r>
               <a:rPr lang="fr-FR" dirty="0" err="1" smtClean="0"/>
-              <a:t>ts</a:t>
-            </a:r>
-            <a:r>
-              <a:rPr lang="fr-FR" dirty="0" smtClean="0"/>
-              <a:t> dans </a:t>
-            </a:r>
-            <a:r>
-              <a:rPr lang="fr-FR" dirty="0" err="1" smtClean="0"/>
-              <a:t>node_modules</a:t>
-            </a:r>
-            <a:r>
-              <a:rPr lang="fr-FR" dirty="0" smtClean="0"/>
-              <a:t>, pour un scripte </a:t>
-            </a:r>
-            <a:r>
-              <a:rPr lang="fr-FR" dirty="0" err="1" smtClean="0"/>
-              <a:t>ts-node</a:t>
-            </a:r>
-            <a:r>
-              <a:rPr lang="fr-FR" dirty="0" smtClean="0"/>
-              <a:t> il faut remplacer l'import par </a:t>
-            </a:r>
-          </a:p>
-          <a:p>
-            <a:pPr lvl="2"/>
-            <a:r>
-              <a:rPr lang="fr-FR" dirty="0"/>
-              <a:t>var </a:t>
-            </a:r>
-            <a:r>
-              <a:rPr lang="fr-FR" dirty="0" err="1"/>
-              <a:t>rx</a:t>
-            </a:r>
-            <a:r>
-              <a:rPr lang="fr-FR" dirty="0"/>
-              <a:t> = </a:t>
-            </a:r>
-            <a:r>
-              <a:rPr lang="fr-FR" dirty="0" err="1"/>
-              <a:t>require</a:t>
-            </a:r>
-            <a:r>
-              <a:rPr lang="fr-FR" dirty="0"/>
-              <a:t>("</a:t>
-            </a:r>
-            <a:r>
-              <a:rPr lang="fr-FR" dirty="0" err="1"/>
-              <a:t>rxjs</a:t>
-            </a:r>
-            <a:r>
-              <a:rPr lang="fr-FR" dirty="0" smtClean="0"/>
-              <a:t>");</a:t>
-            </a:r>
-          </a:p>
-          <a:p>
-            <a:pPr lvl="2"/>
-            <a:r>
-              <a:rPr lang="fr-FR" dirty="0" smtClean="0"/>
-              <a:t>qui est l'équivalent de</a:t>
-            </a:r>
-          </a:p>
-          <a:p>
-            <a:pPr lvl="2"/>
-            <a:r>
-              <a:rPr lang="fr-FR" dirty="0" smtClean="0"/>
-              <a:t>import * as </a:t>
-            </a:r>
-            <a:r>
-              <a:rPr lang="fr-FR" dirty="0" err="1" smtClean="0"/>
-              <a:t>rs</a:t>
-            </a:r>
-            <a:r>
-              <a:rPr lang="fr-FR" dirty="0" smtClean="0"/>
-              <a:t> </a:t>
-            </a:r>
-            <a:r>
-              <a:rPr lang="fr-FR" dirty="0" err="1" smtClean="0"/>
-              <a:t>from</a:t>
-            </a:r>
-            <a:r>
-              <a:rPr lang="fr-FR" dirty="0" smtClean="0"/>
-              <a:t> </a:t>
-            </a:r>
-            <a:r>
-              <a:rPr lang="fr-FR" dirty="0" err="1" smtClean="0"/>
-              <a:t>rxjs</a:t>
+              <a:t>Subscribe</a:t>
             </a:r>
             <a:endParaRPr lang="fr-FR" dirty="0" smtClean="0"/>
           </a:p>
@@ -7583,8 +8107,8 @@
               <a:t>Gestion des </a:t>
             </a:r>
             <a:r>
-              <a:rPr lang="fr-FR" dirty="0" err="1" smtClean="0"/>
-              <a:t>subscribes</a:t>
+              <a:rPr lang="fr-FR" dirty="0" smtClean="0"/>
+              <a:t>souscriptions</a:t>
             </a:r>
             <a:endParaRPr lang="fr-FR" dirty="0"/>
           </a:p>

--- a/PPT/Angular14-RXJS.pptx
+++ b/PPT/Angular14-RXJS.pptx
@@ -5,10 +5,10 @@
     <p:sldMasterId id="2147483653" r:id="rId1"/>
   </p:sldMasterIdLst>
   <p:notesMasterIdLst>
-    <p:notesMasterId r:id="rId30"/>
+    <p:notesMasterId r:id="rId35"/>
   </p:notesMasterIdLst>
   <p:handoutMasterIdLst>
-    <p:handoutMasterId r:id="rId31"/>
+    <p:handoutMasterId r:id="rId36"/>
   </p:handoutMasterIdLst>
   <p:sldIdLst>
     <p:sldId id="264" r:id="rId2"/>
@@ -30,15 +30,20 @@
     <p:sldId id="281" r:id="rId18"/>
     <p:sldId id="291" r:id="rId19"/>
     <p:sldId id="292" r:id="rId20"/>
-    <p:sldId id="282" r:id="rId21"/>
-    <p:sldId id="283" r:id="rId22"/>
-    <p:sldId id="284" r:id="rId23"/>
-    <p:sldId id="285" r:id="rId24"/>
-    <p:sldId id="286" r:id="rId25"/>
-    <p:sldId id="287" r:id="rId26"/>
-    <p:sldId id="288" r:id="rId27"/>
-    <p:sldId id="289" r:id="rId28"/>
-    <p:sldId id="290" r:id="rId29"/>
+    <p:sldId id="293" r:id="rId21"/>
+    <p:sldId id="294" r:id="rId22"/>
+    <p:sldId id="295" r:id="rId23"/>
+    <p:sldId id="296" r:id="rId24"/>
+    <p:sldId id="297" r:id="rId25"/>
+    <p:sldId id="282" r:id="rId26"/>
+    <p:sldId id="283" r:id="rId27"/>
+    <p:sldId id="284" r:id="rId28"/>
+    <p:sldId id="285" r:id="rId29"/>
+    <p:sldId id="286" r:id="rId30"/>
+    <p:sldId id="287" r:id="rId31"/>
+    <p:sldId id="288" r:id="rId32"/>
+    <p:sldId id="289" r:id="rId33"/>
+    <p:sldId id="290" r:id="rId34"/>
   </p:sldIdLst>
   <p:sldSz cx="9144000" cy="6858000" type="screen4x3"/>
   <p:notesSz cx="6648450" cy="9782175"/>
@@ -5881,13 +5886,8 @@
             </a:r>
             <a:r>
               <a:rPr lang="fr-FR" dirty="0" smtClean="0"/>
-              <a:t> 6 qui permet d’avoir une programmation </a:t>
-            </a:r>
-            <a:r>
-              <a:rPr lang="fr-FR" dirty="0" smtClean="0"/>
-              <a:t>réactive</a:t>
-            </a:r>
-            <a:endParaRPr lang="fr-FR" dirty="0" smtClean="0"/>
+              <a:t> 6 qui permet d’avoir une programmation réactive</a:t>
+            </a:r>
           </a:p>
           <a:p>
             <a:pPr lvl="1"/>
@@ -5941,7 +5941,6 @@
               <a:rPr lang="fr-FR" dirty="0" smtClean="0"/>
               <a:t>Observable</a:t>
             </a:r>
-            <a:endParaRPr lang="fr-FR" dirty="0" smtClean="0"/>
           </a:p>
         </p:txBody>
       </p:sp>
@@ -6040,6 +6039,674 @@
           <a:p>
             <a:r>
               <a:rPr lang="fr-FR" dirty="0" smtClean="0"/>
+              <a:t>Les générateurs</a:t>
+            </a:r>
+            <a:endParaRPr lang="fr-FR" dirty="0"/>
+          </a:p>
+        </p:txBody>
+      </p:sp>
+      <p:sp>
+        <p:nvSpPr>
+          <p:cNvPr id="3" name="Espace réservé du contenu 2"/>
+          <p:cNvSpPr>
+            <a:spLocks noGrp="1"/>
+          </p:cNvSpPr>
+          <p:nvPr>
+            <p:ph idx="1"/>
+          </p:nvPr>
+        </p:nvSpPr>
+        <p:spPr/>
+        <p:txBody>
+          <a:bodyPr/>
+          <a:lstStyle/>
+          <a:p>
+            <a:r>
+              <a:rPr lang="fr-FR" dirty="0" smtClean="0"/>
+              <a:t>Les générateurs sont des fonctions </a:t>
+            </a:r>
+            <a:r>
+              <a:rPr lang="fr-FR" dirty="0" err="1" smtClean="0"/>
+              <a:t>lazy</a:t>
+            </a:r>
+            <a:r>
+              <a:rPr lang="fr-FR" dirty="0" smtClean="0"/>
+              <a:t> </a:t>
+            </a:r>
+            <a:r>
+              <a:rPr lang="fr-FR" dirty="0" err="1" smtClean="0"/>
+              <a:t>loadées</a:t>
+            </a:r>
+            <a:endParaRPr lang="fr-FR" dirty="0" smtClean="0"/>
+          </a:p>
+          <a:p>
+            <a:r>
+              <a:rPr lang="fr-FR" dirty="0" smtClean="0"/>
+              <a:t>Elles doivent retournée les résultats par le mot clé </a:t>
+            </a:r>
+            <a:r>
+              <a:rPr lang="fr-FR" dirty="0" err="1" smtClean="0"/>
+              <a:t>yield</a:t>
+            </a:r>
+            <a:endParaRPr lang="fr-FR" dirty="0" smtClean="0"/>
+          </a:p>
+          <a:p>
+            <a:r>
+              <a:rPr lang="fr-FR" dirty="0" smtClean="0"/>
+              <a:t>Elles sont suffixée par *</a:t>
+            </a:r>
+          </a:p>
+          <a:p>
+            <a:r>
+              <a:rPr lang="fr-FR" dirty="0" smtClean="0"/>
+              <a:t>Exemple</a:t>
+            </a:r>
+            <a:endParaRPr lang="fr-FR" dirty="0"/>
+          </a:p>
+        </p:txBody>
+      </p:sp>
+      <p:pic>
+        <p:nvPicPr>
+          <p:cNvPr id="4" name="Image 3"/>
+          <p:cNvPicPr>
+            <a:picLocks noChangeAspect="1"/>
+          </p:cNvPicPr>
+          <p:nvPr/>
+        </p:nvPicPr>
+        <p:blipFill>
+          <a:blip r:embed="rId2"/>
+          <a:stretch>
+            <a:fillRect/>
+          </a:stretch>
+        </p:blipFill>
+        <p:spPr>
+          <a:xfrm>
+            <a:off x="2627784" y="3789040"/>
+            <a:ext cx="3384376" cy="1976278"/>
+          </a:xfrm>
+          <a:prstGeom prst="rect">
+            <a:avLst/>
+          </a:prstGeom>
+        </p:spPr>
+      </p:pic>
+    </p:spTree>
+    <p:extLst>
+      <p:ext uri="{BB962C8B-B14F-4D97-AF65-F5344CB8AC3E}">
+        <p14:creationId xmlns:p14="http://schemas.microsoft.com/office/powerpoint/2010/main" val="1358535111"/>
+      </p:ext>
+    </p:extLst>
+  </p:cSld>
+  <p:clrMapOvr>
+    <a:masterClrMapping/>
+  </p:clrMapOvr>
+</p:sld>
+</file>
+
+<file path=ppt/slides/slide21.xml><?xml version="1.0" encoding="utf-8"?>
+<p:sld xmlns:a="http://schemas.openxmlformats.org/drawingml/2006/main" xmlns:r="http://schemas.openxmlformats.org/officeDocument/2006/relationships" xmlns:p="http://schemas.openxmlformats.org/presentationml/2006/main">
+  <p:cSld>
+    <p:spTree>
+      <p:nvGrpSpPr>
+        <p:cNvPr id="1" name=""/>
+        <p:cNvGrpSpPr/>
+        <p:nvPr/>
+      </p:nvGrpSpPr>
+      <p:grpSpPr>
+        <a:xfrm>
+          <a:off x="0" y="0"/>
+          <a:ext cx="0" cy="0"/>
+          <a:chOff x="0" y="0"/>
+          <a:chExt cx="0" cy="0"/>
+        </a:xfrm>
+      </p:grpSpPr>
+      <p:sp>
+        <p:nvSpPr>
+          <p:cNvPr id="2" name="Titre 1"/>
+          <p:cNvSpPr>
+            <a:spLocks noGrp="1"/>
+          </p:cNvSpPr>
+          <p:nvPr>
+            <p:ph type="title"/>
+          </p:nvPr>
+        </p:nvSpPr>
+        <p:spPr/>
+        <p:txBody>
+          <a:bodyPr/>
+          <a:lstStyle/>
+          <a:p>
+            <a:r>
+              <a:rPr lang="fr-FR" dirty="0" err="1" smtClean="0"/>
+              <a:t>Lazy</a:t>
+            </a:r>
+            <a:r>
+              <a:rPr lang="fr-FR" dirty="0" smtClean="0"/>
+              <a:t> </a:t>
+            </a:r>
+            <a:r>
+              <a:rPr lang="fr-FR" dirty="0" err="1" smtClean="0"/>
+              <a:t>Loading</a:t>
+            </a:r>
+            <a:endParaRPr lang="fr-FR" dirty="0"/>
+          </a:p>
+        </p:txBody>
+      </p:sp>
+      <p:sp>
+        <p:nvSpPr>
+          <p:cNvPr id="3" name="Espace réservé du contenu 2"/>
+          <p:cNvSpPr>
+            <a:spLocks noGrp="1"/>
+          </p:cNvSpPr>
+          <p:nvPr>
+            <p:ph idx="1"/>
+          </p:nvPr>
+        </p:nvSpPr>
+        <p:spPr/>
+        <p:txBody>
+          <a:bodyPr/>
+          <a:lstStyle/>
+          <a:p>
+            <a:r>
+              <a:rPr lang="fr-FR" dirty="0" smtClean="0"/>
+              <a:t>Le générateur est itéré au moment de sa première utilisation</a:t>
+            </a:r>
+          </a:p>
+          <a:p>
+            <a:r>
+              <a:rPr lang="fr-FR" dirty="0" smtClean="0"/>
+              <a:t>Concept identique avec RXJS</a:t>
+            </a:r>
+          </a:p>
+          <a:p>
+            <a:pPr lvl="1"/>
+            <a:r>
+              <a:rPr lang="fr-FR" dirty="0" smtClean="0"/>
+              <a:t>Un observable </a:t>
+            </a:r>
+            <a:r>
+              <a:rPr lang="fr-FR" dirty="0" err="1" smtClean="0"/>
+              <a:t>from</a:t>
+            </a:r>
+            <a:r>
+              <a:rPr lang="fr-FR" dirty="0" smtClean="0"/>
+              <a:t> est itéré au moment de sa souscription</a:t>
+            </a:r>
+          </a:p>
+          <a:p>
+            <a:pPr lvl="1"/>
+            <a:endParaRPr lang="fr-FR" dirty="0"/>
+          </a:p>
+          <a:p>
+            <a:pPr lvl="1"/>
+            <a:endParaRPr lang="fr-FR" dirty="0" smtClean="0"/>
+          </a:p>
+          <a:p>
+            <a:pPr lvl="1"/>
+            <a:endParaRPr lang="fr-FR" dirty="0"/>
+          </a:p>
+          <a:p>
+            <a:pPr lvl="1"/>
+            <a:endParaRPr lang="fr-FR" dirty="0" smtClean="0"/>
+          </a:p>
+          <a:p>
+            <a:pPr lvl="1"/>
+            <a:r>
+              <a:rPr lang="fr-FR" dirty="0" smtClean="0"/>
+              <a:t>Remarquons que </a:t>
+            </a:r>
+            <a:r>
+              <a:rPr lang="fr-FR" dirty="0" err="1" smtClean="0"/>
+              <a:t>infiniteSequence</a:t>
+            </a:r>
+            <a:r>
+              <a:rPr lang="fr-FR" dirty="0" smtClean="0"/>
+              <a:t> ne se termine jamais que l'appel est passé</a:t>
+            </a:r>
+            <a:endParaRPr lang="fr-FR" dirty="0"/>
+          </a:p>
+        </p:txBody>
+      </p:sp>
+      <p:pic>
+        <p:nvPicPr>
+          <p:cNvPr id="4" name="Image 3"/>
+          <p:cNvPicPr>
+            <a:picLocks noChangeAspect="1"/>
+          </p:cNvPicPr>
+          <p:nvPr/>
+        </p:nvPicPr>
+        <p:blipFill>
+          <a:blip r:embed="rId2"/>
+          <a:stretch>
+            <a:fillRect/>
+          </a:stretch>
+        </p:blipFill>
+        <p:spPr>
+          <a:xfrm>
+            <a:off x="3059832" y="3429000"/>
+            <a:ext cx="4606172" cy="1808969"/>
+          </a:xfrm>
+          <a:prstGeom prst="rect">
+            <a:avLst/>
+          </a:prstGeom>
+        </p:spPr>
+      </p:pic>
+    </p:spTree>
+    <p:extLst>
+      <p:ext uri="{BB962C8B-B14F-4D97-AF65-F5344CB8AC3E}">
+        <p14:creationId xmlns:p14="http://schemas.microsoft.com/office/powerpoint/2010/main" val="556580156"/>
+      </p:ext>
+    </p:extLst>
+  </p:cSld>
+  <p:clrMapOvr>
+    <a:masterClrMapping/>
+  </p:clrMapOvr>
+</p:sld>
+</file>
+
+<file path=ppt/slides/slide22.xml><?xml version="1.0" encoding="utf-8"?>
+<p:sld xmlns:a="http://schemas.openxmlformats.org/drawingml/2006/main" xmlns:r="http://schemas.openxmlformats.org/officeDocument/2006/relationships" xmlns:p="http://schemas.openxmlformats.org/presentationml/2006/main">
+  <p:cSld>
+    <p:spTree>
+      <p:nvGrpSpPr>
+        <p:cNvPr id="1" name=""/>
+        <p:cNvGrpSpPr/>
+        <p:nvPr/>
+      </p:nvGrpSpPr>
+      <p:grpSpPr>
+        <a:xfrm>
+          <a:off x="0" y="0"/>
+          <a:ext cx="0" cy="0"/>
+          <a:chOff x="0" y="0"/>
+          <a:chExt cx="0" cy="0"/>
+        </a:xfrm>
+      </p:grpSpPr>
+      <p:sp>
+        <p:nvSpPr>
+          <p:cNvPr id="2" name="Titre 1"/>
+          <p:cNvSpPr>
+            <a:spLocks noGrp="1"/>
+          </p:cNvSpPr>
+          <p:nvPr>
+            <p:ph type="title"/>
+          </p:nvPr>
+        </p:nvSpPr>
+        <p:spPr/>
+        <p:txBody>
+          <a:bodyPr/>
+          <a:lstStyle/>
+          <a:p>
+            <a:r>
+              <a:rPr lang="fr-FR" dirty="0" smtClean="0"/>
+              <a:t>Le </a:t>
+            </a:r>
+            <a:r>
+              <a:rPr lang="fr-FR" dirty="0" err="1" smtClean="0"/>
+              <a:t>Map</a:t>
+            </a:r>
+            <a:r>
+              <a:rPr lang="fr-FR" dirty="0" smtClean="0"/>
+              <a:t> en détail</a:t>
+            </a:r>
+            <a:endParaRPr lang="fr-FR" dirty="0"/>
+          </a:p>
+        </p:txBody>
+      </p:sp>
+      <p:sp>
+        <p:nvSpPr>
+          <p:cNvPr id="3" name="Espace réservé du contenu 2"/>
+          <p:cNvSpPr>
+            <a:spLocks noGrp="1"/>
+          </p:cNvSpPr>
+          <p:nvPr>
+            <p:ph idx="1"/>
+          </p:nvPr>
+        </p:nvSpPr>
+        <p:spPr/>
+        <p:txBody>
+          <a:bodyPr/>
+          <a:lstStyle/>
+          <a:p>
+            <a:r>
+              <a:rPr lang="fr-FR" dirty="0" smtClean="0"/>
+              <a:t>Le </a:t>
+            </a:r>
+            <a:r>
+              <a:rPr lang="fr-FR" dirty="0" err="1" smtClean="0"/>
+              <a:t>map</a:t>
+            </a:r>
+            <a:r>
+              <a:rPr lang="fr-FR" dirty="0" smtClean="0"/>
+              <a:t> est un générateur programmé comme suit</a:t>
+            </a:r>
+          </a:p>
+          <a:p>
+            <a:endParaRPr lang="fr-FR" dirty="0"/>
+          </a:p>
+        </p:txBody>
+      </p:sp>
+      <p:pic>
+        <p:nvPicPr>
+          <p:cNvPr id="5" name="Image 4"/>
+          <p:cNvPicPr>
+            <a:picLocks noChangeAspect="1"/>
+          </p:cNvPicPr>
+          <p:nvPr/>
+        </p:nvPicPr>
+        <p:blipFill>
+          <a:blip r:embed="rId2"/>
+          <a:stretch>
+            <a:fillRect/>
+          </a:stretch>
+        </p:blipFill>
+        <p:spPr>
+          <a:xfrm>
+            <a:off x="1187624" y="2348880"/>
+            <a:ext cx="6946002" cy="2736304"/>
+          </a:xfrm>
+          <a:prstGeom prst="rect">
+            <a:avLst/>
+          </a:prstGeom>
+        </p:spPr>
+      </p:pic>
+    </p:spTree>
+    <p:extLst>
+      <p:ext uri="{BB962C8B-B14F-4D97-AF65-F5344CB8AC3E}">
+        <p14:creationId xmlns:p14="http://schemas.microsoft.com/office/powerpoint/2010/main" val="936445686"/>
+      </p:ext>
+    </p:extLst>
+  </p:cSld>
+  <p:clrMapOvr>
+    <a:masterClrMapping/>
+  </p:clrMapOvr>
+</p:sld>
+</file>
+
+<file path=ppt/slides/slide23.xml><?xml version="1.0" encoding="utf-8"?>
+<p:sld xmlns:a="http://schemas.openxmlformats.org/drawingml/2006/main" xmlns:r="http://schemas.openxmlformats.org/officeDocument/2006/relationships" xmlns:p="http://schemas.openxmlformats.org/presentationml/2006/main">
+  <p:cSld>
+    <p:spTree>
+      <p:nvGrpSpPr>
+        <p:cNvPr id="1" name=""/>
+        <p:cNvGrpSpPr/>
+        <p:nvPr/>
+      </p:nvGrpSpPr>
+      <p:grpSpPr>
+        <a:xfrm>
+          <a:off x="0" y="0"/>
+          <a:ext cx="0" cy="0"/>
+          <a:chOff x="0" y="0"/>
+          <a:chExt cx="0" cy="0"/>
+        </a:xfrm>
+      </p:grpSpPr>
+      <p:sp>
+        <p:nvSpPr>
+          <p:cNvPr id="2" name="Titre 1"/>
+          <p:cNvSpPr>
+            <a:spLocks noGrp="1"/>
+          </p:cNvSpPr>
+          <p:nvPr>
+            <p:ph type="title"/>
+          </p:nvPr>
+        </p:nvSpPr>
+        <p:spPr/>
+        <p:txBody>
+          <a:bodyPr/>
+          <a:lstStyle/>
+          <a:p>
+            <a:r>
+              <a:rPr lang="fr-FR" dirty="0" smtClean="0"/>
+              <a:t>Le </a:t>
+            </a:r>
+            <a:r>
+              <a:rPr lang="fr-FR" dirty="0" err="1" smtClean="0"/>
+              <a:t>Filter</a:t>
+            </a:r>
+            <a:r>
+              <a:rPr lang="fr-FR" dirty="0" smtClean="0"/>
+              <a:t> en détail</a:t>
+            </a:r>
+            <a:endParaRPr lang="fr-FR" dirty="0"/>
+          </a:p>
+        </p:txBody>
+      </p:sp>
+      <p:sp>
+        <p:nvSpPr>
+          <p:cNvPr id="3" name="Espace réservé du contenu 2"/>
+          <p:cNvSpPr>
+            <a:spLocks noGrp="1"/>
+          </p:cNvSpPr>
+          <p:nvPr>
+            <p:ph idx="1"/>
+          </p:nvPr>
+        </p:nvSpPr>
+        <p:spPr/>
+        <p:txBody>
+          <a:bodyPr/>
+          <a:lstStyle/>
+          <a:p>
+            <a:r>
+              <a:rPr lang="fr-FR" dirty="0" smtClean="0"/>
+              <a:t>Le </a:t>
+            </a:r>
+            <a:r>
+              <a:rPr lang="fr-FR" dirty="0" err="1" smtClean="0"/>
+              <a:t>filter</a:t>
+            </a:r>
+            <a:r>
+              <a:rPr lang="fr-FR" dirty="0" smtClean="0"/>
+              <a:t> est un générateur programmé comme suit</a:t>
+            </a:r>
+          </a:p>
+          <a:p>
+            <a:endParaRPr lang="fr-FR" dirty="0"/>
+          </a:p>
+        </p:txBody>
+      </p:sp>
+      <p:pic>
+        <p:nvPicPr>
+          <p:cNvPr id="6" name="Image 5"/>
+          <p:cNvPicPr>
+            <a:picLocks noChangeAspect="1"/>
+          </p:cNvPicPr>
+          <p:nvPr/>
+        </p:nvPicPr>
+        <p:blipFill>
+          <a:blip r:embed="rId2"/>
+          <a:stretch>
+            <a:fillRect/>
+          </a:stretch>
+        </p:blipFill>
+        <p:spPr>
+          <a:xfrm>
+            <a:off x="1403648" y="2204864"/>
+            <a:ext cx="6778884" cy="2736304"/>
+          </a:xfrm>
+          <a:prstGeom prst="rect">
+            <a:avLst/>
+          </a:prstGeom>
+        </p:spPr>
+      </p:pic>
+    </p:spTree>
+    <p:extLst>
+      <p:ext uri="{BB962C8B-B14F-4D97-AF65-F5344CB8AC3E}">
+        <p14:creationId xmlns:p14="http://schemas.microsoft.com/office/powerpoint/2010/main" val="1931710708"/>
+      </p:ext>
+    </p:extLst>
+  </p:cSld>
+  <p:clrMapOvr>
+    <a:masterClrMapping/>
+  </p:clrMapOvr>
+</p:sld>
+</file>
+
+<file path=ppt/slides/slide24.xml><?xml version="1.0" encoding="utf-8"?>
+<p:sld xmlns:a="http://schemas.openxmlformats.org/drawingml/2006/main" xmlns:r="http://schemas.openxmlformats.org/officeDocument/2006/relationships" xmlns:p="http://schemas.openxmlformats.org/presentationml/2006/main">
+  <p:cSld>
+    <p:spTree>
+      <p:nvGrpSpPr>
+        <p:cNvPr id="1" name=""/>
+        <p:cNvGrpSpPr/>
+        <p:nvPr/>
+      </p:nvGrpSpPr>
+      <p:grpSpPr>
+        <a:xfrm>
+          <a:off x="0" y="0"/>
+          <a:ext cx="0" cy="0"/>
+          <a:chOff x="0" y="0"/>
+          <a:chExt cx="0" cy="0"/>
+        </a:xfrm>
+      </p:grpSpPr>
+      <p:sp>
+        <p:nvSpPr>
+          <p:cNvPr id="2" name="Titre 1"/>
+          <p:cNvSpPr>
+            <a:spLocks noGrp="1"/>
+          </p:cNvSpPr>
+          <p:nvPr>
+            <p:ph type="title"/>
+          </p:nvPr>
+        </p:nvSpPr>
+        <p:spPr/>
+        <p:txBody>
+          <a:bodyPr/>
+          <a:lstStyle/>
+          <a:p>
+            <a:r>
+              <a:rPr lang="fr-FR" dirty="0" smtClean="0"/>
+              <a:t>Le </a:t>
+            </a:r>
+            <a:r>
+              <a:rPr lang="fr-FR" dirty="0" err="1"/>
+              <a:t>R</a:t>
+            </a:r>
+            <a:r>
+              <a:rPr lang="fr-FR" dirty="0" err="1" smtClean="0"/>
+              <a:t>educe</a:t>
+            </a:r>
+            <a:r>
+              <a:rPr lang="fr-FR" dirty="0" smtClean="0"/>
+              <a:t> en détail</a:t>
+            </a:r>
+            <a:endParaRPr lang="fr-FR" dirty="0"/>
+          </a:p>
+        </p:txBody>
+      </p:sp>
+      <p:sp>
+        <p:nvSpPr>
+          <p:cNvPr id="3" name="Espace réservé du contenu 2"/>
+          <p:cNvSpPr>
+            <a:spLocks noGrp="1"/>
+          </p:cNvSpPr>
+          <p:nvPr>
+            <p:ph idx="1"/>
+          </p:nvPr>
+        </p:nvSpPr>
+        <p:spPr/>
+        <p:txBody>
+          <a:bodyPr/>
+          <a:lstStyle/>
+          <a:p>
+            <a:r>
+              <a:rPr lang="fr-FR" dirty="0" smtClean="0"/>
+              <a:t>Le </a:t>
+            </a:r>
+            <a:r>
+              <a:rPr lang="fr-FR" dirty="0" err="1" smtClean="0"/>
+              <a:t>reduce</a:t>
+            </a:r>
+            <a:r>
+              <a:rPr lang="fr-FR" dirty="0" smtClean="0"/>
+              <a:t> doit être appelé avec une </a:t>
+            </a:r>
+            <a:r>
+              <a:rPr lang="fr-FR" dirty="0" err="1" smtClean="0"/>
+              <a:t>arrow</a:t>
+            </a:r>
+            <a:r>
+              <a:rPr lang="fr-FR" dirty="0" smtClean="0"/>
+              <a:t> </a:t>
+            </a:r>
+            <a:r>
+              <a:rPr lang="fr-FR" dirty="0" err="1" smtClean="0"/>
+              <a:t>function</a:t>
+            </a:r>
+            <a:r>
+              <a:rPr lang="fr-FR" dirty="0" smtClean="0"/>
+              <a:t> possédant 2 paramètres</a:t>
+            </a:r>
+            <a:endParaRPr lang="fr-FR" dirty="0"/>
+          </a:p>
+        </p:txBody>
+      </p:sp>
+      <p:pic>
+        <p:nvPicPr>
+          <p:cNvPr id="4" name="Image 3"/>
+          <p:cNvPicPr>
+            <a:picLocks noChangeAspect="1"/>
+          </p:cNvPicPr>
+          <p:nvPr/>
+        </p:nvPicPr>
+        <p:blipFill>
+          <a:blip r:embed="rId2"/>
+          <a:stretch>
+            <a:fillRect/>
+          </a:stretch>
+        </p:blipFill>
+        <p:spPr>
+          <a:xfrm>
+            <a:off x="441242" y="2636912"/>
+            <a:ext cx="8669478" cy="2736304"/>
+          </a:xfrm>
+          <a:prstGeom prst="rect">
+            <a:avLst/>
+          </a:prstGeom>
+        </p:spPr>
+      </p:pic>
+    </p:spTree>
+    <p:extLst>
+      <p:ext uri="{BB962C8B-B14F-4D97-AF65-F5344CB8AC3E}">
+        <p14:creationId xmlns:p14="http://schemas.microsoft.com/office/powerpoint/2010/main" val="1896758056"/>
+      </p:ext>
+    </p:extLst>
+  </p:cSld>
+  <p:clrMapOvr>
+    <a:masterClrMapping/>
+  </p:clrMapOvr>
+</p:sld>
+</file>
+
+<file path=ppt/slides/slide25.xml><?xml version="1.0" encoding="utf-8"?>
+<p:sld xmlns:a="http://schemas.openxmlformats.org/drawingml/2006/main" xmlns:r="http://schemas.openxmlformats.org/officeDocument/2006/relationships" xmlns:p="http://schemas.openxmlformats.org/presentationml/2006/main">
+  <p:cSld>
+    <p:spTree>
+      <p:nvGrpSpPr>
+        <p:cNvPr id="1" name=""/>
+        <p:cNvGrpSpPr/>
+        <p:nvPr/>
+      </p:nvGrpSpPr>
+      <p:grpSpPr>
+        <a:xfrm>
+          <a:off x="0" y="0"/>
+          <a:ext cx="0" cy="0"/>
+          <a:chOff x="0" y="0"/>
+          <a:chExt cx="0" cy="0"/>
+        </a:xfrm>
+      </p:grpSpPr>
+      <p:sp>
+        <p:nvSpPr>
+          <p:cNvPr id="2" name="Titre 1"/>
+          <p:cNvSpPr>
+            <a:spLocks noGrp="1"/>
+          </p:cNvSpPr>
+          <p:nvPr>
+            <p:ph type="title"/>
+          </p:nvPr>
+        </p:nvSpPr>
+        <p:spPr/>
+        <p:txBody>
+          <a:bodyPr/>
+          <a:lstStyle/>
+          <a:p>
+            <a:r>
+              <a:rPr lang="fr-FR" dirty="0" smtClean="0"/>
               <a:t>Les services réactifs</a:t>
             </a:r>
             <a:endParaRPr lang="fr-FR" dirty="0"/>
@@ -6174,7 +6841,7 @@
 </p:sld>
 </file>
 
-<file path=ppt/slides/slide21.xml><?xml version="1.0" encoding="utf-8"?>
+<file path=ppt/slides/slide26.xml><?xml version="1.0" encoding="utf-8"?>
 <p:sld xmlns:a="http://schemas.openxmlformats.org/drawingml/2006/main" xmlns:r="http://schemas.openxmlformats.org/officeDocument/2006/relationships" xmlns:p="http://schemas.openxmlformats.org/presentationml/2006/main">
   <p:cSld>
     <p:spTree>
@@ -6341,7 +7008,7 @@
 </p:sld>
 </file>
 
-<file path=ppt/slides/slide22.xml><?xml version="1.0" encoding="utf-8"?>
+<file path=ppt/slides/slide27.xml><?xml version="1.0" encoding="utf-8"?>
 <p:sld xmlns:a="http://schemas.openxmlformats.org/drawingml/2006/main" xmlns:r="http://schemas.openxmlformats.org/officeDocument/2006/relationships" xmlns:p="http://schemas.openxmlformats.org/presentationml/2006/main">
   <p:cSld>
     <p:spTree>
@@ -6498,7 +7165,19 @@
           <a:p>
             <a:r>
               <a:rPr lang="fr-FR" dirty="0" smtClean="0"/>
-              <a:t>Ceci met en pace un </a:t>
+              <a:t>Ceci met </a:t>
+            </a:r>
+            <a:r>
+              <a:rPr lang="fr-FR" smtClean="0"/>
+              <a:t>en </a:t>
+            </a:r>
+            <a:r>
+              <a:rPr lang="fr-FR" smtClean="0"/>
+              <a:t>place </a:t>
+            </a:r>
+            <a:r>
+              <a:rPr lang="fr-FR" dirty="0" smtClean="0"/>
+              <a:t>un </a:t>
             </a:r>
             <a:r>
               <a:rPr lang="fr-FR" dirty="0" err="1" smtClean="0"/>
@@ -6547,7 +7226,7 @@
 </p:sld>
 </file>
 
-<file path=ppt/slides/slide23.xml><?xml version="1.0" encoding="utf-8"?>
+<file path=ppt/slides/slide28.xml><?xml version="1.0" encoding="utf-8"?>
 <p:sld xmlns:a="http://schemas.openxmlformats.org/drawingml/2006/main" xmlns:r="http://schemas.openxmlformats.org/officeDocument/2006/relationships" xmlns:p="http://schemas.openxmlformats.org/presentationml/2006/main">
   <p:cSld>
     <p:spTree>
@@ -6650,7 +7329,7 @@
 </p:sld>
 </file>
 
-<file path=ppt/slides/slide24.xml><?xml version="1.0" encoding="utf-8"?>
+<file path=ppt/slides/slide29.xml><?xml version="1.0" encoding="utf-8"?>
 <p:sld xmlns:a="http://schemas.openxmlformats.org/drawingml/2006/main" xmlns:r="http://schemas.openxmlformats.org/officeDocument/2006/relationships" xmlns:p="http://schemas.openxmlformats.org/presentationml/2006/main">
   <p:cSld>
     <p:spTree>
@@ -6758,7 +7437,128 @@
 </p:sld>
 </file>
 
-<file path=ppt/slides/slide25.xml><?xml version="1.0" encoding="utf-8"?>
+<file path=ppt/slides/slide3.xml><?xml version="1.0" encoding="utf-8"?>
+<p:sld xmlns:a="http://schemas.openxmlformats.org/drawingml/2006/main" xmlns:r="http://schemas.openxmlformats.org/officeDocument/2006/relationships" xmlns:p="http://schemas.openxmlformats.org/presentationml/2006/main">
+  <p:cSld>
+    <p:spTree>
+      <p:nvGrpSpPr>
+        <p:cNvPr id="1" name=""/>
+        <p:cNvGrpSpPr/>
+        <p:nvPr/>
+      </p:nvGrpSpPr>
+      <p:grpSpPr>
+        <a:xfrm>
+          <a:off x="0" y="0"/>
+          <a:ext cx="0" cy="0"/>
+          <a:chOff x="0" y="0"/>
+          <a:chExt cx="0" cy="0"/>
+        </a:xfrm>
+      </p:grpSpPr>
+      <p:sp>
+        <p:nvSpPr>
+          <p:cNvPr id="2" name="Titre 1"/>
+          <p:cNvSpPr>
+            <a:spLocks noGrp="1"/>
+          </p:cNvSpPr>
+          <p:nvPr>
+            <p:ph type="title"/>
+          </p:nvPr>
+        </p:nvSpPr>
+        <p:spPr/>
+        <p:txBody>
+          <a:bodyPr/>
+          <a:lstStyle/>
+          <a:p>
+            <a:r>
+              <a:rPr lang="fr-FR" dirty="0" err="1" smtClean="0"/>
+              <a:t>Angular</a:t>
+            </a:r>
+            <a:r>
+              <a:rPr lang="fr-FR" dirty="0"/>
+              <a:t> </a:t>
+            </a:r>
+            <a:r>
+              <a:rPr lang="fr-FR" dirty="0" smtClean="0"/>
+              <a:t>et </a:t>
+            </a:r>
+            <a:r>
+              <a:rPr lang="fr-FR" dirty="0" err="1" smtClean="0"/>
+              <a:t>RxJS</a:t>
+            </a:r>
+            <a:r>
+              <a:rPr lang="fr-FR" dirty="0" smtClean="0"/>
+              <a:t> 6</a:t>
+            </a:r>
+            <a:endParaRPr lang="fr-FR" dirty="0"/>
+          </a:p>
+        </p:txBody>
+      </p:sp>
+      <p:sp>
+        <p:nvSpPr>
+          <p:cNvPr id="3" name="Espace réservé du contenu 2"/>
+          <p:cNvSpPr>
+            <a:spLocks noGrp="1"/>
+          </p:cNvSpPr>
+          <p:nvPr>
+            <p:ph idx="1"/>
+          </p:nvPr>
+        </p:nvSpPr>
+        <p:spPr/>
+        <p:txBody>
+          <a:bodyPr/>
+          <a:lstStyle/>
+          <a:p>
+            <a:r>
+              <a:rPr lang="fr-FR" dirty="0" err="1" smtClean="0"/>
+              <a:t>Angular</a:t>
+            </a:r>
+            <a:r>
+              <a:rPr lang="fr-FR" dirty="0" smtClean="0"/>
+              <a:t> 8 utilise </a:t>
+            </a:r>
+            <a:r>
+              <a:rPr lang="fr-FR" dirty="0" err="1" smtClean="0"/>
+              <a:t>RxJS</a:t>
+            </a:r>
+            <a:r>
+              <a:rPr lang="fr-FR" dirty="0" smtClean="0"/>
+              <a:t> 6</a:t>
+            </a:r>
+          </a:p>
+          <a:p>
+            <a:pPr lvl="1"/>
+            <a:r>
+              <a:rPr lang="fr-FR" dirty="0" smtClean="0"/>
+              <a:t>Assez différent des version précédentes</a:t>
+            </a:r>
+          </a:p>
+          <a:p>
+            <a:pPr lvl="1"/>
+            <a:endParaRPr lang="fr-FR" dirty="0" smtClean="0"/>
+          </a:p>
+        </p:txBody>
+      </p:sp>
+    </p:spTree>
+    <p:extLst>
+      <p:ext uri="{BB962C8B-B14F-4D97-AF65-F5344CB8AC3E}">
+        <p14:creationId xmlns:p14="http://schemas.microsoft.com/office/powerpoint/2010/main" val="998569640"/>
+      </p:ext>
+    </p:extLst>
+  </p:cSld>
+  <p:clrMapOvr>
+    <a:masterClrMapping/>
+  </p:clrMapOvr>
+  <p:timing>
+    <p:tnLst>
+      <p:par>
+        <p:cTn id="1" dur="indefinite" restart="never" nodeType="tmRoot"/>
+      </p:par>
+    </p:tnLst>
+  </p:timing>
+</p:sld>
+</file>
+
+<file path=ppt/slides/slide30.xml><?xml version="1.0" encoding="utf-8"?>
 <p:sld xmlns:a="http://schemas.openxmlformats.org/drawingml/2006/main" xmlns:r="http://schemas.openxmlformats.org/officeDocument/2006/relationships" xmlns:p="http://schemas.openxmlformats.org/presentationml/2006/main">
   <p:cSld>
     <p:spTree>
@@ -6861,7 +7661,7 @@
 </p:sld>
 </file>
 
-<file path=ppt/slides/slide26.xml><?xml version="1.0" encoding="utf-8"?>
+<file path=ppt/slides/slide31.xml><?xml version="1.0" encoding="utf-8"?>
 <p:sld xmlns:a="http://schemas.openxmlformats.org/drawingml/2006/main" xmlns:r="http://schemas.openxmlformats.org/officeDocument/2006/relationships" xmlns:p="http://schemas.openxmlformats.org/presentationml/2006/main">
   <p:cSld>
     <p:spTree>
@@ -7060,7 +7860,7 @@
 </p:sld>
 </file>
 
-<file path=ppt/slides/slide27.xml><?xml version="1.0" encoding="utf-8"?>
+<file path=ppt/slides/slide32.xml><?xml version="1.0" encoding="utf-8"?>
 <p:sld xmlns:a="http://schemas.openxmlformats.org/drawingml/2006/main" xmlns:r="http://schemas.openxmlformats.org/officeDocument/2006/relationships" xmlns:p="http://schemas.openxmlformats.org/presentationml/2006/main">
   <p:cSld>
     <p:spTree>
@@ -7166,7 +7966,7 @@
 </p:sld>
 </file>
 
-<file path=ppt/slides/slide28.xml><?xml version="1.0" encoding="utf-8"?>
+<file path=ppt/slides/slide33.xml><?xml version="1.0" encoding="utf-8"?>
 <p:sld xmlns:a="http://schemas.openxmlformats.org/drawingml/2006/main" xmlns:r="http://schemas.openxmlformats.org/officeDocument/2006/relationships" xmlns:p="http://schemas.openxmlformats.org/presentationml/2006/main">
   <p:cSld>
     <p:spTree>
@@ -7345,131 +8145,6 @@
     <p:extLst>
       <p:ext uri="{BB962C8B-B14F-4D97-AF65-F5344CB8AC3E}">
         <p14:creationId xmlns:p14="http://schemas.microsoft.com/office/powerpoint/2010/main" val="959380372"/>
-      </p:ext>
-    </p:extLst>
-  </p:cSld>
-  <p:clrMapOvr>
-    <a:masterClrMapping/>
-  </p:clrMapOvr>
-  <p:timing>
-    <p:tnLst>
-      <p:par>
-        <p:cTn id="1" dur="indefinite" restart="never" nodeType="tmRoot"/>
-      </p:par>
-    </p:tnLst>
-  </p:timing>
-</p:sld>
-</file>
-
-<file path=ppt/slides/slide3.xml><?xml version="1.0" encoding="utf-8"?>
-<p:sld xmlns:a="http://schemas.openxmlformats.org/drawingml/2006/main" xmlns:r="http://schemas.openxmlformats.org/officeDocument/2006/relationships" xmlns:p="http://schemas.openxmlformats.org/presentationml/2006/main">
-  <p:cSld>
-    <p:spTree>
-      <p:nvGrpSpPr>
-        <p:cNvPr id="1" name=""/>
-        <p:cNvGrpSpPr/>
-        <p:nvPr/>
-      </p:nvGrpSpPr>
-      <p:grpSpPr>
-        <a:xfrm>
-          <a:off x="0" y="0"/>
-          <a:ext cx="0" cy="0"/>
-          <a:chOff x="0" y="0"/>
-          <a:chExt cx="0" cy="0"/>
-        </a:xfrm>
-      </p:grpSpPr>
-      <p:sp>
-        <p:nvSpPr>
-          <p:cNvPr id="2" name="Titre 1"/>
-          <p:cNvSpPr>
-            <a:spLocks noGrp="1"/>
-          </p:cNvSpPr>
-          <p:nvPr>
-            <p:ph type="title"/>
-          </p:nvPr>
-        </p:nvSpPr>
-        <p:spPr/>
-        <p:txBody>
-          <a:bodyPr/>
-          <a:lstStyle/>
-          <a:p>
-            <a:r>
-              <a:rPr lang="fr-FR" dirty="0" err="1" smtClean="0"/>
-              <a:t>Angular</a:t>
-            </a:r>
-            <a:r>
-              <a:rPr lang="fr-FR" dirty="0"/>
-              <a:t> </a:t>
-            </a:r>
-            <a:r>
-              <a:rPr lang="fr-FR" dirty="0" smtClean="0"/>
-              <a:t>et </a:t>
-            </a:r>
-            <a:r>
-              <a:rPr lang="fr-FR" dirty="0" err="1" smtClean="0"/>
-              <a:t>RxJS</a:t>
-            </a:r>
-            <a:r>
-              <a:rPr lang="fr-FR" dirty="0" smtClean="0"/>
-              <a:t> 6</a:t>
-            </a:r>
-            <a:endParaRPr lang="fr-FR" dirty="0"/>
-          </a:p>
-        </p:txBody>
-      </p:sp>
-      <p:sp>
-        <p:nvSpPr>
-          <p:cNvPr id="3" name="Espace réservé du contenu 2"/>
-          <p:cNvSpPr>
-            <a:spLocks noGrp="1"/>
-          </p:cNvSpPr>
-          <p:nvPr>
-            <p:ph idx="1"/>
-          </p:nvPr>
-        </p:nvSpPr>
-        <p:spPr/>
-        <p:txBody>
-          <a:bodyPr/>
-          <a:lstStyle/>
-          <a:p>
-            <a:r>
-              <a:rPr lang="fr-FR" dirty="0" err="1" smtClean="0"/>
-              <a:t>Angular</a:t>
-            </a:r>
-            <a:r>
-              <a:rPr lang="fr-FR" dirty="0" smtClean="0"/>
-              <a:t> 8 utilise </a:t>
-            </a:r>
-            <a:r>
-              <a:rPr lang="fr-FR" dirty="0" err="1" smtClean="0"/>
-              <a:t>RxJS</a:t>
-            </a:r>
-            <a:r>
-              <a:rPr lang="fr-FR" dirty="0" smtClean="0"/>
-              <a:t> 6</a:t>
-            </a:r>
-          </a:p>
-          <a:p>
-            <a:pPr lvl="1"/>
-            <a:r>
-              <a:rPr lang="fr-FR" dirty="0" smtClean="0"/>
-              <a:t>Assez différent </a:t>
-            </a:r>
-            <a:r>
-              <a:rPr lang="fr-FR" dirty="0" smtClean="0"/>
-              <a:t>des version précédentes</a:t>
-            </a:r>
-          </a:p>
-          <a:p>
-            <a:pPr lvl="1"/>
-            <a:endParaRPr lang="fr-FR" dirty="0" smtClean="0"/>
-          </a:p>
-        </p:txBody>
-      </p:sp>
-    </p:spTree>
-    <p:extLst>
-      <p:ext uri="{BB962C8B-B14F-4D97-AF65-F5344CB8AC3E}">
-        <p14:creationId xmlns:p14="http://schemas.microsoft.com/office/powerpoint/2010/main" val="998569640"/>
       </p:ext>
     </p:extLst>
   </p:cSld>
@@ -8104,11 +8779,7 @@
           <a:p>
             <a:r>
               <a:rPr lang="fr-FR" dirty="0" smtClean="0"/>
-              <a:t>Gestion des </a:t>
-            </a:r>
-            <a:r>
-              <a:rPr lang="fr-FR" dirty="0" smtClean="0"/>
-              <a:t>souscriptions</a:t>
+              <a:t>Gestion des souscriptions</a:t>
             </a:r>
             <a:endParaRPr lang="fr-FR" dirty="0"/>
           </a:p>

--- a/PPT/Angular14-RXJS.pptx
+++ b/PPT/Angular14-RXJS.pptx
@@ -5366,6 +5366,13 @@
   <p:clrMapOvr>
     <a:masterClrMapping/>
   </p:clrMapOvr>
+  <p:timing>
+    <p:tnLst>
+      <p:par>
+        <p:cTn id="1" dur="indefinite" restart="never" nodeType="tmRoot"/>
+      </p:par>
+    </p:tnLst>
+  </p:timing>
 </p:sld>
 </file>
 
@@ -5814,6 +5821,13 @@
   <p:clrMapOvr>
     <a:masterClrMapping/>
   </p:clrMapOvr>
+  <p:timing>
+    <p:tnLst>
+      <p:par>
+        <p:cTn id="1" dur="indefinite" restart="never" nodeType="tmRoot"/>
+      </p:par>
+    </p:tnLst>
+  </p:timing>
 </p:sld>
 </file>
 
@@ -6138,6 +6152,13 @@
   <p:clrMapOvr>
     <a:masterClrMapping/>
   </p:clrMapOvr>
+  <p:timing>
+    <p:tnLst>
+      <p:par>
+        <p:cTn id="1" dur="indefinite" restart="never" nodeType="tmRoot"/>
+      </p:par>
+    </p:tnLst>
+  </p:timing>
 </p:sld>
 </file>
 
@@ -6298,6 +6319,13 @@
   <p:clrMapOvr>
     <a:masterClrMapping/>
   </p:clrMapOvr>
+  <p:timing>
+    <p:tnLst>
+      <p:par>
+        <p:cTn id="1" dur="indefinite" restart="never" nodeType="tmRoot"/>
+      </p:par>
+    </p:tnLst>
+  </p:timing>
 </p:sld>
 </file>
 
@@ -6416,6 +6444,13 @@
   <p:clrMapOvr>
     <a:masterClrMapping/>
   </p:clrMapOvr>
+  <p:timing>
+    <p:tnLst>
+      <p:par>
+        <p:cTn id="1" dur="indefinite" restart="never" nodeType="tmRoot"/>
+      </p:par>
+    </p:tnLst>
+  </p:timing>
 </p:sld>
 </file>
 
@@ -6534,6 +6569,13 @@
   <p:clrMapOvr>
     <a:masterClrMapping/>
   </p:clrMapOvr>
+  <p:timing>
+    <p:tnLst>
+      <p:par>
+        <p:cTn id="1" dur="indefinite" restart="never" nodeType="tmRoot"/>
+      </p:par>
+    </p:tnLst>
+  </p:timing>
 </p:sld>
 </file>
 
@@ -6670,6 +6712,13 @@
   <p:clrMapOvr>
     <a:masterClrMapping/>
   </p:clrMapOvr>
+  <p:timing>
+    <p:tnLst>
+      <p:par>
+        <p:cTn id="1" dur="indefinite" restart="never" nodeType="tmRoot"/>
+      </p:par>
+    </p:tnLst>
+  </p:timing>
 </p:sld>
 </file>
 
@@ -7169,11 +7218,7 @@
             </a:r>
             <a:r>
               <a:rPr lang="fr-FR" smtClean="0"/>
-              <a:t>en </a:t>
-            </a:r>
-            <a:r>
-              <a:rPr lang="fr-FR" smtClean="0"/>
-              <a:t>place </a:t>
+              <a:t>en place </a:t>
             </a:r>
             <a:r>
               <a:rPr lang="fr-FR" dirty="0" smtClean="0"/>
@@ -7529,7 +7574,15 @@
             <a:pPr lvl="1"/>
             <a:r>
               <a:rPr lang="fr-FR" dirty="0" smtClean="0"/>
-              <a:t>Assez différent des version précédentes</a:t>
+              <a:t>Assez différent des </a:t>
+            </a:r>
+            <a:r>
+              <a:rPr lang="fr-FR" dirty="0" smtClean="0"/>
+              <a:t>versions </a:t>
+            </a:r>
+            <a:r>
+              <a:rPr lang="fr-FR" dirty="0" smtClean="0"/>
+              <a:t>précédentes</a:t>
             </a:r>
           </a:p>
           <a:p>
@@ -8546,12 +8599,13 @@
             <a:pPr lvl="1"/>
             <a:r>
               <a:rPr lang="fr-FR" dirty="0"/>
-              <a:t>of est la méthode la plus simple et permet de créer un observable n'envoyant qu'une seule </a:t>
-            </a:r>
-            <a:r>
-              <a:rPr lang="fr-FR" dirty="0" smtClean="0"/>
-              <a:t>valeur</a:t>
-            </a:r>
+              <a:t>of est la méthode la plus simple et permet de créer un observable n'envoyant qu'une </a:t>
+            </a:r>
+            <a:r>
+              <a:rPr lang="fr-FR" dirty="0" smtClean="0"/>
+              <a:t>instance</a:t>
+            </a:r>
+            <a:endParaRPr lang="fr-FR" dirty="0" smtClean="0"/>
           </a:p>
           <a:p>
             <a:pPr lvl="1"/>

--- a/PPT/Angular14-RXJS.pptx
+++ b/PPT/Angular14-RXJS.pptx
@@ -636,35 +636,35 @@
           <a:p>
             <a:pPr lvl="0"/>
             <a:r>
-              <a:rPr lang="fr-FR" noProof="0" smtClean="0"/>
+              <a:rPr lang="fr-FR" noProof="0"/>
               <a:t>Cliquez pour modifier les styles du texte du masque</a:t>
             </a:r>
           </a:p>
           <a:p>
             <a:pPr lvl="1"/>
             <a:r>
-              <a:rPr lang="fr-FR" noProof="0" smtClean="0"/>
+              <a:rPr lang="fr-FR" noProof="0"/>
               <a:t>Deuxième niveau</a:t>
             </a:r>
           </a:p>
           <a:p>
             <a:pPr lvl="2"/>
             <a:r>
-              <a:rPr lang="fr-FR" noProof="0" smtClean="0"/>
+              <a:rPr lang="fr-FR" noProof="0"/>
               <a:t>Troisième niveau</a:t>
             </a:r>
           </a:p>
           <a:p>
             <a:pPr lvl="3"/>
             <a:r>
-              <a:rPr lang="fr-FR" noProof="0" smtClean="0"/>
+              <a:rPr lang="fr-FR" noProof="0"/>
               <a:t>Quatrième niveau</a:t>
             </a:r>
           </a:p>
           <a:p>
             <a:pPr lvl="4"/>
             <a:r>
-              <a:rPr lang="fr-FR" noProof="0" smtClean="0"/>
+              <a:rPr lang="fr-FR" noProof="0"/>
               <a:t>Cinquième niveau</a:t>
             </a:r>
           </a:p>
@@ -952,10 +952,9 @@
           <a:lstStyle/>
           <a:p>
             <a:r>
-              <a:rPr lang="fr-FR" smtClean="0"/>
+              <a:rPr lang="fr-FR"/>
               <a:t>Cliquez pour modifier le style du titre</a:t>
             </a:r>
-            <a:endParaRPr lang="fr-FR"/>
           </a:p>
         </p:txBody>
       </p:sp>
@@ -1017,10 +1016,9 @@
           </a:lstStyle>
           <a:p>
             <a:r>
-              <a:rPr lang="fr-FR" smtClean="0"/>
+              <a:rPr lang="fr-FR"/>
               <a:t>Cliquez pour modifier le style des sous-titres du masque</a:t>
             </a:r>
-            <a:endParaRPr lang="fr-FR"/>
           </a:p>
         </p:txBody>
       </p:sp>
@@ -1075,10 +1073,9 @@
           <a:lstStyle/>
           <a:p>
             <a:r>
-              <a:rPr lang="fr-FR" smtClean="0"/>
+              <a:rPr lang="fr-FR"/>
               <a:t>Cliquez pour modifier le style du titre</a:t>
             </a:r>
-            <a:endParaRPr lang="fr-FR"/>
           </a:p>
         </p:txBody>
       </p:sp>
@@ -1104,38 +1101,37 @@
           <a:p>
             <a:pPr lvl="0"/>
             <a:r>
-              <a:rPr lang="fr-FR" smtClean="0"/>
+              <a:rPr lang="fr-FR"/>
               <a:t>Cliquez pour modifier les styles du texte du masque</a:t>
             </a:r>
           </a:p>
           <a:p>
             <a:pPr lvl="1"/>
             <a:r>
-              <a:rPr lang="fr-FR" smtClean="0"/>
+              <a:rPr lang="fr-FR"/>
               <a:t>Deuxième niveau</a:t>
             </a:r>
           </a:p>
           <a:p>
             <a:pPr lvl="2"/>
             <a:r>
-              <a:rPr lang="fr-FR" smtClean="0"/>
+              <a:rPr lang="fr-FR"/>
               <a:t>Troisième niveau</a:t>
             </a:r>
           </a:p>
           <a:p>
             <a:pPr lvl="3"/>
             <a:r>
-              <a:rPr lang="fr-FR" smtClean="0"/>
+              <a:rPr lang="fr-FR"/>
               <a:t>Quatrième niveau</a:t>
             </a:r>
           </a:p>
           <a:p>
             <a:pPr lvl="4"/>
             <a:r>
-              <a:rPr lang="fr-FR" smtClean="0"/>
+              <a:rPr lang="fr-FR"/>
               <a:t>Cinquième niveau</a:t>
             </a:r>
-            <a:endParaRPr lang="fr-FR"/>
           </a:p>
         </p:txBody>
       </p:sp>
@@ -1194,10 +1190,9 @@
           </a:lstStyle>
           <a:p>
             <a:r>
-              <a:rPr lang="fr-FR" dirty="0" smtClean="0"/>
+              <a:rPr lang="fr-FR" dirty="0"/>
               <a:t>Cliquez pour modifier le style du titre</a:t>
             </a:r>
-            <a:endParaRPr lang="fr-FR" dirty="0"/>
           </a:p>
         </p:txBody>
       </p:sp>
@@ -1223,38 +1218,37 @@
           <a:p>
             <a:pPr lvl="0"/>
             <a:r>
-              <a:rPr lang="fr-FR" dirty="0" smtClean="0"/>
+              <a:rPr lang="fr-FR" dirty="0"/>
               <a:t>Cliquez pour modifier les styles du texte du masque</a:t>
             </a:r>
           </a:p>
           <a:p>
             <a:pPr lvl="1"/>
             <a:r>
-              <a:rPr lang="fr-FR" dirty="0" smtClean="0"/>
+              <a:rPr lang="fr-FR" dirty="0"/>
               <a:t>Deuxième niveau</a:t>
             </a:r>
           </a:p>
           <a:p>
             <a:pPr lvl="2"/>
             <a:r>
-              <a:rPr lang="fr-FR" dirty="0" smtClean="0"/>
+              <a:rPr lang="fr-FR" dirty="0"/>
               <a:t>Troisième niveau</a:t>
             </a:r>
           </a:p>
           <a:p>
             <a:pPr lvl="3"/>
             <a:r>
-              <a:rPr lang="fr-FR" dirty="0" smtClean="0"/>
+              <a:rPr lang="fr-FR" dirty="0"/>
               <a:t>Quatrième niveau</a:t>
             </a:r>
           </a:p>
           <a:p>
             <a:pPr lvl="4"/>
             <a:r>
-              <a:rPr lang="fr-FR" dirty="0" smtClean="0"/>
+              <a:rPr lang="fr-FR" dirty="0"/>
               <a:t>Cinquième niveau</a:t>
             </a:r>
-            <a:endParaRPr lang="fr-FR" dirty="0"/>
           </a:p>
         </p:txBody>
       </p:sp>
@@ -1304,10 +1298,9 @@
           <a:lstStyle/>
           <a:p>
             <a:r>
-              <a:rPr lang="fr-FR" smtClean="0"/>
+              <a:rPr lang="fr-FR"/>
               <a:t>Cliquez pour modifier le style du titre</a:t>
             </a:r>
-            <a:endParaRPr lang="fr-FR"/>
           </a:p>
         </p:txBody>
       </p:sp>
@@ -1361,38 +1354,37 @@
           <a:p>
             <a:pPr lvl="0"/>
             <a:r>
-              <a:rPr lang="fr-FR" smtClean="0"/>
+              <a:rPr lang="fr-FR"/>
               <a:t>Cliquez pour modifier les styles du texte du masque</a:t>
             </a:r>
           </a:p>
           <a:p>
             <a:pPr lvl="1"/>
             <a:r>
-              <a:rPr lang="fr-FR" smtClean="0"/>
+              <a:rPr lang="fr-FR"/>
               <a:t>Deuxième niveau</a:t>
             </a:r>
           </a:p>
           <a:p>
             <a:pPr lvl="2"/>
             <a:r>
-              <a:rPr lang="fr-FR" smtClean="0"/>
+              <a:rPr lang="fr-FR"/>
               <a:t>Troisième niveau</a:t>
             </a:r>
           </a:p>
           <a:p>
             <a:pPr lvl="3"/>
             <a:r>
-              <a:rPr lang="fr-FR" smtClean="0"/>
+              <a:rPr lang="fr-FR"/>
               <a:t>Quatrième niveau</a:t>
             </a:r>
           </a:p>
           <a:p>
             <a:pPr lvl="4"/>
             <a:r>
-              <a:rPr lang="fr-FR" smtClean="0"/>
+              <a:rPr lang="fr-FR"/>
               <a:t>Cinquième niveau</a:t>
             </a:r>
-            <a:endParaRPr lang="fr-FR"/>
           </a:p>
         </p:txBody>
       </p:sp>
@@ -1446,38 +1438,37 @@
           <a:p>
             <a:pPr lvl="0"/>
             <a:r>
-              <a:rPr lang="fr-FR" smtClean="0"/>
+              <a:rPr lang="fr-FR"/>
               <a:t>Cliquez pour modifier les styles du texte du masque</a:t>
             </a:r>
           </a:p>
           <a:p>
             <a:pPr lvl="1"/>
             <a:r>
-              <a:rPr lang="fr-FR" smtClean="0"/>
+              <a:rPr lang="fr-FR"/>
               <a:t>Deuxième niveau</a:t>
             </a:r>
           </a:p>
           <a:p>
             <a:pPr lvl="2"/>
             <a:r>
-              <a:rPr lang="fr-FR" smtClean="0"/>
+              <a:rPr lang="fr-FR"/>
               <a:t>Troisième niveau</a:t>
             </a:r>
           </a:p>
           <a:p>
             <a:pPr lvl="3"/>
             <a:r>
-              <a:rPr lang="fr-FR" smtClean="0"/>
+              <a:rPr lang="fr-FR"/>
               <a:t>Quatrième niveau</a:t>
             </a:r>
           </a:p>
           <a:p>
             <a:pPr lvl="4"/>
             <a:r>
-              <a:rPr lang="fr-FR" smtClean="0"/>
+              <a:rPr lang="fr-FR"/>
               <a:t>Cinquième niveau</a:t>
             </a:r>
-            <a:endParaRPr lang="fr-FR"/>
           </a:p>
         </p:txBody>
       </p:sp>
@@ -1536,10 +1527,9 @@
           </a:lstStyle>
           <a:p>
             <a:r>
-              <a:rPr lang="fr-FR" smtClean="0"/>
+              <a:rPr lang="fr-FR"/>
               <a:t>Cliquez pour modifier le style du titre</a:t>
             </a:r>
-            <a:endParaRPr lang="fr-FR"/>
           </a:p>
         </p:txBody>
       </p:sp>
@@ -1602,7 +1592,7 @@
           <a:p>
             <a:pPr lvl="0"/>
             <a:r>
-              <a:rPr lang="fr-FR" smtClean="0"/>
+              <a:rPr lang="fr-FR"/>
               <a:t>Cliquez pour modifier les styles du texte du masque</a:t>
             </a:r>
           </a:p>
@@ -1658,38 +1648,37 @@
           <a:p>
             <a:pPr lvl="0"/>
             <a:r>
-              <a:rPr lang="fr-FR" smtClean="0"/>
+              <a:rPr lang="fr-FR"/>
               <a:t>Cliquez pour modifier les styles du texte du masque</a:t>
             </a:r>
           </a:p>
           <a:p>
             <a:pPr lvl="1"/>
             <a:r>
-              <a:rPr lang="fr-FR" smtClean="0"/>
+              <a:rPr lang="fr-FR"/>
               <a:t>Deuxième niveau</a:t>
             </a:r>
           </a:p>
           <a:p>
             <a:pPr lvl="2"/>
             <a:r>
-              <a:rPr lang="fr-FR" smtClean="0"/>
+              <a:rPr lang="fr-FR"/>
               <a:t>Troisième niveau</a:t>
             </a:r>
           </a:p>
           <a:p>
             <a:pPr lvl="3"/>
             <a:r>
-              <a:rPr lang="fr-FR" smtClean="0"/>
+              <a:rPr lang="fr-FR"/>
               <a:t>Quatrième niveau</a:t>
             </a:r>
           </a:p>
           <a:p>
             <a:pPr lvl="4"/>
             <a:r>
-              <a:rPr lang="fr-FR" smtClean="0"/>
+              <a:rPr lang="fr-FR"/>
               <a:t>Cinquième niveau</a:t>
             </a:r>
-            <a:endParaRPr lang="fr-FR"/>
           </a:p>
         </p:txBody>
       </p:sp>
@@ -1752,7 +1741,7 @@
           <a:p>
             <a:pPr lvl="0"/>
             <a:r>
-              <a:rPr lang="fr-FR" smtClean="0"/>
+              <a:rPr lang="fr-FR"/>
               <a:t>Cliquez pour modifier les styles du texte du masque</a:t>
             </a:r>
           </a:p>
@@ -1808,38 +1797,37 @@
           <a:p>
             <a:pPr lvl="0"/>
             <a:r>
-              <a:rPr lang="fr-FR" smtClean="0"/>
+              <a:rPr lang="fr-FR"/>
               <a:t>Cliquez pour modifier les styles du texte du masque</a:t>
             </a:r>
           </a:p>
           <a:p>
             <a:pPr lvl="1"/>
             <a:r>
-              <a:rPr lang="fr-FR" smtClean="0"/>
+              <a:rPr lang="fr-FR"/>
               <a:t>Deuxième niveau</a:t>
             </a:r>
           </a:p>
           <a:p>
             <a:pPr lvl="2"/>
             <a:r>
-              <a:rPr lang="fr-FR" smtClean="0"/>
+              <a:rPr lang="fr-FR"/>
               <a:t>Troisième niveau</a:t>
             </a:r>
           </a:p>
           <a:p>
             <a:pPr lvl="3"/>
             <a:r>
-              <a:rPr lang="fr-FR" smtClean="0"/>
+              <a:rPr lang="fr-FR"/>
               <a:t>Quatrième niveau</a:t>
             </a:r>
           </a:p>
           <a:p>
             <a:pPr lvl="4"/>
             <a:r>
-              <a:rPr lang="fr-FR" smtClean="0"/>
+              <a:rPr lang="fr-FR"/>
               <a:t>Cinquième niveau</a:t>
             </a:r>
-            <a:endParaRPr lang="fr-FR"/>
           </a:p>
         </p:txBody>
       </p:sp>
@@ -1889,10 +1877,9 @@
           <a:lstStyle/>
           <a:p>
             <a:r>
-              <a:rPr lang="fr-FR" smtClean="0"/>
+              <a:rPr lang="fr-FR"/>
               <a:t>Cliquez pour modifier le style du titre</a:t>
             </a:r>
-            <a:endParaRPr lang="fr-FR"/>
           </a:p>
         </p:txBody>
       </p:sp>
@@ -1981,10 +1968,9 @@
           </a:lstStyle>
           <a:p>
             <a:r>
-              <a:rPr lang="fr-FR" smtClean="0"/>
+              <a:rPr lang="fr-FR"/>
               <a:t>Cliquez pour modifier le style du titre</a:t>
             </a:r>
-            <a:endParaRPr lang="fr-FR"/>
           </a:p>
         </p:txBody>
       </p:sp>
@@ -2038,38 +2024,37 @@
           <a:p>
             <a:pPr lvl="0"/>
             <a:r>
-              <a:rPr lang="fr-FR" smtClean="0"/>
+              <a:rPr lang="fr-FR"/>
               <a:t>Cliquez pour modifier les styles du texte du masque</a:t>
             </a:r>
           </a:p>
           <a:p>
             <a:pPr lvl="1"/>
             <a:r>
-              <a:rPr lang="fr-FR" smtClean="0"/>
+              <a:rPr lang="fr-FR"/>
               <a:t>Deuxième niveau</a:t>
             </a:r>
           </a:p>
           <a:p>
             <a:pPr lvl="2"/>
             <a:r>
-              <a:rPr lang="fr-FR" smtClean="0"/>
+              <a:rPr lang="fr-FR"/>
               <a:t>Troisième niveau</a:t>
             </a:r>
           </a:p>
           <a:p>
             <a:pPr lvl="3"/>
             <a:r>
-              <a:rPr lang="fr-FR" smtClean="0"/>
+              <a:rPr lang="fr-FR"/>
               <a:t>Quatrième niveau</a:t>
             </a:r>
           </a:p>
           <a:p>
             <a:pPr lvl="4"/>
             <a:r>
-              <a:rPr lang="fr-FR" smtClean="0"/>
+              <a:rPr lang="fr-FR"/>
               <a:t>Cinquième niveau</a:t>
             </a:r>
-            <a:endParaRPr lang="fr-FR"/>
           </a:p>
         </p:txBody>
       </p:sp>
@@ -2132,7 +2117,7 @@
           <a:p>
             <a:pPr lvl="0"/>
             <a:r>
-              <a:rPr lang="fr-FR" smtClean="0"/>
+              <a:rPr lang="fr-FR"/>
               <a:t>Cliquez pour modifier les styles du texte du masque</a:t>
             </a:r>
           </a:p>
@@ -2193,10 +2178,9 @@
           </a:lstStyle>
           <a:p>
             <a:r>
-              <a:rPr lang="fr-FR" smtClean="0"/>
+              <a:rPr lang="fr-FR"/>
               <a:t>Cliquez pour modifier le style du titre</a:t>
             </a:r>
-            <a:endParaRPr lang="fr-FR"/>
           </a:p>
         </p:txBody>
       </p:sp>
@@ -2258,7 +2242,7 @@
           </a:lstStyle>
           <a:p>
             <a:pPr lvl="0"/>
-            <a:endParaRPr lang="fr-FR" noProof="0" smtClean="0"/>
+            <a:endParaRPr lang="fr-FR" noProof="0"/>
           </a:p>
         </p:txBody>
       </p:sp>
@@ -2321,7 +2305,7 @@
           <a:p>
             <a:pPr lvl="0"/>
             <a:r>
-              <a:rPr lang="fr-FR" smtClean="0"/>
+              <a:rPr lang="fr-FR"/>
               <a:t>Cliquez pour modifier les styles du texte du masque</a:t>
             </a:r>
           </a:p>
@@ -2373,10 +2357,9 @@
           <a:lstStyle/>
           <a:p>
             <a:r>
-              <a:rPr lang="fr-FR" smtClean="0"/>
+              <a:rPr lang="fr-FR"/>
               <a:t>Cliquez pour modifier le style du titre</a:t>
             </a:r>
-            <a:endParaRPr lang="fr-FR"/>
           </a:p>
         </p:txBody>
       </p:sp>
@@ -2397,38 +2380,37 @@
           <a:p>
             <a:pPr lvl="0"/>
             <a:r>
-              <a:rPr lang="fr-FR" smtClean="0"/>
+              <a:rPr lang="fr-FR"/>
               <a:t>Cliquez pour modifier les styles du texte du masque</a:t>
             </a:r>
           </a:p>
           <a:p>
             <a:pPr lvl="1"/>
             <a:r>
-              <a:rPr lang="fr-FR" smtClean="0"/>
+              <a:rPr lang="fr-FR"/>
               <a:t>Deuxième niveau</a:t>
             </a:r>
           </a:p>
           <a:p>
             <a:pPr lvl="2"/>
             <a:r>
-              <a:rPr lang="fr-FR" smtClean="0"/>
+              <a:rPr lang="fr-FR"/>
               <a:t>Troisième niveau</a:t>
             </a:r>
           </a:p>
           <a:p>
             <a:pPr lvl="3"/>
             <a:r>
-              <a:rPr lang="fr-FR" smtClean="0"/>
+              <a:rPr lang="fr-FR"/>
               <a:t>Quatrième niveau</a:t>
             </a:r>
           </a:p>
           <a:p>
             <a:pPr lvl="4"/>
             <a:r>
-              <a:rPr lang="fr-FR" smtClean="0"/>
+              <a:rPr lang="fr-FR"/>
               <a:t>Cinquième niveau</a:t>
             </a:r>
-            <a:endParaRPr lang="fr-FR"/>
           </a:p>
         </p:txBody>
       </p:sp>
@@ -2609,7 +2591,7 @@
             <a:pPr eaLnBrk="1" hangingPunct="1">
               <a:defRPr/>
             </a:pPr>
-            <a:endParaRPr lang="fr-FR" altLang="fr-FR" smtClean="0"/>
+            <a:endParaRPr lang="fr-FR" altLang="fr-FR"/>
           </a:p>
         </p:txBody>
       </p:sp>
@@ -2763,7 +2745,7 @@
               <a:defRPr/>
             </a:pPr>
             <a:r>
-              <a:rPr lang="fr-FR" sz="1200" dirty="0" smtClean="0"/>
+              <a:rPr lang="fr-FR" sz="1200" dirty="0"/>
               <a:t>Page </a:t>
             </a:r>
             <a:fld id="{E218E9B1-FD08-4C80-902E-210BA2967D0D}" type="slidenum">
@@ -2776,7 +2758,7 @@
               </a:pPr>
               <a:t>‹N°›</a:t>
             </a:fld>
-            <a:endParaRPr lang="fr-FR" dirty="0" smtClean="0">
+            <a:endParaRPr lang="fr-FR" dirty="0">
               <a:latin typeface="Times New Roman" pitchFamily="18" charset="0"/>
             </a:endParaRPr>
           </a:p>
@@ -2932,10 +2914,10 @@
               <a:defRPr/>
             </a:pPr>
             <a:r>
-              <a:rPr lang="fr-FR" sz="1600" dirty="0" err="1" smtClean="0"/>
+              <a:rPr lang="fr-FR" sz="1600" dirty="0" err="1"/>
               <a:t>Angular</a:t>
             </a:r>
-            <a:endParaRPr lang="fr-FR" dirty="0" smtClean="0">
+            <a:endParaRPr lang="fr-FR" dirty="0">
               <a:latin typeface="Times New Roman" pitchFamily="18" charset="0"/>
             </a:endParaRPr>
           </a:p>
@@ -2993,7 +2975,7 @@
           <a:p>
             <a:pPr lvl="0"/>
             <a:r>
-              <a:rPr lang="fr-FR" altLang="fr-FR" smtClean="0"/>
+              <a:rPr lang="fr-FR" altLang="fr-FR"/>
               <a:t>Cliquez pour modifier le style du titre du masque</a:t>
             </a:r>
           </a:p>
@@ -3051,35 +3033,35 @@
           <a:p>
             <a:pPr lvl="0"/>
             <a:r>
-              <a:rPr lang="fr-FR" altLang="fr-FR" smtClean="0"/>
+              <a:rPr lang="fr-FR" altLang="fr-FR"/>
               <a:t>Cliquez pour modifier les styles du texte du masque</a:t>
             </a:r>
           </a:p>
           <a:p>
             <a:pPr lvl="1"/>
             <a:r>
-              <a:rPr lang="fr-FR" altLang="fr-FR" smtClean="0"/>
+              <a:rPr lang="fr-FR" altLang="fr-FR"/>
               <a:t>Deuxième niveau</a:t>
             </a:r>
           </a:p>
           <a:p>
             <a:pPr lvl="2"/>
             <a:r>
-              <a:rPr lang="fr-FR" altLang="fr-FR" smtClean="0"/>
+              <a:rPr lang="fr-FR" altLang="fr-FR"/>
               <a:t>Troisième niveau</a:t>
             </a:r>
           </a:p>
           <a:p>
             <a:pPr lvl="3"/>
             <a:r>
-              <a:rPr lang="fr-FR" altLang="fr-FR" smtClean="0"/>
+              <a:rPr lang="fr-FR" altLang="fr-FR"/>
               <a:t>Quatrième niveau</a:t>
             </a:r>
           </a:p>
           <a:p>
             <a:pPr lvl="4"/>
             <a:r>
-              <a:rPr lang="fr-FR" altLang="fr-FR" smtClean="0"/>
+              <a:rPr lang="fr-FR" altLang="fr-FR"/>
               <a:t>Cinquième niveau</a:t>
             </a:r>
           </a:p>
@@ -3235,10 +3217,10 @@
               <a:defRPr/>
             </a:pPr>
             <a:r>
-              <a:rPr lang="fr-FR" sz="1200" smtClean="0"/>
+              <a:rPr lang="fr-FR" sz="1200"/>
               <a:t>© Cyril Vincent Conseil</a:t>
             </a:r>
-            <a:endParaRPr lang="fr-FR" smtClean="0">
+            <a:endParaRPr lang="fr-FR">
               <a:latin typeface="Times New Roman" pitchFamily="18" charset="0"/>
             </a:endParaRPr>
           </a:p>
@@ -3720,15 +3702,15 @@
           <a:p>
             <a:pPr eaLnBrk="1" hangingPunct="1"/>
             <a:r>
-              <a:rPr lang="fr-FR" altLang="fr-FR" smtClean="0"/>
+              <a:rPr lang="fr-FR" altLang="fr-FR"/>
               <a:t>Chapitre 14</a:t>
             </a:r>
-            <a:endParaRPr lang="fr-FR" altLang="fr-FR" dirty="0" smtClean="0"/>
+            <a:endParaRPr lang="fr-FR" altLang="fr-FR" dirty="0"/>
           </a:p>
           <a:p>
             <a:pPr eaLnBrk="1" hangingPunct="1"/>
             <a:r>
-              <a:rPr lang="fr-FR" altLang="fr-FR" dirty="0" smtClean="0"/>
+              <a:rPr lang="fr-FR" altLang="fr-FR" dirty="0"/>
               <a:t>RXJS</a:t>
             </a:r>
           </a:p>
@@ -3950,10 +3932,10 @@
           <a:p>
             <a:pPr eaLnBrk="1" hangingPunct="1"/>
             <a:r>
-              <a:rPr lang="fr-FR" altLang="fr-FR" sz="4000" kern="0" dirty="0" err="1" smtClean="0"/>
+              <a:rPr lang="fr-FR" altLang="fr-FR" sz="4000" kern="0" dirty="0" err="1"/>
               <a:t>ngular</a:t>
             </a:r>
-            <a:endParaRPr lang="fr-FR" altLang="fr-FR" sz="4000" kern="0" dirty="0" smtClean="0"/>
+            <a:endParaRPr lang="fr-FR" altLang="fr-FR" sz="4000" kern="0" dirty="0"/>
           </a:p>
         </p:txBody>
       </p:sp>
@@ -3962,13 +3944,6 @@
   <p:clrMapOvr>
     <a:masterClrMapping/>
   </p:clrMapOvr>
-  <p:timing>
-    <p:tnLst>
-      <p:par>
-        <p:cTn id="1" dur="indefinite" restart="never" nodeType="tmRoot"/>
-      </p:par>
-    </p:tnLst>
-  </p:timing>
 </p:sld>
 </file>
 
@@ -4005,10 +3980,9 @@
           <a:lstStyle/>
           <a:p>
             <a:r>
-              <a:rPr lang="fr-FR" dirty="0" smtClean="0"/>
+              <a:rPr lang="fr-FR" dirty="0"/>
               <a:t>Pipe</a:t>
             </a:r>
-            <a:endParaRPr lang="fr-FR" dirty="0"/>
           </a:p>
         </p:txBody>
       </p:sp>
@@ -4028,13 +4002,13 @@
           <a:lstStyle/>
           <a:p>
             <a:r>
-              <a:rPr lang="fr-FR" dirty="0" smtClean="0"/>
+              <a:rPr lang="fr-FR" dirty="0"/>
               <a:t>Pipe va permettre d'enchainer des actions réactive</a:t>
             </a:r>
           </a:p>
           <a:p>
             <a:r>
-              <a:rPr lang="fr-FR" dirty="0" smtClean="0"/>
+              <a:rPr lang="fr-FR" dirty="0"/>
               <a:t>C'est la base de la programmation réactive</a:t>
             </a:r>
           </a:p>
@@ -4090,13 +4064,8 @@
             </a:r>
             <a:r>
               <a:rPr lang="fr-FR" dirty="0"/>
-              <a:t>) =&gt; </a:t>
-            </a:r>
-            <a:r>
-              <a:rPr lang="fr-FR" dirty="0" smtClean="0"/>
-              <a:t>value + 1),</a:t>
-            </a:r>
-            <a:endParaRPr lang="fr-FR" dirty="0"/>
+              <a:t>) =&gt; value + 1),</a:t>
+            </a:r>
           </a:p>
           <a:p>
             <a:pPr marL="457200" lvl="1" indent="0">
@@ -4136,13 +4105,6 @@
   <p:clrMapOvr>
     <a:masterClrMapping/>
   </p:clrMapOvr>
-  <p:timing>
-    <p:tnLst>
-      <p:par>
-        <p:cTn id="1" dur="indefinite" restart="never" nodeType="tmRoot"/>
-      </p:par>
-    </p:tnLst>
-  </p:timing>
 </p:sld>
 </file>
 
@@ -4179,7 +4141,7 @@
           <a:lstStyle/>
           <a:p>
             <a:r>
-              <a:rPr lang="fr-FR" dirty="0" err="1" smtClean="0"/>
+              <a:rPr lang="fr-FR" dirty="0" err="1"/>
               <a:t>Tap</a:t>
             </a:r>
             <a:endParaRPr lang="fr-FR" dirty="0"/>
@@ -4207,28 +4169,28 @@
           <a:lstStyle/>
           <a:p>
             <a:r>
-              <a:rPr lang="fr-FR" dirty="0" err="1" smtClean="0"/>
+              <a:rPr lang="fr-FR" dirty="0" err="1"/>
               <a:t>Tap</a:t>
             </a:r>
-            <a:endParaRPr lang="fr-FR" dirty="0" smtClean="0"/>
+            <a:endParaRPr lang="fr-FR" dirty="0"/>
           </a:p>
           <a:p>
             <a:pPr lvl="1"/>
             <a:r>
-              <a:rPr lang="fr-FR" dirty="0" smtClean="0"/>
+              <a:rPr lang="fr-FR" dirty="0"/>
               <a:t>Alias de do</a:t>
             </a:r>
           </a:p>
           <a:p>
             <a:pPr lvl="1"/>
             <a:r>
-              <a:rPr lang="fr-FR" dirty="0" smtClean="0"/>
+              <a:rPr lang="fr-FR" dirty="0"/>
               <a:t>Enregistre une action sur des Observables</a:t>
             </a:r>
           </a:p>
           <a:p>
             <a:r>
-              <a:rPr lang="fr-FR" dirty="0" smtClean="0"/>
+              <a:rPr lang="fr-FR" dirty="0"/>
               <a:t>Ne modifie pas les données</a:t>
             </a:r>
           </a:p>
@@ -4244,11 +4206,7 @@
             </a:r>
             <a:r>
               <a:rPr lang="en-US" dirty="0"/>
-              <a:t>/operators</a:t>
-            </a:r>
-            <a:r>
-              <a:rPr lang="en-US" dirty="0" smtClean="0"/>
-              <a:t>';</a:t>
+              <a:t>/operators';</a:t>
             </a:r>
           </a:p>
           <a:p>
@@ -4331,13 +4289,6 @@
   <p:clrMapOvr>
     <a:masterClrMapping/>
   </p:clrMapOvr>
-  <p:timing>
-    <p:tnLst>
-      <p:par>
-        <p:cTn id="1" dur="indefinite" restart="never" nodeType="tmRoot"/>
-      </p:par>
-    </p:tnLst>
-  </p:timing>
 </p:sld>
 </file>
 
@@ -4374,7 +4325,7 @@
           <a:lstStyle/>
           <a:p>
             <a:r>
-              <a:rPr lang="fr-FR" dirty="0" err="1" smtClean="0"/>
+              <a:rPr lang="fr-FR" dirty="0" err="1"/>
               <a:t>Map</a:t>
             </a:r>
             <a:endParaRPr lang="fr-FR" dirty="0"/>
@@ -4397,82 +4348,74 @@
           <a:lstStyle/>
           <a:p>
             <a:r>
-              <a:rPr lang="fr-FR" dirty="0" smtClean="0"/>
+              <a:rPr lang="fr-FR" dirty="0"/>
               <a:t>Programmation fonctionnelle</a:t>
             </a:r>
           </a:p>
           <a:p>
             <a:pPr lvl="1"/>
             <a:r>
-              <a:rPr lang="fr-FR" dirty="0" smtClean="0"/>
+              <a:rPr lang="fr-FR" dirty="0"/>
               <a:t>C'est la base de l'algorithme </a:t>
             </a:r>
             <a:r>
-              <a:rPr lang="fr-FR" dirty="0" err="1" smtClean="0"/>
+              <a:rPr lang="fr-FR" dirty="0" err="1"/>
+              <a:t>Map-Reduce</a:t>
+            </a:r>
+            <a:endParaRPr lang="fr-FR" dirty="0"/>
+          </a:p>
+          <a:p>
+            <a:pPr lvl="1"/>
+            <a:r>
+              <a:rPr lang="fr-FR" dirty="0"/>
+              <a:t>Introduit par C# 3 en 2008 dans LINQ </a:t>
+            </a:r>
+            <a:r>
+              <a:rPr lang="fr-FR" dirty="0" err="1"/>
+              <a:t>Collection.Select</a:t>
+            </a:r>
+            <a:endParaRPr lang="fr-FR" dirty="0"/>
+          </a:p>
+          <a:p>
+            <a:pPr lvl="1"/>
+            <a:r>
+              <a:rPr lang="fr-FR" dirty="0"/>
+              <a:t>Introduit par Python 2 en 2008 dans les listes en intention</a:t>
+            </a:r>
+          </a:p>
+          <a:p>
+            <a:pPr lvl="1"/>
+            <a:r>
+              <a:rPr lang="fr-FR" dirty="0"/>
+              <a:t>Introduit par Java 8 en 2014 dans </a:t>
+            </a:r>
+            <a:r>
+              <a:rPr lang="fr-FR" dirty="0" err="1"/>
+              <a:t>stream</a:t>
+            </a:r>
+            <a:endParaRPr lang="fr-FR" dirty="0"/>
+          </a:p>
+          <a:p>
+            <a:r>
+              <a:rPr lang="fr-FR" dirty="0" err="1"/>
               <a:t>Map</a:t>
             </a:r>
             <a:r>
-              <a:rPr lang="fr-FR" dirty="0" err="1"/>
-              <a:t>-</a:t>
-            </a:r>
-            <a:r>
-              <a:rPr lang="fr-FR" dirty="0" err="1" smtClean="0"/>
-              <a:t>Reduce</a:t>
-            </a:r>
-            <a:endParaRPr lang="fr-FR" dirty="0" smtClean="0"/>
+              <a:rPr lang="fr-FR" dirty="0"/>
+              <a:t>(action)</a:t>
+            </a:r>
           </a:p>
           <a:p>
             <a:pPr lvl="1"/>
             <a:r>
-              <a:rPr lang="fr-FR" dirty="0" smtClean="0"/>
-              <a:t>Introduit par C# 3 en 2008 dans LINQ </a:t>
-            </a:r>
-            <a:r>
-              <a:rPr lang="fr-FR" dirty="0" err="1" smtClean="0"/>
-              <a:t>Collection.Select</a:t>
-            </a:r>
-            <a:endParaRPr lang="fr-FR" dirty="0" smtClean="0"/>
+              <a:rPr lang="fr-FR" dirty="0"/>
+              <a:t>Enregistre une action sur chaque valeur du Observable</a:t>
+            </a:r>
           </a:p>
           <a:p>
             <a:pPr lvl="1"/>
             <a:r>
-              <a:rPr lang="fr-FR" dirty="0" smtClean="0"/>
-              <a:t>Introduit par Python 2 en 2008 dans les listes en intention</a:t>
-            </a:r>
-          </a:p>
-          <a:p>
-            <a:pPr lvl="1"/>
-            <a:r>
-              <a:rPr lang="fr-FR" dirty="0" smtClean="0"/>
-              <a:t>Introduit par Java 8 en 2014 dans </a:t>
-            </a:r>
-            <a:r>
-              <a:rPr lang="fr-FR" dirty="0" err="1" smtClean="0"/>
-              <a:t>stream</a:t>
-            </a:r>
-            <a:endParaRPr lang="fr-FR" dirty="0" smtClean="0"/>
-          </a:p>
-          <a:p>
-            <a:r>
-              <a:rPr lang="fr-FR" dirty="0" err="1" smtClean="0"/>
-              <a:t>Map</a:t>
-            </a:r>
-            <a:r>
-              <a:rPr lang="fr-FR" dirty="0" smtClean="0"/>
-              <a:t>(action)</a:t>
-            </a:r>
-          </a:p>
-          <a:p>
-            <a:pPr lvl="1"/>
-            <a:r>
-              <a:rPr lang="fr-FR" dirty="0" smtClean="0"/>
-              <a:t>Enregistre une action sur chaque valeur du Observable</a:t>
-            </a:r>
-          </a:p>
-          <a:p>
-            <a:pPr lvl="1"/>
-            <a:r>
-              <a:rPr lang="fr-FR" dirty="0" smtClean="0"/>
+              <a:rPr lang="fr-FR" dirty="0"/>
               <a:t>Asynchrone</a:t>
             </a:r>
           </a:p>
@@ -4492,13 +4435,6 @@
   <p:clrMapOvr>
     <a:masterClrMapping/>
   </p:clrMapOvr>
-  <p:timing>
-    <p:tnLst>
-      <p:par>
-        <p:cTn id="1" dur="indefinite" restart="never" nodeType="tmRoot"/>
-      </p:par>
-    </p:tnLst>
-  </p:timing>
 </p:sld>
 </file>
 
@@ -4535,7 +4471,7 @@
           <a:lstStyle/>
           <a:p>
             <a:r>
-              <a:rPr lang="fr-FR" dirty="0" err="1" smtClean="0"/>
+              <a:rPr lang="fr-FR" dirty="0" err="1"/>
               <a:t>Map</a:t>
             </a:r>
             <a:endParaRPr lang="fr-FR" dirty="0"/>
@@ -4558,7 +4494,7 @@
           <a:lstStyle/>
           <a:p>
             <a:r>
-              <a:rPr lang="fr-FR" dirty="0" smtClean="0"/>
+              <a:rPr lang="fr-FR" dirty="0"/>
               <a:t>Exemple</a:t>
             </a:r>
           </a:p>
@@ -4602,13 +4538,6 @@
   <p:clrMapOvr>
     <a:masterClrMapping/>
   </p:clrMapOvr>
-  <p:timing>
-    <p:tnLst>
-      <p:par>
-        <p:cTn id="1" dur="indefinite" restart="never" nodeType="tmRoot"/>
-      </p:par>
-    </p:tnLst>
-  </p:timing>
 </p:sld>
 </file>
 
@@ -4645,14 +4574,13 @@
           <a:lstStyle/>
           <a:p>
             <a:r>
-              <a:rPr lang="fr-FR" dirty="0" err="1" smtClean="0"/>
+              <a:rPr lang="fr-FR" dirty="0" err="1"/>
               <a:t>Map</a:t>
             </a:r>
             <a:r>
-              <a:rPr lang="fr-FR" dirty="0" smtClean="0"/>
+              <a:rPr lang="fr-FR" dirty="0"/>
               <a:t> sur collection</a:t>
             </a:r>
-            <a:endParaRPr lang="fr-FR" dirty="0"/>
           </a:p>
         </p:txBody>
       </p:sp>
@@ -4672,12 +4600,12 @@
           <a:lstStyle/>
           <a:p>
             <a:r>
-              <a:rPr lang="fr-FR" dirty="0" smtClean="0"/>
+              <a:rPr lang="fr-FR" dirty="0"/>
               <a:t>Effectue l'action sur chaque élément en asynchrone</a:t>
             </a:r>
           </a:p>
           <a:p>
-            <a:endParaRPr lang="fr-FR" dirty="0" smtClean="0"/>
+            <a:endParaRPr lang="fr-FR" dirty="0"/>
           </a:p>
           <a:p>
             <a:endParaRPr lang="fr-FR" dirty="0"/>
@@ -4742,13 +4670,6 @@
   <p:clrMapOvr>
     <a:masterClrMapping/>
   </p:clrMapOvr>
-  <p:timing>
-    <p:tnLst>
-      <p:par>
-        <p:cTn id="1" dur="indefinite" restart="never" nodeType="tmRoot"/>
-      </p:par>
-    </p:tnLst>
-  </p:timing>
 </p:sld>
 </file>
 
@@ -4785,7 +4706,7 @@
           <a:lstStyle/>
           <a:p>
             <a:r>
-              <a:rPr lang="fr-FR" dirty="0" err="1" smtClean="0"/>
+              <a:rPr lang="fr-FR" dirty="0" err="1"/>
               <a:t>Filter</a:t>
             </a:r>
             <a:endParaRPr lang="fr-FR" dirty="0"/>
@@ -4808,14 +4729,14 @@
           <a:lstStyle/>
           <a:p>
             <a:r>
-              <a:rPr lang="fr-FR" dirty="0" smtClean="0"/>
+              <a:rPr lang="fr-FR" dirty="0"/>
               <a:t>Permet de filtrer des élément d'après un prédicat</a:t>
             </a:r>
           </a:p>
           <a:p>
             <a:pPr lvl="1"/>
             <a:r>
-              <a:rPr lang="fr-FR" dirty="0" smtClean="0"/>
+              <a:rPr lang="fr-FR" dirty="0"/>
               <a:t>Lambda fonction booléenne</a:t>
             </a:r>
           </a:p>
@@ -4825,7 +4746,7 @@
           </a:p>
           <a:p>
             <a:pPr lvl="1"/>
-            <a:endParaRPr lang="fr-FR" dirty="0" smtClean="0"/>
+            <a:endParaRPr lang="fr-FR" dirty="0"/>
           </a:p>
           <a:p>
             <a:pPr lvl="1"/>
@@ -4833,7 +4754,7 @@
           </a:p>
           <a:p>
             <a:pPr lvl="1"/>
-            <a:endParaRPr lang="fr-FR" dirty="0" smtClean="0"/>
+            <a:endParaRPr lang="fr-FR" dirty="0"/>
           </a:p>
           <a:p>
             <a:pPr lvl="1"/>
@@ -4843,27 +4764,27 @@
             <a:pPr marL="457200" lvl="1" indent="0">
               <a:buNone/>
             </a:pPr>
-            <a:endParaRPr lang="fr-FR" dirty="0" smtClean="0"/>
-          </a:p>
-          <a:p>
-            <a:r>
-              <a:rPr lang="fr-FR" dirty="0" err="1" smtClean="0"/>
+            <a:endParaRPr lang="fr-FR" dirty="0"/>
+          </a:p>
+          <a:p>
+            <a:r>
+              <a:rPr lang="fr-FR" dirty="0" err="1"/>
               <a:t>Find</a:t>
             </a:r>
             <a:r>
-              <a:rPr lang="fr-FR" dirty="0" smtClean="0"/>
+              <a:rPr lang="fr-FR" dirty="0"/>
               <a:t> est identique à </a:t>
             </a:r>
             <a:r>
-              <a:rPr lang="fr-FR" dirty="0" err="1" smtClean="0"/>
+              <a:rPr lang="fr-FR" dirty="0" err="1"/>
               <a:t>Filter</a:t>
             </a:r>
             <a:r>
-              <a:rPr lang="fr-FR" dirty="0" smtClean="0"/>
+              <a:rPr lang="fr-FR" dirty="0"/>
               <a:t> mais ne renvoie qu'un </a:t>
             </a:r>
             <a:r>
-              <a:rPr lang="fr-FR" dirty="0" err="1" smtClean="0"/>
+              <a:rPr lang="fr-FR" dirty="0" err="1"/>
               <a:t>élement</a:t>
             </a:r>
             <a:endParaRPr lang="fr-FR" dirty="0"/>
@@ -4871,7 +4792,7 @@
           <a:p>
             <a:pPr lvl="1"/>
             <a:r>
-              <a:rPr lang="fr-FR" dirty="0" smtClean="0"/>
+              <a:rPr lang="fr-FR" dirty="0"/>
               <a:t>Utile pour les clés primaires</a:t>
             </a:r>
           </a:p>
@@ -4915,13 +4836,6 @@
   <p:clrMapOvr>
     <a:masterClrMapping/>
   </p:clrMapOvr>
-  <p:timing>
-    <p:tnLst>
-      <p:par>
-        <p:cTn id="1" dur="indefinite" restart="never" nodeType="tmRoot"/>
-      </p:par>
-    </p:tnLst>
-  </p:timing>
 </p:sld>
 </file>
 
@@ -4958,10 +4872,9 @@
           <a:lstStyle/>
           <a:p>
             <a:r>
-              <a:rPr lang="fr-FR" dirty="0" smtClean="0"/>
+              <a:rPr lang="fr-FR" dirty="0"/>
               <a:t>Observable sur intervalle de temps</a:t>
             </a:r>
-            <a:endParaRPr lang="fr-FR" dirty="0"/>
           </a:p>
         </p:txBody>
       </p:sp>
@@ -4981,10 +4894,10 @@
           <a:lstStyle/>
           <a:p>
             <a:r>
-              <a:rPr lang="fr-FR" dirty="0" err="1" smtClean="0"/>
+              <a:rPr lang="fr-FR" dirty="0" err="1"/>
               <a:t>interval</a:t>
             </a:r>
-            <a:endParaRPr lang="fr-FR" dirty="0" smtClean="0"/>
+            <a:endParaRPr lang="fr-FR" dirty="0"/>
           </a:p>
           <a:p>
             <a:pPr lvl="1"/>
@@ -5002,20 +4915,15 @@
             </a:r>
             <a:r>
               <a:rPr lang="fr-FR" dirty="0"/>
-              <a:t>(2000</a:t>
-            </a:r>
-            <a:r>
-              <a:rPr lang="fr-FR" dirty="0" smtClean="0"/>
-              <a:t>);</a:t>
+              <a:t>(2000);</a:t>
             </a:r>
           </a:p>
           <a:p>
             <a:pPr lvl="1"/>
             <a:r>
-              <a:rPr lang="fr-FR" dirty="0" smtClean="0"/>
+              <a:rPr lang="fr-FR" dirty="0"/>
               <a:t>Envoie une valeur toutes les 2 secondes</a:t>
             </a:r>
-            <a:endParaRPr lang="fr-FR" dirty="0"/>
           </a:p>
         </p:txBody>
       </p:sp>
@@ -5029,13 +4937,6 @@
   <p:clrMapOvr>
     <a:masterClrMapping/>
   </p:clrMapOvr>
-  <p:timing>
-    <p:tnLst>
-      <p:par>
-        <p:cTn id="1" dur="indefinite" restart="never" nodeType="tmRoot"/>
-      </p:par>
-    </p:tnLst>
-  </p:timing>
 </p:sld>
 </file>
 
@@ -5072,10 +4973,9 @@
           <a:lstStyle/>
           <a:p>
             <a:r>
-              <a:rPr lang="fr-FR" dirty="0" smtClean="0"/>
+              <a:rPr lang="fr-FR" dirty="0"/>
               <a:t>Pipe complexe</a:t>
             </a:r>
-            <a:endParaRPr lang="fr-FR" dirty="0"/>
           </a:p>
         </p:txBody>
       </p:sp>
@@ -5095,37 +4995,37 @@
           <a:lstStyle/>
           <a:p>
             <a:r>
-              <a:rPr lang="fr-FR" dirty="0" smtClean="0"/>
+              <a:rPr lang="fr-FR" dirty="0"/>
               <a:t>Il est possible d'enchainer des actions complexes</a:t>
             </a:r>
           </a:p>
           <a:p>
             <a:pPr lvl="1"/>
             <a:r>
-              <a:rPr lang="fr-FR" dirty="0" smtClean="0"/>
+              <a:rPr lang="fr-FR" dirty="0"/>
               <a:t>Asynchrones</a:t>
             </a:r>
           </a:p>
           <a:p>
             <a:pPr lvl="1"/>
             <a:r>
-              <a:rPr lang="fr-FR" dirty="0" err="1" smtClean="0"/>
+              <a:rPr lang="fr-FR" dirty="0" err="1"/>
               <a:t>Lazy</a:t>
             </a:r>
             <a:r>
-              <a:rPr lang="fr-FR" dirty="0" smtClean="0"/>
+              <a:rPr lang="fr-FR" dirty="0"/>
               <a:t> </a:t>
             </a:r>
             <a:r>
-              <a:rPr lang="fr-FR" dirty="0" err="1" smtClean="0"/>
+              <a:rPr lang="fr-FR" dirty="0" err="1"/>
               <a:t>Loading</a:t>
             </a:r>
-            <a:endParaRPr lang="fr-FR" dirty="0" smtClean="0"/>
+            <a:endParaRPr lang="fr-FR" dirty="0"/>
           </a:p>
           <a:p>
             <a:pPr lvl="1"/>
             <a:r>
-              <a:rPr lang="fr-FR" dirty="0" smtClean="0"/>
+              <a:rPr lang="fr-FR" dirty="0"/>
               <a:t>Très utile pour les services REST</a:t>
             </a:r>
           </a:p>
@@ -5169,13 +5069,6 @@
   <p:clrMapOvr>
     <a:masterClrMapping/>
   </p:clrMapOvr>
-  <p:timing>
-    <p:tnLst>
-      <p:par>
-        <p:cTn id="1" dur="indefinite" restart="never" nodeType="tmRoot"/>
-      </p:par>
-    </p:tnLst>
-  </p:timing>
 </p:sld>
 </file>
 
@@ -5212,7 +5105,7 @@
           <a:lstStyle/>
           <a:p>
             <a:r>
-              <a:rPr lang="fr-FR" dirty="0" err="1" smtClean="0"/>
+              <a:rPr lang="fr-FR" dirty="0" err="1"/>
               <a:t>Reduce</a:t>
             </a:r>
             <a:endParaRPr lang="fr-FR" dirty="0"/>
@@ -5235,25 +5128,25 @@
           <a:lstStyle/>
           <a:p>
             <a:r>
-              <a:rPr lang="fr-FR" dirty="0" err="1" smtClean="0"/>
+              <a:rPr lang="fr-FR" dirty="0" err="1"/>
               <a:t>Reduce</a:t>
             </a:r>
             <a:r>
-              <a:rPr lang="fr-FR" dirty="0" smtClean="0"/>
+              <a:rPr lang="fr-FR" dirty="0"/>
               <a:t> permet de réduire le nombre de dimension</a:t>
             </a:r>
           </a:p>
           <a:p>
             <a:pPr lvl="1"/>
             <a:r>
-              <a:rPr lang="fr-FR" dirty="0" smtClean="0"/>
+              <a:rPr lang="fr-FR" dirty="0"/>
               <a:t>Passe d'une liste à un scalaire</a:t>
             </a:r>
           </a:p>
           <a:p>
             <a:pPr lvl="1"/>
             <a:r>
-              <a:rPr lang="fr-FR" dirty="0" smtClean="0"/>
+              <a:rPr lang="fr-FR" dirty="0"/>
               <a:t>Suite numérique avec accumulateur</a:t>
             </a:r>
           </a:p>
@@ -5263,7 +5156,7 @@
           </a:p>
           <a:p>
             <a:pPr lvl="1"/>
-            <a:endParaRPr lang="fr-FR" dirty="0" smtClean="0"/>
+            <a:endParaRPr lang="fr-FR" dirty="0"/>
           </a:p>
           <a:p>
             <a:pPr lvl="1"/>
@@ -5271,7 +5164,7 @@
           </a:p>
           <a:p>
             <a:pPr lvl="1"/>
-            <a:endParaRPr lang="fr-FR" dirty="0" smtClean="0"/>
+            <a:endParaRPr lang="fr-FR" dirty="0"/>
           </a:p>
           <a:p>
             <a:pPr lvl="1"/>
@@ -5279,17 +5172,17 @@
           </a:p>
           <a:p>
             <a:r>
-              <a:rPr lang="fr-FR" dirty="0" err="1" smtClean="0"/>
+              <a:rPr lang="fr-FR" dirty="0" err="1"/>
               <a:t>const</a:t>
             </a:r>
             <a:r>
-              <a:rPr lang="fr-FR" dirty="0" smtClean="0"/>
+              <a:rPr lang="fr-FR" dirty="0"/>
               <a:t> tab1 = [1, 2, 3, 4];</a:t>
             </a:r>
           </a:p>
           <a:p>
             <a:r>
-              <a:rPr lang="fr-FR" dirty="0" err="1" smtClean="0"/>
+              <a:rPr lang="fr-FR" dirty="0" err="1"/>
               <a:t>op.reduce</a:t>
             </a:r>
             <a:r>
@@ -5307,7 +5200,7 @@
           </a:p>
           <a:p>
             <a:pPr lvl="1"/>
-            <a:endParaRPr lang="fr-FR" dirty="0" smtClean="0"/>
+            <a:endParaRPr lang="fr-FR" dirty="0"/>
           </a:p>
           <a:p>
             <a:pPr lvl="1"/>
@@ -5366,13 +5259,6 @@
   <p:clrMapOvr>
     <a:masterClrMapping/>
   </p:clrMapOvr>
-  <p:timing>
-    <p:tnLst>
-      <p:par>
-        <p:cTn id="1" dur="indefinite" restart="never" nodeType="tmRoot"/>
-      </p:par>
-    </p:tnLst>
-  </p:timing>
 </p:sld>
 </file>
 
@@ -5409,10 +5295,9 @@
           <a:lstStyle/>
           <a:p>
             <a:r>
-              <a:rPr lang="fr-FR" dirty="0" smtClean="0"/>
+              <a:rPr lang="fr-FR" dirty="0"/>
               <a:t>Zip</a:t>
             </a:r>
-            <a:endParaRPr lang="fr-FR" dirty="0"/>
           </a:p>
         </p:txBody>
       </p:sp>
@@ -5432,7 +5317,7 @@
           <a:lstStyle/>
           <a:p>
             <a:r>
-              <a:rPr lang="fr-FR" dirty="0" smtClean="0"/>
+              <a:rPr lang="fr-FR" dirty="0"/>
               <a:t>Zip permet d'appairer n listes en fonction de leur index</a:t>
             </a:r>
           </a:p>
@@ -5532,13 +5417,8 @@
             </a:r>
             <a:r>
               <a:rPr lang="fr-FR" sz="2000" dirty="0"/>
-              <a:t>, false</a:t>
-            </a:r>
-            <a:r>
-              <a:rPr lang="fr-FR" sz="2000" dirty="0" smtClean="0"/>
-              <a:t>);</a:t>
-            </a:r>
-            <a:endParaRPr lang="fr-FR" sz="2000" dirty="0"/>
+              <a:t>, false);</a:t>
+            </a:r>
           </a:p>
           <a:p>
             <a:pPr marL="457200" lvl="1" indent="0">
@@ -5661,13 +5541,8 @@
             </a:r>
             <a:r>
               <a:rPr lang="fr-FR" sz="2000" dirty="0"/>
-              <a:t>(x =&gt; console.log(x</a:t>
-            </a:r>
-            <a:r>
-              <a:rPr lang="fr-FR" sz="2000" dirty="0" smtClean="0"/>
-              <a:t>));</a:t>
-            </a:r>
-            <a:endParaRPr lang="fr-FR" sz="2000" dirty="0"/>
+              <a:t>(x =&gt; console.log(x));</a:t>
+            </a:r>
           </a:p>
           <a:p>
             <a:pPr marL="457200" lvl="1" indent="0">
@@ -5821,13 +5696,6 @@
   <p:clrMapOvr>
     <a:masterClrMapping/>
   </p:clrMapOvr>
-  <p:timing>
-    <p:tnLst>
-      <p:par>
-        <p:cTn id="1" dur="indefinite" restart="never" nodeType="tmRoot"/>
-      </p:par>
-    </p:tnLst>
-  </p:timing>
 </p:sld>
 </file>
 
@@ -5864,7 +5732,7 @@
           <a:lstStyle/>
           <a:p>
             <a:r>
-              <a:rPr lang="fr-FR" dirty="0" err="1" smtClean="0"/>
+              <a:rPr lang="fr-FR" dirty="0" err="1"/>
               <a:t>RxJS</a:t>
             </a:r>
             <a:endParaRPr lang="fr-FR" dirty="0"/>
@@ -5887,72 +5755,72 @@
           <a:lstStyle/>
           <a:p>
             <a:r>
-              <a:rPr lang="fr-FR" dirty="0" err="1" smtClean="0"/>
+              <a:rPr lang="fr-FR" dirty="0" err="1"/>
               <a:t>RxJS</a:t>
             </a:r>
             <a:r>
-              <a:rPr lang="fr-FR" dirty="0" smtClean="0"/>
+              <a:rPr lang="fr-FR" dirty="0"/>
               <a:t> est une librairie JS inclue dans </a:t>
             </a:r>
             <a:r>
-              <a:rPr lang="fr-FR" dirty="0" err="1" smtClean="0"/>
+              <a:rPr lang="fr-FR" dirty="0" err="1"/>
               <a:t>Angular</a:t>
             </a:r>
             <a:r>
-              <a:rPr lang="fr-FR" dirty="0" smtClean="0"/>
+              <a:rPr lang="fr-FR" dirty="0"/>
               <a:t> 6 qui permet d’avoir une programmation réactive</a:t>
             </a:r>
           </a:p>
           <a:p>
             <a:pPr lvl="1"/>
             <a:r>
-              <a:rPr lang="fr-FR" dirty="0" smtClean="0"/>
+              <a:rPr lang="fr-FR" dirty="0"/>
               <a:t>Emprunté au Framework REACT</a:t>
             </a:r>
           </a:p>
           <a:p>
             <a:r>
-              <a:rPr lang="fr-FR" dirty="0" smtClean="0"/>
+              <a:rPr lang="fr-FR" dirty="0"/>
               <a:t>Programmation réactive</a:t>
             </a:r>
           </a:p>
           <a:p>
             <a:pPr lvl="1"/>
             <a:r>
-              <a:rPr lang="fr-FR" dirty="0" smtClean="0"/>
+              <a:rPr lang="fr-FR" dirty="0"/>
               <a:t>Stream de Java</a:t>
             </a:r>
           </a:p>
           <a:p>
             <a:pPr lvl="1"/>
             <a:r>
-              <a:rPr lang="fr-FR" dirty="0" smtClean="0"/>
+              <a:rPr lang="fr-FR" dirty="0"/>
               <a:t>LINQ de .NET</a:t>
             </a:r>
           </a:p>
           <a:p>
             <a:pPr lvl="1"/>
             <a:r>
-              <a:rPr lang="fr-FR" dirty="0" smtClean="0"/>
+              <a:rPr lang="fr-FR" dirty="0"/>
               <a:t>Lambda et générateur de Python</a:t>
             </a:r>
           </a:p>
           <a:p>
             <a:r>
-              <a:rPr lang="fr-FR" dirty="0" smtClean="0"/>
+              <a:rPr lang="fr-FR" dirty="0"/>
               <a:t>Programmation fonctionnelle</a:t>
             </a:r>
           </a:p>
           <a:p>
             <a:r>
-              <a:rPr lang="fr-FR" dirty="0" smtClean="0"/>
+              <a:rPr lang="fr-FR" dirty="0"/>
               <a:t>Programmation asynchrone</a:t>
             </a:r>
           </a:p>
           <a:p>
             <a:pPr lvl="1"/>
             <a:r>
-              <a:rPr lang="fr-FR" dirty="0" smtClean="0"/>
+              <a:rPr lang="fr-FR" dirty="0"/>
               <a:t>Observable</a:t>
             </a:r>
           </a:p>
@@ -6009,13 +5877,6 @@
   <p:clrMapOvr>
     <a:masterClrMapping/>
   </p:clrMapOvr>
-  <p:timing>
-    <p:tnLst>
-      <p:par>
-        <p:cTn id="1" dur="indefinite" restart="never" nodeType="tmRoot"/>
-      </p:par>
-    </p:tnLst>
-  </p:timing>
 </p:sld>
 </file>
 
@@ -6052,10 +5913,9 @@
           <a:lstStyle/>
           <a:p>
             <a:r>
-              <a:rPr lang="fr-FR" dirty="0" smtClean="0"/>
+              <a:rPr lang="fr-FR" dirty="0"/>
               <a:t>Les générateurs</a:t>
             </a:r>
-            <a:endParaRPr lang="fr-FR" dirty="0"/>
           </a:p>
         </p:txBody>
       </p:sp>
@@ -6075,46 +5935,45 @@
           <a:lstStyle/>
           <a:p>
             <a:r>
-              <a:rPr lang="fr-FR" dirty="0" smtClean="0"/>
+              <a:rPr lang="fr-FR" dirty="0"/>
               <a:t>Les générateurs sont des fonctions </a:t>
             </a:r>
             <a:r>
-              <a:rPr lang="fr-FR" dirty="0" err="1" smtClean="0"/>
+              <a:rPr lang="fr-FR" dirty="0" err="1"/>
               <a:t>lazy</a:t>
             </a:r>
             <a:r>
-              <a:rPr lang="fr-FR" dirty="0" smtClean="0"/>
+              <a:rPr lang="fr-FR" dirty="0"/>
               <a:t> </a:t>
             </a:r>
             <a:r>
-              <a:rPr lang="fr-FR" dirty="0" err="1" smtClean="0"/>
+              <a:rPr lang="fr-FR" dirty="0" err="1"/>
               <a:t>loadées</a:t>
             </a:r>
-            <a:endParaRPr lang="fr-FR" dirty="0" smtClean="0"/>
-          </a:p>
-          <a:p>
-            <a:r>
-              <a:rPr lang="fr-FR" dirty="0" smtClean="0"/>
+            <a:endParaRPr lang="fr-FR" dirty="0"/>
+          </a:p>
+          <a:p>
+            <a:r>
+              <a:rPr lang="fr-FR" dirty="0"/>
               <a:t>Elles doivent retournée les résultats par le mot clé </a:t>
             </a:r>
             <a:r>
-              <a:rPr lang="fr-FR" dirty="0" err="1" smtClean="0"/>
+              <a:rPr lang="fr-FR" dirty="0" err="1"/>
               <a:t>yield</a:t>
             </a:r>
-            <a:endParaRPr lang="fr-FR" dirty="0" smtClean="0"/>
-          </a:p>
-          <a:p>
-            <a:r>
-              <a:rPr lang="fr-FR" dirty="0" smtClean="0"/>
+            <a:endParaRPr lang="fr-FR" dirty="0"/>
+          </a:p>
+          <a:p>
+            <a:r>
+              <a:rPr lang="fr-FR" dirty="0"/>
               <a:t>Elles sont suffixée par *</a:t>
             </a:r>
           </a:p>
           <a:p>
             <a:r>
-              <a:rPr lang="fr-FR" dirty="0" smtClean="0"/>
+              <a:rPr lang="fr-FR" dirty="0"/>
               <a:t>Exemple</a:t>
             </a:r>
-            <a:endParaRPr lang="fr-FR" dirty="0"/>
           </a:p>
         </p:txBody>
       </p:sp>
@@ -6152,13 +6011,6 @@
   <p:clrMapOvr>
     <a:masterClrMapping/>
   </p:clrMapOvr>
-  <p:timing>
-    <p:tnLst>
-      <p:par>
-        <p:cTn id="1" dur="indefinite" restart="never" nodeType="tmRoot"/>
-      </p:par>
-    </p:tnLst>
-  </p:timing>
 </p:sld>
 </file>
 
@@ -6195,15 +6047,15 @@
           <a:lstStyle/>
           <a:p>
             <a:r>
-              <a:rPr lang="fr-FR" dirty="0" err="1" smtClean="0"/>
+              <a:rPr lang="fr-FR" dirty="0" err="1"/>
               <a:t>Lazy</a:t>
             </a:r>
             <a:r>
-              <a:rPr lang="fr-FR" dirty="0" smtClean="0"/>
+              <a:rPr lang="fr-FR" dirty="0"/>
               <a:t> </a:t>
             </a:r>
             <a:r>
-              <a:rPr lang="fr-FR" dirty="0" err="1" smtClean="0"/>
+              <a:rPr lang="fr-FR" dirty="0" err="1"/>
               <a:t>Loading</a:t>
             </a:r>
             <a:endParaRPr lang="fr-FR" dirty="0"/>
@@ -6226,28 +6078,28 @@
           <a:lstStyle/>
           <a:p>
             <a:r>
-              <a:rPr lang="fr-FR" dirty="0" smtClean="0"/>
+              <a:rPr lang="fr-FR" dirty="0"/>
               <a:t>Le générateur est itéré au moment de sa première utilisation</a:t>
             </a:r>
           </a:p>
           <a:p>
             <a:r>
-              <a:rPr lang="fr-FR" dirty="0" smtClean="0"/>
+              <a:rPr lang="fr-FR" dirty="0"/>
               <a:t>Concept identique avec RXJS</a:t>
             </a:r>
           </a:p>
           <a:p>
             <a:pPr lvl="1"/>
             <a:r>
-              <a:rPr lang="fr-FR" dirty="0" smtClean="0"/>
+              <a:rPr lang="fr-FR" dirty="0"/>
               <a:t>Un observable </a:t>
             </a:r>
             <a:r>
-              <a:rPr lang="fr-FR" dirty="0" err="1" smtClean="0"/>
+              <a:rPr lang="fr-FR" dirty="0" err="1"/>
               <a:t>from</a:t>
             </a:r>
             <a:r>
-              <a:rPr lang="fr-FR" dirty="0" smtClean="0"/>
+              <a:rPr lang="fr-FR" dirty="0"/>
               <a:t> est itéré au moment de sa souscription</a:t>
             </a:r>
           </a:p>
@@ -6257,7 +6109,7 @@
           </a:p>
           <a:p>
             <a:pPr lvl="1"/>
-            <a:endParaRPr lang="fr-FR" dirty="0" smtClean="0"/>
+            <a:endParaRPr lang="fr-FR" dirty="0"/>
           </a:p>
           <a:p>
             <a:pPr lvl="1"/>
@@ -6265,23 +6117,22 @@
           </a:p>
           <a:p>
             <a:pPr lvl="1"/>
-            <a:endParaRPr lang="fr-FR" dirty="0" smtClean="0"/>
+            <a:endParaRPr lang="fr-FR" dirty="0"/>
           </a:p>
           <a:p>
             <a:pPr lvl="1"/>
             <a:r>
-              <a:rPr lang="fr-FR" dirty="0" smtClean="0"/>
+              <a:rPr lang="fr-FR" dirty="0"/>
               <a:t>Remarquons que </a:t>
             </a:r>
             <a:r>
-              <a:rPr lang="fr-FR" dirty="0" err="1" smtClean="0"/>
+              <a:rPr lang="fr-FR" dirty="0" err="1"/>
               <a:t>infiniteSequence</a:t>
             </a:r>
             <a:r>
-              <a:rPr lang="fr-FR" dirty="0" smtClean="0"/>
-              <a:t> ne se termine jamais que l'appel est passé</a:t>
-            </a:r>
-            <a:endParaRPr lang="fr-FR" dirty="0"/>
+              <a:rPr lang="fr-FR" dirty="0"/>
+              <a:t> ne se termine jamais alors que l'appel est passé</a:t>
+            </a:r>
           </a:p>
         </p:txBody>
       </p:sp>
@@ -6319,13 +6170,6 @@
   <p:clrMapOvr>
     <a:masterClrMapping/>
   </p:clrMapOvr>
-  <p:timing>
-    <p:tnLst>
-      <p:par>
-        <p:cTn id="1" dur="indefinite" restart="never" nodeType="tmRoot"/>
-      </p:par>
-    </p:tnLst>
-  </p:timing>
 </p:sld>
 </file>
 
@@ -6362,18 +6206,17 @@
           <a:lstStyle/>
           <a:p>
             <a:r>
-              <a:rPr lang="fr-FR" dirty="0" smtClean="0"/>
+              <a:rPr lang="fr-FR" dirty="0"/>
               <a:t>Le </a:t>
             </a:r>
             <a:r>
-              <a:rPr lang="fr-FR" dirty="0" err="1" smtClean="0"/>
+              <a:rPr lang="fr-FR" dirty="0" err="1"/>
               <a:t>Map</a:t>
             </a:r>
             <a:r>
-              <a:rPr lang="fr-FR" dirty="0" smtClean="0"/>
+              <a:rPr lang="fr-FR" dirty="0"/>
               <a:t> en détail</a:t>
             </a:r>
-            <a:endParaRPr lang="fr-FR" dirty="0"/>
           </a:p>
         </p:txBody>
       </p:sp>
@@ -6393,15 +6236,15 @@
           <a:lstStyle/>
           <a:p>
             <a:r>
-              <a:rPr lang="fr-FR" dirty="0" smtClean="0"/>
+              <a:rPr lang="fr-FR" dirty="0"/>
               <a:t>Le </a:t>
             </a:r>
             <a:r>
-              <a:rPr lang="fr-FR" dirty="0" err="1" smtClean="0"/>
+              <a:rPr lang="fr-FR" dirty="0" err="1"/>
               <a:t>map</a:t>
             </a:r>
             <a:r>
-              <a:rPr lang="fr-FR" dirty="0" smtClean="0"/>
+              <a:rPr lang="fr-FR" dirty="0"/>
               <a:t> est un générateur programmé comme suit</a:t>
             </a:r>
           </a:p>
@@ -6444,13 +6287,6 @@
   <p:clrMapOvr>
     <a:masterClrMapping/>
   </p:clrMapOvr>
-  <p:timing>
-    <p:tnLst>
-      <p:par>
-        <p:cTn id="1" dur="indefinite" restart="never" nodeType="tmRoot"/>
-      </p:par>
-    </p:tnLst>
-  </p:timing>
 </p:sld>
 </file>
 
@@ -6487,18 +6323,17 @@
           <a:lstStyle/>
           <a:p>
             <a:r>
-              <a:rPr lang="fr-FR" dirty="0" smtClean="0"/>
+              <a:rPr lang="fr-FR" dirty="0"/>
               <a:t>Le </a:t>
             </a:r>
             <a:r>
-              <a:rPr lang="fr-FR" dirty="0" err="1" smtClean="0"/>
+              <a:rPr lang="fr-FR" dirty="0" err="1"/>
               <a:t>Filter</a:t>
             </a:r>
             <a:r>
-              <a:rPr lang="fr-FR" dirty="0" smtClean="0"/>
+              <a:rPr lang="fr-FR" dirty="0"/>
               <a:t> en détail</a:t>
             </a:r>
-            <a:endParaRPr lang="fr-FR" dirty="0"/>
           </a:p>
         </p:txBody>
       </p:sp>
@@ -6518,15 +6353,15 @@
           <a:lstStyle/>
           <a:p>
             <a:r>
-              <a:rPr lang="fr-FR" dirty="0" smtClean="0"/>
+              <a:rPr lang="fr-FR" dirty="0"/>
               <a:t>Le </a:t>
             </a:r>
             <a:r>
-              <a:rPr lang="fr-FR" dirty="0" err="1" smtClean="0"/>
+              <a:rPr lang="fr-FR" dirty="0" err="1"/>
               <a:t>filter</a:t>
             </a:r>
             <a:r>
-              <a:rPr lang="fr-FR" dirty="0" smtClean="0"/>
+              <a:rPr lang="fr-FR" dirty="0"/>
               <a:t> est un générateur programmé comme suit</a:t>
             </a:r>
           </a:p>
@@ -6569,13 +6404,6 @@
   <p:clrMapOvr>
     <a:masterClrMapping/>
   </p:clrMapOvr>
-  <p:timing>
-    <p:tnLst>
-      <p:par>
-        <p:cTn id="1" dur="indefinite" restart="never" nodeType="tmRoot"/>
-      </p:par>
-    </p:tnLst>
-  </p:timing>
 </p:sld>
 </file>
 
@@ -6612,22 +6440,17 @@
           <a:lstStyle/>
           <a:p>
             <a:r>
-              <a:rPr lang="fr-FR" dirty="0" smtClean="0"/>
+              <a:rPr lang="fr-FR" dirty="0"/>
               <a:t>Le </a:t>
             </a:r>
             <a:r>
               <a:rPr lang="fr-FR" dirty="0" err="1"/>
-              <a:t>R</a:t>
-            </a:r>
-            <a:r>
-              <a:rPr lang="fr-FR" dirty="0" err="1" smtClean="0"/>
-              <a:t>educe</a:t>
-            </a:r>
-            <a:r>
-              <a:rPr lang="fr-FR" dirty="0" smtClean="0"/>
+              <a:t>Reduce</a:t>
+            </a:r>
+            <a:r>
+              <a:rPr lang="fr-FR" dirty="0"/>
               <a:t> en détail</a:t>
             </a:r>
-            <a:endParaRPr lang="fr-FR" dirty="0"/>
           </a:p>
         </p:txBody>
       </p:sp>
@@ -6647,34 +6470,33 @@
           <a:lstStyle/>
           <a:p>
             <a:r>
-              <a:rPr lang="fr-FR" dirty="0" smtClean="0"/>
+              <a:rPr lang="fr-FR" dirty="0"/>
               <a:t>Le </a:t>
             </a:r>
             <a:r>
-              <a:rPr lang="fr-FR" dirty="0" err="1" smtClean="0"/>
+              <a:rPr lang="fr-FR" dirty="0" err="1"/>
               <a:t>reduce</a:t>
             </a:r>
             <a:r>
-              <a:rPr lang="fr-FR" dirty="0" smtClean="0"/>
+              <a:rPr lang="fr-FR" dirty="0"/>
               <a:t> doit être appelé avec une </a:t>
             </a:r>
             <a:r>
-              <a:rPr lang="fr-FR" dirty="0" err="1" smtClean="0"/>
+              <a:rPr lang="fr-FR" dirty="0" err="1"/>
               <a:t>arrow</a:t>
             </a:r>
             <a:r>
-              <a:rPr lang="fr-FR" dirty="0" smtClean="0"/>
+              <a:rPr lang="fr-FR" dirty="0"/>
               <a:t> </a:t>
             </a:r>
             <a:r>
-              <a:rPr lang="fr-FR" dirty="0" err="1" smtClean="0"/>
+              <a:rPr lang="fr-FR" dirty="0" err="1"/>
               <a:t>function</a:t>
             </a:r>
             <a:r>
-              <a:rPr lang="fr-FR" dirty="0" smtClean="0"/>
+              <a:rPr lang="fr-FR" dirty="0"/>
               <a:t> possédant 2 paramètres</a:t>
             </a:r>
-            <a:endParaRPr lang="fr-FR" dirty="0"/>
           </a:p>
         </p:txBody>
       </p:sp>
@@ -6712,13 +6534,6 @@
   <p:clrMapOvr>
     <a:masterClrMapping/>
   </p:clrMapOvr>
-  <p:timing>
-    <p:tnLst>
-      <p:par>
-        <p:cTn id="1" dur="indefinite" restart="never" nodeType="tmRoot"/>
-      </p:par>
-    </p:tnLst>
-  </p:timing>
 </p:sld>
 </file>
 
@@ -6755,10 +6570,9 @@
           <a:lstStyle/>
           <a:p>
             <a:r>
-              <a:rPr lang="fr-FR" dirty="0" smtClean="0"/>
+              <a:rPr lang="fr-FR" dirty="0"/>
               <a:t>Les services réactifs</a:t>
             </a:r>
-            <a:endParaRPr lang="fr-FR" dirty="0"/>
           </a:p>
         </p:txBody>
       </p:sp>
@@ -6778,77 +6592,77 @@
           <a:lstStyle/>
           <a:p>
             <a:r>
-              <a:rPr lang="fr-FR" dirty="0" smtClean="0"/>
+              <a:rPr lang="fr-FR" dirty="0"/>
               <a:t>Les services sont souvent un peu lent</a:t>
             </a:r>
           </a:p>
           <a:p>
             <a:pPr lvl="1"/>
             <a:r>
-              <a:rPr lang="fr-FR" dirty="0" smtClean="0"/>
+              <a:rPr lang="fr-FR" dirty="0"/>
               <a:t>Appel de service REST</a:t>
             </a:r>
           </a:p>
           <a:p>
             <a:pPr lvl="1"/>
             <a:r>
-              <a:rPr lang="fr-FR" dirty="0" smtClean="0"/>
+              <a:rPr lang="fr-FR" dirty="0"/>
               <a:t>Asynchrones</a:t>
             </a:r>
           </a:p>
           <a:p>
             <a:r>
-              <a:rPr lang="fr-FR" dirty="0" smtClean="0"/>
+              <a:rPr lang="fr-FR" dirty="0"/>
               <a:t>Les services manipulent des données</a:t>
             </a:r>
           </a:p>
           <a:p>
             <a:pPr lvl="1"/>
             <a:r>
-              <a:rPr lang="fr-FR" dirty="0" smtClean="0"/>
+              <a:rPr lang="fr-FR" dirty="0"/>
               <a:t>Programmation fonctionnel</a:t>
             </a:r>
           </a:p>
           <a:p>
             <a:r>
-              <a:rPr lang="fr-FR" dirty="0" smtClean="0"/>
+              <a:rPr lang="fr-FR" dirty="0"/>
               <a:t>Pour toutes ces raisons les services </a:t>
             </a:r>
             <a:r>
-              <a:rPr lang="fr-FR" dirty="0" err="1" smtClean="0"/>
+              <a:rPr lang="fr-FR" dirty="0" err="1"/>
               <a:t>Angular</a:t>
             </a:r>
             <a:r>
-              <a:rPr lang="fr-FR" dirty="0" smtClean="0"/>
+              <a:rPr lang="fr-FR" dirty="0"/>
               <a:t> doivent être réactifs</a:t>
             </a:r>
           </a:p>
           <a:p>
             <a:pPr lvl="1"/>
             <a:r>
-              <a:rPr lang="fr-FR" dirty="0" smtClean="0"/>
+              <a:rPr lang="fr-FR" dirty="0"/>
               <a:t>Implémenté nativement dans </a:t>
             </a:r>
             <a:r>
-              <a:rPr lang="fr-FR" dirty="0" err="1" smtClean="0"/>
+              <a:rPr lang="fr-FR" dirty="0" err="1"/>
               <a:t>Angular</a:t>
             </a:r>
             <a:r>
-              <a:rPr lang="fr-FR" dirty="0" smtClean="0"/>
+              <a:rPr lang="fr-FR" dirty="0"/>
               <a:t> 6</a:t>
             </a:r>
           </a:p>
           <a:p>
             <a:r>
-              <a:rPr lang="fr-FR" dirty="0" smtClean="0"/>
+              <a:rPr lang="fr-FR" dirty="0"/>
               <a:t>Import de </a:t>
             </a:r>
             <a:r>
-              <a:rPr lang="fr-FR" dirty="0" err="1" smtClean="0"/>
+              <a:rPr lang="fr-FR" dirty="0" err="1"/>
               <a:t>RxJS</a:t>
             </a:r>
             <a:r>
-              <a:rPr lang="fr-FR" dirty="0" smtClean="0"/>
+              <a:rPr lang="fr-FR" dirty="0"/>
               <a:t> dans le service</a:t>
             </a:r>
           </a:p>
@@ -6880,13 +6694,6 @@
   <p:clrMapOvr>
     <a:masterClrMapping/>
   </p:clrMapOvr>
-  <p:timing>
-    <p:tnLst>
-      <p:par>
-        <p:cTn id="1" dur="indefinite" restart="never" nodeType="tmRoot"/>
-      </p:par>
-    </p:tnLst>
-  </p:timing>
 </p:sld>
 </file>
 
@@ -6923,10 +6730,9 @@
           <a:lstStyle/>
           <a:p>
             <a:r>
-              <a:rPr lang="fr-FR" dirty="0" smtClean="0"/>
+              <a:rPr lang="fr-FR" dirty="0"/>
               <a:t>Service observable</a:t>
             </a:r>
-            <a:endParaRPr lang="fr-FR" dirty="0"/>
           </a:p>
         </p:txBody>
       </p:sp>
@@ -6946,7 +6752,7 @@
           <a:lstStyle/>
           <a:p>
             <a:r>
-              <a:rPr lang="fr-FR" dirty="0" smtClean="0"/>
+              <a:rPr lang="fr-FR" dirty="0"/>
               <a:t>Les méthodes des services devraient être observables</a:t>
             </a:r>
           </a:p>
@@ -6985,13 +6791,13 @@
               <a:buNone/>
             </a:pPr>
             <a:r>
-              <a:rPr lang="fr-FR" dirty="0" smtClean="0"/>
+              <a:rPr lang="fr-FR" dirty="0"/>
               <a:t>}</a:t>
             </a:r>
           </a:p>
           <a:p>
             <a:r>
-              <a:rPr lang="fr-FR" dirty="0" smtClean="0"/>
+              <a:rPr lang="fr-FR" dirty="0"/>
               <a:t>Les services Web seront également observables</a:t>
             </a:r>
           </a:p>
@@ -7013,13 +6819,12 @@
               <a:rPr lang="fr-FR" dirty="0"/>
               <a:t>[]&gt;()</a:t>
             </a:r>
-            <a:endParaRPr lang="fr-FR" dirty="0" smtClean="0"/>
           </a:p>
           <a:p>
             <a:pPr marL="457200" lvl="1" indent="0">
               <a:buNone/>
             </a:pPr>
-            <a:endParaRPr lang="fr-FR" dirty="0" smtClean="0"/>
+            <a:endParaRPr lang="fr-FR" dirty="0"/>
           </a:p>
           <a:p>
             <a:pPr marL="457200" lvl="1" indent="0">
@@ -7027,13 +6832,8 @@
             </a:pPr>
             <a:r>
               <a:rPr lang="fr-FR" dirty="0"/>
-              <a:t>	</a:t>
-            </a:r>
-            <a:r>
-              <a:rPr lang="fr-FR" dirty="0" smtClean="0"/>
-              <a:t>				</a:t>
-            </a:r>
-            <a:endParaRPr lang="fr-FR" dirty="0"/>
+              <a:t>					</a:t>
+            </a:r>
           </a:p>
         </p:txBody>
       </p:sp>
@@ -7047,13 +6847,6 @@
   <p:clrMapOvr>
     <a:masterClrMapping/>
   </p:clrMapOvr>
-  <p:timing>
-    <p:tnLst>
-      <p:par>
-        <p:cTn id="1" dur="indefinite" restart="never" nodeType="tmRoot"/>
-      </p:par>
-    </p:tnLst>
-  </p:timing>
 </p:sld>
 </file>
 
@@ -7090,10 +6883,9 @@
           <a:lstStyle/>
           <a:p>
             <a:r>
-              <a:rPr lang="fr-FR" dirty="0" smtClean="0"/>
+              <a:rPr lang="fr-FR" dirty="0"/>
               <a:t>Souscription dans le composant</a:t>
             </a:r>
-            <a:endParaRPr lang="fr-FR" dirty="0"/>
           </a:p>
         </p:txBody>
       </p:sp>
@@ -7113,13 +6905,13 @@
           <a:lstStyle/>
           <a:p>
             <a:r>
-              <a:rPr lang="fr-FR" dirty="0" smtClean="0"/>
+              <a:rPr lang="fr-FR" dirty="0"/>
               <a:t>La signature du service ayant changée il faut adapter le composant</a:t>
             </a:r>
           </a:p>
           <a:p>
             <a:r>
-              <a:rPr lang="fr-FR" dirty="0" smtClean="0"/>
+              <a:rPr lang="fr-FR" dirty="0"/>
               <a:t>Le composant doit souscrire le service</a:t>
             </a:r>
           </a:p>
@@ -7207,47 +6999,46 @@
               <a:buNone/>
             </a:pPr>
             <a:r>
-              <a:rPr lang="fr-FR" dirty="0" smtClean="0"/>
+              <a:rPr lang="fr-FR" dirty="0"/>
               <a:t>}</a:t>
             </a:r>
           </a:p>
           <a:p>
             <a:r>
-              <a:rPr lang="fr-FR" dirty="0" smtClean="0"/>
+              <a:rPr lang="fr-FR" dirty="0"/>
               <a:t>Ceci met </a:t>
             </a:r>
             <a:r>
-              <a:rPr lang="fr-FR" smtClean="0"/>
+              <a:rPr lang="fr-FR"/>
               <a:t>en place </a:t>
             </a:r>
             <a:r>
-              <a:rPr lang="fr-FR" dirty="0" smtClean="0"/>
+              <a:rPr lang="fr-FR" dirty="0"/>
               <a:t>un </a:t>
             </a:r>
             <a:r>
-              <a:rPr lang="fr-FR" dirty="0" err="1" smtClean="0"/>
+              <a:rPr lang="fr-FR" dirty="0" err="1"/>
               <a:t>two</a:t>
             </a:r>
             <a:r>
-              <a:rPr lang="fr-FR" dirty="0" smtClean="0"/>
+              <a:rPr lang="fr-FR" dirty="0"/>
               <a:t> </a:t>
             </a:r>
             <a:r>
-              <a:rPr lang="fr-FR" dirty="0" err="1" smtClean="0"/>
+              <a:rPr lang="fr-FR" dirty="0" err="1"/>
               <a:t>ways</a:t>
             </a:r>
             <a:r>
-              <a:rPr lang="fr-FR" dirty="0" smtClean="0"/>
+              <a:rPr lang="fr-FR" dirty="0"/>
               <a:t> data binding asynchrone</a:t>
             </a:r>
           </a:p>
           <a:p>
             <a:pPr lvl="1"/>
             <a:r>
-              <a:rPr lang="fr-FR" dirty="0" smtClean="0"/>
+              <a:rPr lang="fr-FR" dirty="0"/>
               <a:t>Cette version "attend" que le service réponde pour binder les données</a:t>
             </a:r>
-            <a:endParaRPr lang="fr-FR" dirty="0"/>
           </a:p>
         </p:txBody>
       </p:sp>
@@ -7261,13 +7052,6 @@
   <p:clrMapOvr>
     <a:masterClrMapping/>
   </p:clrMapOvr>
-  <p:timing>
-    <p:tnLst>
-      <p:par>
-        <p:cTn id="1" dur="indefinite" restart="never" nodeType="tmRoot"/>
-      </p:par>
-    </p:tnLst>
-  </p:timing>
 </p:sld>
 </file>
 
@@ -7304,10 +7088,9 @@
           <a:lstStyle/>
           <a:p>
             <a:r>
-              <a:rPr lang="fr-FR" dirty="0" smtClean="0"/>
+              <a:rPr lang="fr-FR" dirty="0"/>
               <a:t>Gestion des messages</a:t>
             </a:r>
-            <a:endParaRPr lang="fr-FR" dirty="0"/>
           </a:p>
         </p:txBody>
       </p:sp>
@@ -7327,30 +7110,29 @@
           <a:lstStyle/>
           <a:p>
             <a:r>
-              <a:rPr lang="fr-FR" dirty="0" smtClean="0"/>
+              <a:rPr lang="fr-FR" dirty="0"/>
               <a:t>Si jamais le service est en panne il faut attendre un timeout pour afficher un éventuel message d'erreur</a:t>
             </a:r>
           </a:p>
           <a:p>
             <a:r>
-              <a:rPr lang="fr-FR" dirty="0" smtClean="0"/>
+              <a:rPr lang="fr-FR" dirty="0"/>
               <a:t>Il serait utile d'avoir un gestionnaire de message qui affiche des informations à l'écran</a:t>
             </a:r>
           </a:p>
           <a:p>
             <a:pPr lvl="1"/>
             <a:r>
-              <a:rPr lang="fr-FR" dirty="0" smtClean="0"/>
+              <a:rPr lang="fr-FR" dirty="0"/>
               <a:t>Dans le cas d'une page complexe le nombre de service asynchrone est très important</a:t>
             </a:r>
           </a:p>
           <a:p>
             <a:pPr lvl="1"/>
             <a:r>
-              <a:rPr lang="fr-FR" dirty="0" smtClean="0"/>
+              <a:rPr lang="fr-FR" dirty="0"/>
               <a:t>Tout se charge + ou - vite dans n'importe quel ordre</a:t>
             </a:r>
-            <a:endParaRPr lang="fr-FR" dirty="0"/>
           </a:p>
         </p:txBody>
       </p:sp>
@@ -7364,13 +7146,6 @@
   <p:clrMapOvr>
     <a:masterClrMapping/>
   </p:clrMapOvr>
-  <p:timing>
-    <p:tnLst>
-      <p:par>
-        <p:cTn id="1" dur="indefinite" restart="never" nodeType="tmRoot"/>
-      </p:par>
-    </p:tnLst>
-  </p:timing>
 </p:sld>
 </file>
 
@@ -7407,10 +7182,9 @@
           <a:lstStyle/>
           <a:p>
             <a:r>
-              <a:rPr lang="fr-FR" dirty="0" smtClean="0"/>
+              <a:rPr lang="fr-FR" dirty="0"/>
               <a:t>Création d'un service messagerie</a:t>
             </a:r>
-            <a:endParaRPr lang="fr-FR" dirty="0"/>
           </a:p>
         </p:txBody>
       </p:sp>
@@ -7430,7 +7204,7 @@
           <a:lstStyle/>
           <a:p>
             <a:r>
-              <a:rPr lang="fr-FR" dirty="0" smtClean="0"/>
+              <a:rPr lang="fr-FR" dirty="0"/>
               <a:t>Un service messagerie est un service observable qui avec se qui sera injecté dans les autres services et composants</a:t>
             </a:r>
           </a:p>
@@ -7450,11 +7224,7 @@
             </a:r>
             <a:r>
               <a:rPr lang="fr-FR" dirty="0"/>
-              <a:t> service </a:t>
-            </a:r>
-            <a:r>
-              <a:rPr lang="fr-FR" dirty="0" smtClean="0"/>
-              <a:t>message</a:t>
+              <a:t> service message</a:t>
             </a:r>
           </a:p>
           <a:p>
@@ -7472,13 +7242,6 @@
   <p:clrMapOvr>
     <a:masterClrMapping/>
   </p:clrMapOvr>
-  <p:timing>
-    <p:tnLst>
-      <p:par>
-        <p:cTn id="1" dur="indefinite" restart="never" nodeType="tmRoot"/>
-      </p:par>
-    </p:tnLst>
-  </p:timing>
 </p:sld>
 </file>
 
@@ -7515,26 +7278,21 @@
           <a:lstStyle/>
           <a:p>
             <a:r>
-              <a:rPr lang="fr-FR" dirty="0" err="1" smtClean="0"/>
+              <a:rPr lang="fr-FR" dirty="0" err="1"/>
               <a:t>Angular</a:t>
             </a:r>
             <a:r>
               <a:rPr lang="fr-FR" dirty="0"/>
-              <a:t> </a:t>
-            </a:r>
-            <a:r>
-              <a:rPr lang="fr-FR" dirty="0" smtClean="0"/>
-              <a:t>et </a:t>
-            </a:r>
-            <a:r>
-              <a:rPr lang="fr-FR" dirty="0" err="1" smtClean="0"/>
+              <a:t> et </a:t>
+            </a:r>
+            <a:r>
+              <a:rPr lang="fr-FR" dirty="0" err="1"/>
               <a:t>RxJS</a:t>
             </a:r>
             <a:r>
-              <a:rPr lang="fr-FR" dirty="0" smtClean="0"/>
+              <a:rPr lang="fr-FR" dirty="0"/>
               <a:t> 6</a:t>
             </a:r>
-            <a:endParaRPr lang="fr-FR" dirty="0"/>
           </a:p>
         </p:txBody>
       </p:sp>
@@ -7554,40 +7312,32 @@
           <a:lstStyle/>
           <a:p>
             <a:r>
-              <a:rPr lang="fr-FR" dirty="0" err="1" smtClean="0"/>
+              <a:rPr lang="fr-FR" dirty="0" err="1"/>
               <a:t>Angular</a:t>
             </a:r>
             <a:r>
-              <a:rPr lang="fr-FR" dirty="0" smtClean="0"/>
+              <a:rPr lang="fr-FR" dirty="0"/>
               <a:t> 8 utilise </a:t>
             </a:r>
             <a:r>
-              <a:rPr lang="fr-FR" dirty="0" err="1" smtClean="0"/>
+              <a:rPr lang="fr-FR" dirty="0" err="1"/>
               <a:t>RxJS</a:t>
             </a:r>
             <a:r>
-              <a:rPr lang="fr-FR" dirty="0" smtClean="0"/>
+              <a:rPr lang="fr-FR" dirty="0"/>
               <a:t> 6</a:t>
             </a:r>
           </a:p>
           <a:p>
             <a:pPr lvl="1"/>
             <a:r>
-              <a:rPr lang="fr-FR" dirty="0" smtClean="0"/>
-              <a:t>Assez différent des </a:t>
-            </a:r>
-            <a:r>
-              <a:rPr lang="fr-FR" dirty="0" smtClean="0"/>
-              <a:t>versions </a:t>
-            </a:r>
-            <a:r>
-              <a:rPr lang="fr-FR" dirty="0" smtClean="0"/>
-              <a:t>précédentes</a:t>
+              <a:rPr lang="fr-FR" dirty="0"/>
+              <a:t>Assez différent des versions précédentes</a:t>
             </a:r>
           </a:p>
           <a:p>
             <a:pPr lvl="1"/>
-            <a:endParaRPr lang="fr-FR" dirty="0" smtClean="0"/>
+            <a:endParaRPr lang="fr-FR" dirty="0"/>
           </a:p>
         </p:txBody>
       </p:sp>
@@ -7601,13 +7351,6 @@
   <p:clrMapOvr>
     <a:masterClrMapping/>
   </p:clrMapOvr>
-  <p:timing>
-    <p:tnLst>
-      <p:par>
-        <p:cTn id="1" dur="indefinite" restart="never" nodeType="tmRoot"/>
-      </p:par>
-    </p:tnLst>
-  </p:timing>
 </p:sld>
 </file>
 
@@ -7644,10 +7387,9 @@
           <a:lstStyle/>
           <a:p>
             <a:r>
-              <a:rPr lang="fr-FR" dirty="0" smtClean="0"/>
+              <a:rPr lang="fr-FR" dirty="0"/>
               <a:t>Service message</a:t>
             </a:r>
-            <a:endParaRPr lang="fr-FR" dirty="0"/>
           </a:p>
         </p:txBody>
       </p:sp>
@@ -7704,13 +7446,6 @@
   <p:clrMapOvr>
     <a:masterClrMapping/>
   </p:clrMapOvr>
-  <p:timing>
-    <p:tnLst>
-      <p:par>
-        <p:cTn id="1" dur="indefinite" restart="never" nodeType="tmRoot"/>
-      </p:par>
-    </p:tnLst>
-  </p:timing>
 </p:sld>
 </file>
 
@@ -7747,10 +7482,9 @@
           <a:lstStyle/>
           <a:p>
             <a:r>
-              <a:rPr lang="fr-FR" dirty="0" smtClean="0"/>
+              <a:rPr lang="fr-FR" dirty="0"/>
               <a:t>Injection d'un service</a:t>
             </a:r>
-            <a:endParaRPr lang="fr-FR" dirty="0"/>
           </a:p>
         </p:txBody>
       </p:sp>
@@ -7770,47 +7504,47 @@
           <a:lstStyle/>
           <a:p>
             <a:r>
-              <a:rPr lang="fr-FR" dirty="0" smtClean="0"/>
+              <a:rPr lang="fr-FR" dirty="0"/>
               <a:t>Le service </a:t>
             </a:r>
             <a:r>
-              <a:rPr lang="fr-FR" dirty="0" err="1" smtClean="0"/>
+              <a:rPr lang="fr-FR" dirty="0" err="1"/>
               <a:t>hero</a:t>
             </a:r>
             <a:r>
-              <a:rPr lang="fr-FR" dirty="0" smtClean="0"/>
+              <a:rPr lang="fr-FR" dirty="0"/>
               <a:t> a besoin du service message pour fonctionner</a:t>
             </a:r>
           </a:p>
           <a:p>
             <a:pPr lvl="1"/>
             <a:r>
-              <a:rPr lang="fr-FR" dirty="0" err="1" smtClean="0"/>
+              <a:rPr lang="fr-FR" dirty="0" err="1"/>
               <a:t>IoD</a:t>
             </a:r>
             <a:r>
-              <a:rPr lang="fr-FR" dirty="0" smtClean="0"/>
+              <a:rPr lang="fr-FR" dirty="0"/>
               <a:t> - Injection</a:t>
             </a:r>
           </a:p>
           <a:p>
             <a:pPr lvl="1"/>
             <a:r>
-              <a:rPr lang="fr-FR" dirty="0" smtClean="0"/>
+              <a:rPr lang="fr-FR" dirty="0"/>
               <a:t>Pas de new !</a:t>
             </a:r>
           </a:p>
           <a:p>
             <a:r>
-              <a:rPr lang="fr-FR" dirty="0" smtClean="0"/>
+              <a:rPr lang="fr-FR" dirty="0"/>
               <a:t>Dans </a:t>
             </a:r>
             <a:r>
-              <a:rPr lang="fr-FR" dirty="0" err="1" smtClean="0"/>
+              <a:rPr lang="fr-FR" dirty="0" err="1"/>
               <a:t>hello.Service.ts</a:t>
             </a:r>
             <a:r>
-              <a:rPr lang="fr-FR" dirty="0" smtClean="0"/>
+              <a:rPr lang="fr-FR" dirty="0"/>
               <a:t> il faut ajouter</a:t>
             </a:r>
           </a:p>
@@ -7841,7 +7575,7 @@
               <a:t>message.service</a:t>
             </a:r>
             <a:r>
-              <a:rPr lang="fr-FR" dirty="0" smtClean="0"/>
+              <a:rPr lang="fr-FR" dirty="0"/>
               <a:t>';</a:t>
             </a:r>
           </a:p>
@@ -7877,19 +7611,14 @@
             </a:r>
             <a:r>
               <a:rPr lang="fr-FR" dirty="0"/>
-              <a:t>) { </a:t>
-            </a:r>
-            <a:r>
-              <a:rPr lang="fr-FR" dirty="0" smtClean="0"/>
-              <a:t>}</a:t>
-            </a:r>
-          </a:p>
-          <a:p>
-            <a:r>
-              <a:rPr lang="fr-FR" dirty="0" smtClean="0"/>
+              <a:t>) { }</a:t>
+            </a:r>
+          </a:p>
+          <a:p>
+            <a:r>
+              <a:rPr lang="fr-FR" dirty="0"/>
               <a:t>Il s'agit d'un scenario service-in-service</a:t>
             </a:r>
-            <a:endParaRPr lang="fr-FR" dirty="0"/>
           </a:p>
         </p:txBody>
       </p:sp>
@@ -7903,13 +7632,6 @@
   <p:clrMapOvr>
     <a:masterClrMapping/>
   </p:clrMapOvr>
-  <p:timing>
-    <p:tnLst>
-      <p:par>
-        <p:cTn id="1" dur="indefinite" restart="never" nodeType="tmRoot"/>
-      </p:par>
-    </p:tnLst>
-  </p:timing>
 </p:sld>
 </file>
 
@@ -7946,10 +7668,9 @@
           <a:lstStyle/>
           <a:p>
             <a:r>
-              <a:rPr lang="fr-FR" dirty="0" smtClean="0"/>
+              <a:rPr lang="fr-FR" dirty="0"/>
               <a:t>service-in-service</a:t>
             </a:r>
-            <a:endParaRPr lang="fr-FR" dirty="0"/>
           </a:p>
         </p:txBody>
       </p:sp>
@@ -7969,7 +7690,7 @@
           <a:lstStyle/>
           <a:p>
             <a:r>
-              <a:rPr lang="fr-FR" dirty="0" smtClean="0"/>
+              <a:rPr lang="fr-FR" dirty="0"/>
               <a:t>Un service après injection peut donc utiliser un autre service</a:t>
             </a:r>
           </a:p>
@@ -8009,13 +7730,6 @@
   <p:clrMapOvr>
     <a:masterClrMapping/>
   </p:clrMapOvr>
-  <p:timing>
-    <p:tnLst>
-      <p:par>
-        <p:cTn id="1" dur="indefinite" restart="never" nodeType="tmRoot"/>
-      </p:par>
-    </p:tnLst>
-  </p:timing>
 </p:sld>
 </file>
 
@@ -8052,10 +7766,9 @@
           <a:lstStyle/>
           <a:p>
             <a:r>
-              <a:rPr lang="fr-FR" dirty="0" smtClean="0"/>
+              <a:rPr lang="fr-FR" dirty="0"/>
               <a:t>Affichage du message</a:t>
             </a:r>
-            <a:endParaRPr lang="fr-FR" dirty="0"/>
           </a:p>
         </p:txBody>
       </p:sp>
@@ -8075,37 +7788,37 @@
           <a:lstStyle/>
           <a:p>
             <a:r>
-              <a:rPr lang="fr-FR" dirty="0" smtClean="0"/>
+              <a:rPr lang="fr-FR" dirty="0"/>
               <a:t>Le message peut être affiché depuis un composant</a:t>
             </a:r>
           </a:p>
           <a:p>
             <a:pPr lvl="1"/>
             <a:r>
-              <a:rPr lang="fr-FR" dirty="0" smtClean="0"/>
+              <a:rPr lang="fr-FR" dirty="0"/>
               <a:t>Il est préférable de créer un nouveau composant plutôt que de réutilisé </a:t>
             </a:r>
             <a:r>
-              <a:rPr lang="fr-FR" dirty="0" err="1" smtClean="0"/>
+              <a:rPr lang="fr-FR" dirty="0" err="1"/>
               <a:t>hero-details</a:t>
             </a:r>
-            <a:endParaRPr lang="fr-FR" dirty="0" smtClean="0"/>
+            <a:endParaRPr lang="fr-FR" dirty="0"/>
           </a:p>
           <a:p>
             <a:pPr lvl="1"/>
             <a:r>
-              <a:rPr lang="fr-FR" dirty="0" err="1" smtClean="0"/>
+              <a:rPr lang="fr-FR" dirty="0" err="1"/>
               <a:t>Separation</a:t>
             </a:r>
             <a:r>
-              <a:rPr lang="fr-FR" dirty="0" smtClean="0"/>
+              <a:rPr lang="fr-FR" dirty="0"/>
               <a:t> of </a:t>
             </a:r>
             <a:r>
-              <a:rPr lang="fr-FR" dirty="0" err="1" smtClean="0"/>
+              <a:rPr lang="fr-FR" dirty="0" err="1"/>
               <a:t>Concern</a:t>
             </a:r>
-            <a:endParaRPr lang="fr-FR" dirty="0" smtClean="0"/>
+            <a:endParaRPr lang="fr-FR" dirty="0"/>
           </a:p>
           <a:p>
             <a:pPr lvl="1"/>
@@ -8123,11 +7836,7 @@
             </a:r>
             <a:r>
               <a:rPr lang="fr-FR" dirty="0"/>
-              <a:t> component </a:t>
-            </a:r>
-            <a:r>
-              <a:rPr lang="fr-FR" dirty="0" smtClean="0"/>
-              <a:t>messages</a:t>
+              <a:t> component messages</a:t>
             </a:r>
           </a:p>
           <a:p>
@@ -8157,7 +7866,7 @@
               <a:t>message.service</a:t>
             </a:r>
             <a:r>
-              <a:rPr lang="fr-FR" dirty="0" smtClean="0"/>
+              <a:rPr lang="fr-FR" dirty="0"/>
               <a:t>';</a:t>
             </a:r>
           </a:p>
@@ -8187,7 +7896,6 @@
               <a:rPr lang="fr-FR" dirty="0"/>
               <a:t>) {}</a:t>
             </a:r>
-            <a:endParaRPr lang="fr-FR" dirty="0" smtClean="0"/>
           </a:p>
           <a:p>
             <a:endParaRPr lang="fr-FR" dirty="0"/>
@@ -8204,13 +7912,6 @@
   <p:clrMapOvr>
     <a:masterClrMapping/>
   </p:clrMapOvr>
-  <p:timing>
-    <p:tnLst>
-      <p:par>
-        <p:cTn id="1" dur="indefinite" restart="never" nodeType="tmRoot"/>
-      </p:par>
-    </p:tnLst>
-  </p:timing>
 </p:sld>
 </file>
 
@@ -8247,10 +7948,9 @@
           <a:lstStyle/>
           <a:p>
             <a:r>
-              <a:rPr lang="fr-FR" dirty="0" smtClean="0"/>
+              <a:rPr lang="fr-FR" dirty="0"/>
               <a:t>Introduction</a:t>
             </a:r>
-            <a:endParaRPr lang="fr-FR" dirty="0"/>
           </a:p>
         </p:txBody>
       </p:sp>
@@ -8271,72 +7971,34 @@
           <a:p>
             <a:r>
               <a:rPr lang="fr-FR" dirty="0"/>
-              <a:t>Tout comme les promesses avaient </a:t>
-            </a:r>
-            <a:r>
-              <a:rPr lang="fr-FR" dirty="0" smtClean="0"/>
-              <a:t>modifiées </a:t>
-            </a:r>
-            <a:r>
-              <a:rPr lang="fr-FR" dirty="0"/>
-              <a:t>nos habitudes, la programmation réactive nous oblige à apprendre un nouveau </a:t>
-            </a:r>
-            <a:r>
-              <a:rPr lang="fr-FR" dirty="0" smtClean="0"/>
-              <a:t>paradigme</a:t>
-            </a:r>
-          </a:p>
-          <a:p>
-            <a:r>
-              <a:rPr lang="fr-FR" dirty="0"/>
-              <a:t>La programmation réactive se base sur le concept </a:t>
-            </a:r>
-            <a:r>
-              <a:rPr lang="fr-FR" dirty="0" smtClean="0"/>
-              <a:t>d'observateur</a:t>
+              <a:t>Tout comme les promesses avaient modifiées nos habitudes, la programmation réactive nous oblige à apprendre un nouveau paradigme</a:t>
+            </a:r>
+          </a:p>
+          <a:p>
+            <a:r>
+              <a:rPr lang="fr-FR" dirty="0"/>
+              <a:t>La programmation réactive se base sur le concept d'observateur</a:t>
             </a:r>
           </a:p>
           <a:p>
             <a:pPr lvl="1"/>
             <a:r>
-              <a:rPr lang="fr-FR" dirty="0" smtClean="0"/>
-              <a:t>On </a:t>
-            </a:r>
-            <a:r>
-              <a:rPr lang="fr-FR" dirty="0"/>
-              <a:t>définit des observables et des </a:t>
-            </a:r>
-            <a:r>
-              <a:rPr lang="fr-FR" dirty="0" smtClean="0"/>
-              <a:t>observateurs</a:t>
+              <a:rPr lang="fr-FR" dirty="0"/>
+              <a:t>On définit des observables et des observateurs</a:t>
             </a:r>
           </a:p>
           <a:p>
             <a:pPr lvl="1"/>
             <a:r>
-              <a:rPr lang="fr-FR" dirty="0" smtClean="0"/>
-              <a:t>Les </a:t>
-            </a:r>
-            <a:r>
-              <a:rPr lang="fr-FR" dirty="0"/>
-              <a:t>observables vont émettre des événements qui seront interceptés par les </a:t>
-            </a:r>
-            <a:r>
-              <a:rPr lang="fr-FR" dirty="0" smtClean="0"/>
-              <a:t>observateurs</a:t>
-            </a:r>
-            <a:endParaRPr lang="fr-FR" dirty="0"/>
-          </a:p>
-          <a:p>
-            <a:r>
-              <a:rPr lang="fr-FR" dirty="0" smtClean="0"/>
-              <a:t>La </a:t>
-            </a:r>
-            <a:r>
-              <a:rPr lang="fr-FR" dirty="0"/>
-              <a:t>programmation réactive va étendre ce concept en permettant de combiner les observables, modifier les événements à la volée, les filtrer</a:t>
-            </a:r>
-            <a:endParaRPr lang="fr-FR" dirty="0" smtClean="0"/>
+              <a:rPr lang="fr-FR" dirty="0"/>
+              <a:t>Les observables vont émettre des événements qui seront interceptés par les observateurs</a:t>
+            </a:r>
+          </a:p>
+          <a:p>
+            <a:r>
+              <a:rPr lang="fr-FR" dirty="0"/>
+              <a:t>La programmation réactive va étendre ce concept en permettant de combiner les observables, modifier les événements à la volée, les filtrer</a:t>
+            </a:r>
           </a:p>
           <a:p>
             <a:endParaRPr lang="fr-FR" dirty="0"/>
@@ -8353,13 +8015,6 @@
   <p:clrMapOvr>
     <a:masterClrMapping/>
   </p:clrMapOvr>
-  <p:timing>
-    <p:tnLst>
-      <p:par>
-        <p:cTn id="1" dur="indefinite" restart="never" nodeType="tmRoot"/>
-      </p:par>
-    </p:tnLst>
-  </p:timing>
 </p:sld>
 </file>
 
@@ -8396,10 +8051,9 @@
           <a:lstStyle/>
           <a:p>
             <a:r>
-              <a:rPr lang="fr-FR" dirty="0" smtClean="0"/>
+              <a:rPr lang="fr-FR" dirty="0"/>
               <a:t>Observable</a:t>
             </a:r>
-            <a:endParaRPr lang="fr-FR" dirty="0"/>
           </a:p>
         </p:txBody>
       </p:sp>
@@ -8419,99 +8073,74 @@
           <a:lstStyle/>
           <a:p>
             <a:r>
-              <a:rPr lang="fr-FR" dirty="0" smtClean="0"/>
-              <a:t>Observable </a:t>
-            </a:r>
-            <a:r>
-              <a:rPr lang="fr-FR" dirty="0"/>
-              <a:t>est l'objet de base de la programmation </a:t>
-            </a:r>
-            <a:r>
-              <a:rPr lang="fr-FR" dirty="0" smtClean="0"/>
-              <a:t>réactive</a:t>
+              <a:rPr lang="fr-FR" dirty="0"/>
+              <a:t>Observable est l'objet de base de la programmation réactive</a:t>
             </a:r>
           </a:p>
           <a:p>
             <a:pPr lvl="1"/>
             <a:r>
-              <a:rPr lang="fr-FR" dirty="0" smtClean="0"/>
+              <a:rPr lang="fr-FR" dirty="0"/>
               <a:t>Se trouve dans le module </a:t>
             </a:r>
             <a:r>
-              <a:rPr lang="fr-FR" dirty="0" err="1" smtClean="0"/>
+              <a:rPr lang="fr-FR" dirty="0" err="1"/>
               <a:t>RxJS</a:t>
             </a:r>
-            <a:endParaRPr lang="fr-FR" dirty="0" smtClean="0"/>
+            <a:endParaRPr lang="fr-FR" dirty="0"/>
           </a:p>
           <a:p>
             <a:pPr lvl="1"/>
             <a:r>
               <a:rPr lang="en-US" dirty="0"/>
-              <a:t>import { </a:t>
-            </a:r>
-            <a:r>
-              <a:rPr lang="en-US" dirty="0" smtClean="0"/>
-              <a:t>Observable, of, … </a:t>
-            </a:r>
-            <a:r>
-              <a:rPr lang="en-US" dirty="0"/>
-              <a:t>} from '</a:t>
+              <a:t>import { Observable, of, … } from '</a:t>
             </a:r>
             <a:r>
               <a:rPr lang="en-US" dirty="0" err="1"/>
               <a:t>rxjs</a:t>
             </a:r>
             <a:r>
-              <a:rPr lang="en-US" dirty="0" smtClean="0"/>
+              <a:rPr lang="en-US" dirty="0"/>
               <a:t>';</a:t>
             </a:r>
-            <a:endParaRPr lang="en-US" dirty="0"/>
           </a:p>
           <a:p>
             <a:pPr lvl="1"/>
             <a:r>
-              <a:rPr lang="fr-FR" dirty="0" smtClean="0"/>
-              <a:t>C'est </a:t>
-            </a:r>
-            <a:r>
-              <a:rPr lang="fr-FR" dirty="0"/>
-              <a:t>lui qui va nous permettre de créer </a:t>
-            </a:r>
-            <a:r>
-              <a:rPr lang="fr-FR" dirty="0" smtClean="0"/>
-              <a:t>des observables</a:t>
+              <a:rPr lang="fr-FR" dirty="0"/>
+              <a:t>C'est lui qui va nous permettre de créer des observables</a:t>
             </a:r>
           </a:p>
           <a:p>
             <a:pPr lvl="1"/>
             <a:r>
-              <a:rPr lang="fr-FR" dirty="0" smtClean="0"/>
+              <a:rPr lang="fr-FR" dirty="0"/>
               <a:t>Voir </a:t>
             </a:r>
             <a:r>
-              <a:rPr lang="fr-FR" dirty="0" err="1" smtClean="0"/>
+              <a:rPr lang="fr-FR" dirty="0" err="1"/>
               <a:t>react.spec.ts</a:t>
             </a:r>
-            <a:endParaRPr lang="fr-FR" dirty="0" smtClean="0"/>
-          </a:p>
-          <a:p>
-            <a:r>
-              <a:rPr lang="fr-FR" dirty="0" smtClean="0"/>
+            <a:endParaRPr lang="fr-FR" dirty="0"/>
+          </a:p>
+          <a:p>
+            <a:r>
+              <a:rPr lang="fr-FR" dirty="0"/>
               <a:t>Pattern </a:t>
             </a:r>
             <a:r>
-              <a:rPr lang="fr-FR" dirty="0" err="1" smtClean="0"/>
+              <a:rPr lang="fr-FR" dirty="0" err="1"/>
               <a:t>Publish</a:t>
             </a:r>
             <a:r>
-              <a:rPr lang="fr-FR" dirty="0" smtClean="0"/>
+              <a:rPr lang="fr-FR" dirty="0"/>
               <a:t> - </a:t>
             </a:r>
             <a:r>
-              <a:rPr lang="fr-FR" dirty="0" err="1" smtClean="0"/>
+              <a:rPr lang="fr-FR" dirty="0" err="1"/>
               <a:t>Subscribe</a:t>
             </a:r>
-            <a:endParaRPr lang="fr-FR" dirty="0" smtClean="0"/>
+            <a:endParaRPr lang="fr-FR" dirty="0"/>
           </a:p>
         </p:txBody>
       </p:sp>
@@ -8525,13 +8154,6 @@
   <p:clrMapOvr>
     <a:masterClrMapping/>
   </p:clrMapOvr>
-  <p:timing>
-    <p:tnLst>
-      <p:par>
-        <p:cTn id="1" dur="indefinite" restart="never" nodeType="tmRoot"/>
-      </p:par>
-    </p:tnLst>
-  </p:timing>
 </p:sld>
 </file>
 
@@ -8568,10 +8190,9 @@
           <a:lstStyle/>
           <a:p>
             <a:r>
-              <a:rPr lang="fr-FR" dirty="0" smtClean="0"/>
+              <a:rPr lang="fr-FR" dirty="0"/>
               <a:t>Observation</a:t>
             </a:r>
-            <a:endParaRPr lang="fr-FR" dirty="0"/>
           </a:p>
         </p:txBody>
       </p:sp>
@@ -8591,7 +8212,7 @@
           <a:lstStyle/>
           <a:p>
             <a:r>
-              <a:rPr lang="fr-FR" dirty="0" smtClean="0"/>
+              <a:rPr lang="fr-FR" dirty="0"/>
               <a:t>Of</a:t>
             </a:r>
           </a:p>
@@ -8599,65 +8220,35 @@
             <a:pPr lvl="1"/>
             <a:r>
               <a:rPr lang="fr-FR" dirty="0"/>
-              <a:t>of est la méthode la plus simple et permet de créer un observable n'envoyant qu'une </a:t>
-            </a:r>
-            <a:r>
-              <a:rPr lang="fr-FR" dirty="0" smtClean="0"/>
-              <a:t>instance</a:t>
-            </a:r>
-            <a:endParaRPr lang="fr-FR" dirty="0" smtClean="0"/>
+              <a:t>of est la méthode la plus simple et permet de créer un observable n'envoyant qu'une instance</a:t>
+            </a:r>
           </a:p>
           <a:p>
             <a:pPr lvl="1"/>
             <a:r>
               <a:rPr lang="en-US" dirty="0" err="1"/>
-              <a:t>c</a:t>
-            </a:r>
-            <a:r>
-              <a:rPr lang="en-US" dirty="0" err="1" smtClean="0"/>
-              <a:t>onst</a:t>
-            </a:r>
-            <a:r>
-              <a:rPr lang="en-US" dirty="0" smtClean="0"/>
+              <a:t>const</a:t>
+            </a:r>
+            <a:r>
+              <a:rPr lang="en-US" dirty="0"/>
               <a:t> </a:t>
             </a:r>
             <a:r>
-              <a:rPr lang="en-US" dirty="0" err="1" smtClean="0"/>
+              <a:rPr lang="en-US" dirty="0" err="1"/>
               <a:t>myObservable</a:t>
             </a:r>
             <a:r>
-              <a:rPr lang="en-US" dirty="0" smtClean="0"/>
-              <a:t> </a:t>
-            </a:r>
-            <a:r>
               <a:rPr lang="en-US" dirty="0"/>
-              <a:t>= </a:t>
-            </a:r>
-            <a:r>
-              <a:rPr lang="en-US" dirty="0" smtClean="0"/>
-              <a:t>of(42</a:t>
-            </a:r>
-            <a:r>
-              <a:rPr lang="en-US" dirty="0"/>
-              <a:t>);</a:t>
+              <a:t> = of(42);</a:t>
             </a:r>
             <a:endParaRPr lang="fr-FR" dirty="0"/>
           </a:p>
           <a:p>
             <a:pPr lvl="1"/>
             <a:r>
-              <a:rPr lang="fr-FR" dirty="0" smtClean="0"/>
-              <a:t>Nous </a:t>
-            </a:r>
-            <a:r>
-              <a:rPr lang="fr-FR" dirty="0"/>
-              <a:t>avons donc un observable mais personne pour le </a:t>
-            </a:r>
-            <a:r>
-              <a:rPr lang="fr-FR" dirty="0" smtClean="0"/>
-              <a:t>surveiller</a:t>
-            </a:r>
-            <a:endParaRPr lang="fr-FR" dirty="0"/>
+              <a:rPr lang="fr-FR" dirty="0"/>
+              <a:t>Nous avons donc un observable mais personne pour le surveiller</a:t>
+            </a:r>
           </a:p>
         </p:txBody>
       </p:sp>
@@ -8671,13 +8262,6 @@
   <p:clrMapOvr>
     <a:masterClrMapping/>
   </p:clrMapOvr>
-  <p:timing>
-    <p:tnLst>
-      <p:par>
-        <p:cTn id="1" dur="indefinite" restart="never" nodeType="tmRoot"/>
-      </p:par>
-    </p:tnLst>
-  </p:timing>
 </p:sld>
 </file>
 
@@ -8714,10 +8298,9 @@
           <a:lstStyle/>
           <a:p>
             <a:r>
-              <a:rPr lang="fr-FR" dirty="0" smtClean="0"/>
+              <a:rPr lang="fr-FR" dirty="0"/>
               <a:t>Souscription</a:t>
             </a:r>
-            <a:endParaRPr lang="fr-FR" dirty="0"/>
           </a:p>
         </p:txBody>
       </p:sp>
@@ -8737,26 +8320,21 @@
           <a:lstStyle/>
           <a:p>
             <a:r>
-              <a:rPr lang="fr-FR" dirty="0" err="1" smtClean="0"/>
-              <a:t>subscribe</a:t>
-            </a:r>
-            <a:endParaRPr lang="fr-FR" dirty="0"/>
-          </a:p>
-          <a:p>
-            <a:pPr lvl="1"/>
-            <a:r>
               <a:rPr lang="fr-FR" dirty="0" err="1"/>
               <a:t>subscribe</a:t>
             </a:r>
-            <a:r>
-              <a:rPr lang="fr-FR" dirty="0"/>
-              <a:t> prend en paramètre l'observateur, qui est une simple fonction qui recevra les valeurs émises par </a:t>
-            </a:r>
-            <a:r>
-              <a:rPr lang="fr-FR" dirty="0" smtClean="0"/>
-              <a:t>l'observable</a:t>
-            </a:r>
             <a:endParaRPr lang="fr-FR" dirty="0"/>
+          </a:p>
+          <a:p>
+            <a:pPr lvl="1"/>
+            <a:r>
+              <a:rPr lang="fr-FR" dirty="0" err="1"/>
+              <a:t>subscribe</a:t>
+            </a:r>
+            <a:r>
+              <a:rPr lang="fr-FR" dirty="0"/>
+              <a:t> prend en paramètre l'observateur, qui est une simple fonction qui recevra les valeurs émises par l'observable</a:t>
+            </a:r>
           </a:p>
           <a:p>
             <a:pPr lvl="1"/>
@@ -8766,11 +8344,7 @@
             </a:r>
             <a:r>
               <a:rPr lang="fr-FR" dirty="0"/>
-              <a:t>((value) =&gt; { console.log(value); </a:t>
-            </a:r>
-            <a:r>
-              <a:rPr lang="fr-FR" dirty="0" smtClean="0"/>
-              <a:t>}); // 42</a:t>
+              <a:t>((value) =&gt; { console.log(value); }); // 42</a:t>
             </a:r>
           </a:p>
           <a:p>
@@ -8789,13 +8363,6 @@
   <p:clrMapOvr>
     <a:masterClrMapping/>
   </p:clrMapOvr>
-  <p:timing>
-    <p:tnLst>
-      <p:par>
-        <p:cTn id="1" dur="indefinite" restart="never" nodeType="tmRoot"/>
-      </p:par>
-    </p:tnLst>
-  </p:timing>
 </p:sld>
 </file>
 
@@ -8832,10 +8399,9 @@
           <a:lstStyle/>
           <a:p>
             <a:r>
-              <a:rPr lang="fr-FR" dirty="0" smtClean="0"/>
+              <a:rPr lang="fr-FR" dirty="0"/>
               <a:t>Gestion des souscriptions</a:t>
             </a:r>
-            <a:endParaRPr lang="fr-FR" dirty="0"/>
           </a:p>
         </p:txBody>
       </p:sp>
@@ -8860,43 +8426,22 @@
             </a:r>
             <a:r>
               <a:rPr lang="fr-FR" dirty="0"/>
-              <a:t> peut également prendre deux autres </a:t>
-            </a:r>
-            <a:r>
-              <a:rPr lang="fr-FR" dirty="0" smtClean="0"/>
-              <a:t>arguments</a:t>
+              <a:t> peut également prendre deux autres arguments</a:t>
             </a:r>
           </a:p>
           <a:p>
             <a:pPr lvl="1"/>
             <a:r>
-              <a:rPr lang="fr-FR" dirty="0" smtClean="0"/>
-              <a:t>une </a:t>
-            </a:r>
-            <a:r>
-              <a:rPr lang="fr-FR" dirty="0"/>
-              <a:t>fonction appelée en cas </a:t>
-            </a:r>
-            <a:r>
-              <a:rPr lang="fr-FR" dirty="0" smtClean="0"/>
-              <a:t>d'erreur</a:t>
+              <a:rPr lang="fr-FR" dirty="0"/>
+              <a:t>une fonction appelée en cas d'erreur</a:t>
             </a:r>
           </a:p>
           <a:p>
             <a:pPr lvl="1"/>
             <a:r>
-              <a:rPr lang="fr-FR" dirty="0" smtClean="0"/>
-              <a:t>une </a:t>
-            </a:r>
-            <a:r>
-              <a:rPr lang="fr-FR" dirty="0"/>
-              <a:t>autre appelée une fois l'observable </a:t>
-            </a:r>
-            <a:r>
-              <a:rPr lang="fr-FR" dirty="0" smtClean="0"/>
-              <a:t>fini</a:t>
-            </a:r>
-            <a:endParaRPr lang="fr-FR" dirty="0"/>
+              <a:rPr lang="fr-FR" dirty="0"/>
+              <a:t>une autre appelée une fois l'observable fini</a:t>
+            </a:r>
           </a:p>
         </p:txBody>
       </p:sp>
@@ -8934,13 +8479,6 @@
   <p:clrMapOvr>
     <a:masterClrMapping/>
   </p:clrMapOvr>
-  <p:timing>
-    <p:tnLst>
-      <p:par>
-        <p:cTn id="1" dur="indefinite" restart="never" nodeType="tmRoot"/>
-      </p:par>
-    </p:tnLst>
-  </p:timing>
 </p:sld>
 </file>
 
@@ -8977,10 +8515,9 @@
           <a:lstStyle/>
           <a:p>
             <a:r>
-              <a:rPr lang="fr-FR" dirty="0" smtClean="0"/>
+              <a:rPr lang="fr-FR" dirty="0"/>
               <a:t>Observable sur collection</a:t>
             </a:r>
-            <a:endParaRPr lang="fr-FR" dirty="0"/>
           </a:p>
         </p:txBody>
       </p:sp>
@@ -9000,26 +8537,22 @@
           <a:lstStyle/>
           <a:p>
             <a:r>
-              <a:rPr lang="fr-FR" dirty="0" err="1" smtClean="0"/>
+              <a:rPr lang="fr-FR" dirty="0" err="1"/>
               <a:t>from</a:t>
             </a:r>
-            <a:endParaRPr lang="fr-FR" dirty="0" smtClean="0"/>
+            <a:endParaRPr lang="fr-FR" dirty="0"/>
           </a:p>
           <a:p>
             <a:pPr lvl="1"/>
             <a:r>
               <a:rPr lang="fr-FR" dirty="0"/>
-              <a:t>Il existe d'autres manière de créer des observateurs à partir de différentes sources de </a:t>
-            </a:r>
-            <a:r>
-              <a:rPr lang="fr-FR" dirty="0" smtClean="0"/>
-              <a:t>données</a:t>
+              <a:t>Il existe d'autres manière de créer des observateurs à partir de différentes sources de données</a:t>
             </a:r>
           </a:p>
           <a:p>
             <a:pPr lvl="1"/>
             <a:r>
-              <a:rPr lang="fr-FR" dirty="0" smtClean="0"/>
+              <a:rPr lang="fr-FR" dirty="0"/>
               <a:t>A partir d'une collection</a:t>
             </a:r>
           </a:p>
@@ -9031,16 +8564,12 @@
             </a:r>
             <a:r>
               <a:rPr lang="en-US" dirty="0"/>
-              <a:t> myObservable2 = from(['bonjour', 'le', 'monde</a:t>
-            </a:r>
-            <a:r>
-              <a:rPr lang="en-US" dirty="0" smtClean="0"/>
-              <a:t>']);</a:t>
-            </a:r>
-          </a:p>
-          <a:p>
-            <a:r>
-              <a:rPr lang="en-US" dirty="0" smtClean="0"/>
+              <a:t> myObservable2 = from(['bonjour', 'le', 'monde']);</a:t>
+            </a:r>
+          </a:p>
+          <a:p>
+            <a:r>
+              <a:rPr lang="en-US" dirty="0"/>
               <a:t>of</a:t>
             </a:r>
           </a:p>
@@ -9052,25 +8581,12 @@
             </a:r>
             <a:r>
               <a:rPr lang="en-US" dirty="0"/>
-              <a:t> myObservable2 = </a:t>
-            </a:r>
-            <a:r>
-              <a:rPr lang="en-US" dirty="0" smtClean="0"/>
-              <a:t>of('bonjour</a:t>
-            </a:r>
-            <a:r>
-              <a:rPr lang="en-US" dirty="0"/>
-              <a:t>', 'le', 'monde</a:t>
-            </a:r>
-            <a:r>
-              <a:rPr lang="en-US" dirty="0" smtClean="0"/>
-              <a:t>');</a:t>
-            </a:r>
+              <a:t> myObservable2 = of('bonjour', 'le', 'monde');</a:t>
+            </a:r>
+          </a:p>
+          <a:p>
+            <a:pPr lvl="1"/>
             <a:endParaRPr lang="en-US" dirty="0"/>
-          </a:p>
-          <a:p>
-            <a:pPr lvl="1"/>
-            <a:endParaRPr lang="en-US" dirty="0" smtClean="0"/>
           </a:p>
           <a:p>
             <a:pPr lvl="1"/>
@@ -9088,13 +8604,6 @@
   <p:clrMapOvr>
     <a:masterClrMapping/>
   </p:clrMapOvr>
-  <p:timing>
-    <p:tnLst>
-      <p:par>
-        <p:cTn id="1" dur="indefinite" restart="never" nodeType="tmRoot"/>
-      </p:par>
-    </p:tnLst>
-  </p:timing>
 </p:sld>
 </file>
 

--- a/PPT/Angular14-RXJS.pptx
+++ b/PPT/Angular14-RXJS.pptx
@@ -5,10 +5,10 @@
     <p:sldMasterId id="2147483653" r:id="rId1"/>
   </p:sldMasterIdLst>
   <p:notesMasterIdLst>
-    <p:notesMasterId r:id="rId35"/>
+    <p:notesMasterId r:id="rId33"/>
   </p:notesMasterIdLst>
   <p:handoutMasterIdLst>
-    <p:handoutMasterId r:id="rId36"/>
+    <p:handoutMasterId r:id="rId34"/>
   </p:handoutMasterIdLst>
   <p:sldIdLst>
     <p:sldId id="264" r:id="rId2"/>
@@ -42,8 +42,6 @@
     <p:sldId id="286" r:id="rId30"/>
     <p:sldId id="287" r:id="rId31"/>
     <p:sldId id="288" r:id="rId32"/>
-    <p:sldId id="289" r:id="rId33"/>
-    <p:sldId id="290" r:id="rId34"/>
   </p:sldIdLst>
   <p:sldSz cx="9144000" cy="6858000" type="screen4x3"/>
   <p:notesSz cx="6648450" cy="9782175"/>
@@ -7089,7 +7087,7 @@
           <a:p>
             <a:r>
               <a:rPr lang="fr-FR" dirty="0"/>
-              <a:t>Gestion des messages</a:t>
+              <a:t>Service in Service</a:t>
             </a:r>
           </a:p>
         </p:txBody>
@@ -7183,7 +7181,7 @@
           <a:p>
             <a:r>
               <a:rPr lang="fr-FR" dirty="0"/>
-              <a:t>Création d'un service messagerie</a:t>
+              <a:t>Service in Service</a:t>
             </a:r>
           </a:p>
         </p:txBody>
@@ -7483,7 +7481,7 @@
           <a:p>
             <a:r>
               <a:rPr lang="fr-FR" dirty="0"/>
-              <a:t>Injection d'un service</a:t>
+              <a:t>Service in Service</a:t>
             </a:r>
           </a:p>
         </p:txBody>
@@ -7626,286 +7624,6 @@
     <p:extLst>
       <p:ext uri="{BB962C8B-B14F-4D97-AF65-F5344CB8AC3E}">
         <p14:creationId xmlns:p14="http://schemas.microsoft.com/office/powerpoint/2010/main" val="1920709861"/>
-      </p:ext>
-    </p:extLst>
-  </p:cSld>
-  <p:clrMapOvr>
-    <a:masterClrMapping/>
-  </p:clrMapOvr>
-</p:sld>
-</file>
-
-<file path=ppt/slides/slide32.xml><?xml version="1.0" encoding="utf-8"?>
-<p:sld xmlns:a="http://schemas.openxmlformats.org/drawingml/2006/main" xmlns:r="http://schemas.openxmlformats.org/officeDocument/2006/relationships" xmlns:p="http://schemas.openxmlformats.org/presentationml/2006/main">
-  <p:cSld>
-    <p:spTree>
-      <p:nvGrpSpPr>
-        <p:cNvPr id="1" name=""/>
-        <p:cNvGrpSpPr/>
-        <p:nvPr/>
-      </p:nvGrpSpPr>
-      <p:grpSpPr>
-        <a:xfrm>
-          <a:off x="0" y="0"/>
-          <a:ext cx="0" cy="0"/>
-          <a:chOff x="0" y="0"/>
-          <a:chExt cx="0" cy="0"/>
-        </a:xfrm>
-      </p:grpSpPr>
-      <p:sp>
-        <p:nvSpPr>
-          <p:cNvPr id="2" name="Titre 1"/>
-          <p:cNvSpPr>
-            <a:spLocks noGrp="1"/>
-          </p:cNvSpPr>
-          <p:nvPr>
-            <p:ph type="title"/>
-          </p:nvPr>
-        </p:nvSpPr>
-        <p:spPr/>
-        <p:txBody>
-          <a:bodyPr/>
-          <a:lstStyle/>
-          <a:p>
-            <a:r>
-              <a:rPr lang="fr-FR" dirty="0"/>
-              <a:t>service-in-service</a:t>
-            </a:r>
-          </a:p>
-        </p:txBody>
-      </p:sp>
-      <p:sp>
-        <p:nvSpPr>
-          <p:cNvPr id="3" name="Espace réservé du contenu 2"/>
-          <p:cNvSpPr>
-            <a:spLocks noGrp="1"/>
-          </p:cNvSpPr>
-          <p:nvPr>
-            <p:ph idx="1"/>
-          </p:nvPr>
-        </p:nvSpPr>
-        <p:spPr/>
-        <p:txBody>
-          <a:bodyPr/>
-          <a:lstStyle/>
-          <a:p>
-            <a:r>
-              <a:rPr lang="fr-FR" dirty="0"/>
-              <a:t>Un service après injection peut donc utiliser un autre service</a:t>
-            </a:r>
-          </a:p>
-        </p:txBody>
-      </p:sp>
-      <p:pic>
-        <p:nvPicPr>
-          <p:cNvPr id="4" name="Image 3"/>
-          <p:cNvPicPr>
-            <a:picLocks noChangeAspect="1"/>
-          </p:cNvPicPr>
-          <p:nvPr/>
-        </p:nvPicPr>
-        <p:blipFill>
-          <a:blip r:embed="rId2"/>
-          <a:stretch>
-            <a:fillRect/>
-          </a:stretch>
-        </p:blipFill>
-        <p:spPr>
-          <a:xfrm>
-            <a:off x="467544" y="2708920"/>
-            <a:ext cx="7511160" cy="2088232"/>
-          </a:xfrm>
-          <a:prstGeom prst="rect">
-            <a:avLst/>
-          </a:prstGeom>
-        </p:spPr>
-      </p:pic>
-    </p:spTree>
-    <p:extLst>
-      <p:ext uri="{BB962C8B-B14F-4D97-AF65-F5344CB8AC3E}">
-        <p14:creationId xmlns:p14="http://schemas.microsoft.com/office/powerpoint/2010/main" val="3565227874"/>
-      </p:ext>
-    </p:extLst>
-  </p:cSld>
-  <p:clrMapOvr>
-    <a:masterClrMapping/>
-  </p:clrMapOvr>
-</p:sld>
-</file>
-
-<file path=ppt/slides/slide33.xml><?xml version="1.0" encoding="utf-8"?>
-<p:sld xmlns:a="http://schemas.openxmlformats.org/drawingml/2006/main" xmlns:r="http://schemas.openxmlformats.org/officeDocument/2006/relationships" xmlns:p="http://schemas.openxmlformats.org/presentationml/2006/main">
-  <p:cSld>
-    <p:spTree>
-      <p:nvGrpSpPr>
-        <p:cNvPr id="1" name=""/>
-        <p:cNvGrpSpPr/>
-        <p:nvPr/>
-      </p:nvGrpSpPr>
-      <p:grpSpPr>
-        <a:xfrm>
-          <a:off x="0" y="0"/>
-          <a:ext cx="0" cy="0"/>
-          <a:chOff x="0" y="0"/>
-          <a:chExt cx="0" cy="0"/>
-        </a:xfrm>
-      </p:grpSpPr>
-      <p:sp>
-        <p:nvSpPr>
-          <p:cNvPr id="2" name="Titre 1"/>
-          <p:cNvSpPr>
-            <a:spLocks noGrp="1"/>
-          </p:cNvSpPr>
-          <p:nvPr>
-            <p:ph type="title"/>
-          </p:nvPr>
-        </p:nvSpPr>
-        <p:spPr/>
-        <p:txBody>
-          <a:bodyPr/>
-          <a:lstStyle/>
-          <a:p>
-            <a:r>
-              <a:rPr lang="fr-FR" dirty="0"/>
-              <a:t>Affichage du message</a:t>
-            </a:r>
-          </a:p>
-        </p:txBody>
-      </p:sp>
-      <p:sp>
-        <p:nvSpPr>
-          <p:cNvPr id="3" name="Espace réservé du contenu 2"/>
-          <p:cNvSpPr>
-            <a:spLocks noGrp="1"/>
-          </p:cNvSpPr>
-          <p:nvPr>
-            <p:ph idx="1"/>
-          </p:nvPr>
-        </p:nvSpPr>
-        <p:spPr/>
-        <p:txBody>
-          <a:bodyPr/>
-          <a:lstStyle/>
-          <a:p>
-            <a:r>
-              <a:rPr lang="fr-FR" dirty="0"/>
-              <a:t>Le message peut être affiché depuis un composant</a:t>
-            </a:r>
-          </a:p>
-          <a:p>
-            <a:pPr lvl="1"/>
-            <a:r>
-              <a:rPr lang="fr-FR" dirty="0"/>
-              <a:t>Il est préférable de créer un nouveau composant plutôt que de réutilisé </a:t>
-            </a:r>
-            <a:r>
-              <a:rPr lang="fr-FR" dirty="0" err="1"/>
-              <a:t>hero-details</a:t>
-            </a:r>
-            <a:endParaRPr lang="fr-FR" dirty="0"/>
-          </a:p>
-          <a:p>
-            <a:pPr lvl="1"/>
-            <a:r>
-              <a:rPr lang="fr-FR" dirty="0" err="1"/>
-              <a:t>Separation</a:t>
-            </a:r>
-            <a:r>
-              <a:rPr lang="fr-FR" dirty="0"/>
-              <a:t> of </a:t>
-            </a:r>
-            <a:r>
-              <a:rPr lang="fr-FR" dirty="0" err="1"/>
-              <a:t>Concern</a:t>
-            </a:r>
-            <a:endParaRPr lang="fr-FR" dirty="0"/>
-          </a:p>
-          <a:p>
-            <a:pPr lvl="1"/>
-            <a:r>
-              <a:rPr lang="fr-FR" dirty="0" err="1"/>
-              <a:t>ng</a:t>
-            </a:r>
-            <a:r>
-              <a:rPr lang="fr-FR" dirty="0"/>
-              <a:t> </a:t>
-            </a:r>
-            <a:r>
-              <a:rPr lang="fr-FR" dirty="0" err="1"/>
-              <a:t>generate</a:t>
-            </a:r>
-            <a:r>
-              <a:rPr lang="fr-FR" dirty="0"/>
-              <a:t> component messages</a:t>
-            </a:r>
-          </a:p>
-          <a:p>
-            <a:pPr lvl="1"/>
-            <a:r>
-              <a:rPr lang="fr-FR" dirty="0"/>
-              <a:t>import { </a:t>
-            </a:r>
-            <a:r>
-              <a:rPr lang="fr-FR" dirty="0" err="1"/>
-              <a:t>MessageService</a:t>
-            </a:r>
-            <a:r>
-              <a:rPr lang="fr-FR" dirty="0"/>
-              <a:t> } </a:t>
-            </a:r>
-            <a:r>
-              <a:rPr lang="fr-FR" dirty="0" err="1"/>
-              <a:t>from</a:t>
-            </a:r>
-            <a:r>
-              <a:rPr lang="fr-FR" dirty="0"/>
-              <a:t> '../</a:t>
-            </a:r>
-            <a:r>
-              <a:rPr lang="fr-FR" dirty="0" err="1"/>
-              <a:t>message.service</a:t>
-            </a:r>
-            <a:r>
-              <a:rPr lang="fr-FR" dirty="0"/>
-              <a:t>';</a:t>
-            </a:r>
-          </a:p>
-          <a:p>
-            <a:pPr lvl="1"/>
-            <a:r>
-              <a:rPr lang="fr-FR" dirty="0" err="1"/>
-              <a:t>constructor</a:t>
-            </a:r>
-            <a:r>
-              <a:rPr lang="fr-FR" dirty="0"/>
-              <a:t>(public </a:t>
-            </a:r>
-            <a:r>
-              <a:rPr lang="fr-FR" dirty="0" err="1"/>
-              <a:t>messageService</a:t>
-            </a:r>
-            <a:r>
-              <a:rPr lang="fr-FR" dirty="0"/>
-              <a:t>: </a:t>
-            </a:r>
-            <a:r>
-              <a:rPr lang="fr-FR" dirty="0" err="1"/>
-              <a:t>MessageService</a:t>
-            </a:r>
-            <a:r>
-              <a:rPr lang="fr-FR" dirty="0"/>
-              <a:t>) {}</a:t>
-            </a:r>
-          </a:p>
-          <a:p>
-            <a:endParaRPr lang="fr-FR" dirty="0"/>
-          </a:p>
-        </p:txBody>
-      </p:sp>
-    </p:spTree>
-    <p:extLst>
-      <p:ext uri="{BB962C8B-B14F-4D97-AF65-F5344CB8AC3E}">
-        <p14:creationId xmlns:p14="http://schemas.microsoft.com/office/powerpoint/2010/main" val="959380372"/>
       </p:ext>
     </p:extLst>
   </p:cSld>
